--- a/semaine7/CO12AL-W7-VIDEO03-SLIDE01.pptx
+++ b/semaine7/CO12AL-W7-VIDEO03-SLIDE01.pptx
@@ -5,10 +5,10 @@
     <p:sldMasterId id="2147483649" r:id="rId1"/>
   </p:sldMasterIdLst>
   <p:notesMasterIdLst>
-    <p:notesMasterId r:id="rId14"/>
+    <p:notesMasterId r:id="rId16"/>
   </p:notesMasterIdLst>
   <p:handoutMasterIdLst>
-    <p:handoutMasterId r:id="rId15"/>
+    <p:handoutMasterId r:id="rId17"/>
   </p:handoutMasterIdLst>
   <p:sldIdLst>
     <p:sldId id="256" r:id="rId2"/>
@@ -21,8 +21,10 @@
     <p:sldId id="268" r:id="rId9"/>
     <p:sldId id="269" r:id="rId10"/>
     <p:sldId id="270" r:id="rId11"/>
-    <p:sldId id="272" r:id="rId12"/>
-    <p:sldId id="271" r:id="rId13"/>
+    <p:sldId id="275" r:id="rId12"/>
+    <p:sldId id="276" r:id="rId13"/>
+    <p:sldId id="272" r:id="rId14"/>
+    <p:sldId id="271" r:id="rId15"/>
   </p:sldIdLst>
   <p:sldSz cx="12192000" cy="6858000"/>
   <p:notesSz cx="7099300" cy="10234613"/>
@@ -166,6 +168,8 @@
             <p14:sldId id="268"/>
             <p14:sldId id="269"/>
             <p14:sldId id="270"/>
+            <p14:sldId id="275"/>
+            <p14:sldId id="276"/>
             <p14:sldId id="272"/>
             <p14:sldId id="271"/>
           </p14:sldIdLst>
@@ -1021,6 +1025,815 @@
 </p:notes>
 </file>
 
+<file path=ppt/notesSlides/notesSlide10.xml><?xml version="1.0" encoding="utf-8"?>
+<p:notes xmlns:a="http://schemas.openxmlformats.org/drawingml/2006/main" xmlns:r="http://schemas.openxmlformats.org/officeDocument/2006/relationships" xmlns:p="http://schemas.openxmlformats.org/presentationml/2006/main">
+  <p:cSld>
+    <p:spTree>
+      <p:nvGrpSpPr>
+        <p:cNvPr id="1" name=""/>
+        <p:cNvGrpSpPr/>
+        <p:nvPr/>
+      </p:nvGrpSpPr>
+      <p:grpSpPr>
+        <a:xfrm>
+          <a:off x="0" y="0"/>
+          <a:ext cx="0" cy="0"/>
+          <a:chOff x="0" y="0"/>
+          <a:chExt cx="0" cy="0"/>
+        </a:xfrm>
+      </p:grpSpPr>
+      <p:sp>
+        <p:nvSpPr>
+          <p:cNvPr id="2" name="Espace réservé de l'image des diapositives 1"/>
+          <p:cNvSpPr>
+            <a:spLocks noGrp="1" noRot="1" noChangeAspect="1"/>
+          </p:cNvSpPr>
+          <p:nvPr>
+            <p:ph type="sldImg"/>
+          </p:nvPr>
+        </p:nvSpPr>
+        <p:spPr/>
+      </p:sp>
+      <p:sp>
+        <p:nvSpPr>
+          <p:cNvPr id="3" name="Espace réservé des commentaires 2"/>
+          <p:cNvSpPr>
+            <a:spLocks noGrp="1"/>
+          </p:cNvSpPr>
+          <p:nvPr>
+            <p:ph type="body" idx="1"/>
+          </p:nvPr>
+        </p:nvSpPr>
+        <p:spPr/>
+        <p:txBody>
+          <a:bodyPr/>
+          <a:lstStyle/>
+          <a:p>
+            <a:pPr marL="0" marR="0" indent="0" algn="l" defTabSz="914400" rtl="0" eaLnBrk="0" fontAlgn="base" latinLnBrk="0" hangingPunct="0">
+              <a:lnSpc>
+                <a:spcPct val="100000"/>
+              </a:lnSpc>
+              <a:spcBef>
+                <a:spcPct val="30000"/>
+              </a:spcBef>
+              <a:spcAft>
+                <a:spcPct val="0"/>
+              </a:spcAft>
+              <a:buClrTx/>
+              <a:buSzTx/>
+              <a:buFontTx/>
+              <a:buNone/>
+              <a:tabLst/>
+              <a:defRPr/>
+            </a:pPr>
+            <a:r>
+              <a:rPr lang="fr-FR" dirty="0" smtClean="0"/>
+              <a:t>Attention</a:t>
+            </a:r>
+            <a:r>
+              <a:rPr lang="fr-FR" baseline="0" dirty="0" smtClean="0"/>
+              <a:t> à la terminologie. Tous les objets sont des instances de quelque chose, en particulier les classes sont des instances de la </a:t>
+            </a:r>
+            <a:r>
+              <a:rPr lang="fr-FR" baseline="0" dirty="0" err="1" smtClean="0"/>
+              <a:t>metaclasse</a:t>
+            </a:r>
+            <a:r>
+              <a:rPr lang="fr-FR" baseline="0" dirty="0" smtClean="0"/>
+              <a:t>, mais dans notre contexte on réserve le terme instance à des objets qui n’ont pas pour type l’objet type. On appelle ici les instance de la </a:t>
+            </a:r>
+            <a:r>
+              <a:rPr lang="fr-FR" baseline="0" dirty="0" err="1" smtClean="0"/>
+              <a:t>metaclase</a:t>
+            </a:r>
+            <a:r>
+              <a:rPr lang="fr-FR" baseline="0" dirty="0" smtClean="0"/>
+              <a:t> des classes ou des types (les deux termes sont équivalents). </a:t>
+            </a:r>
+          </a:p>
+          <a:p>
+            <a:pPr marL="0" marR="0" indent="0" algn="l" defTabSz="914400" rtl="0" eaLnBrk="0" fontAlgn="base" latinLnBrk="0" hangingPunct="0">
+              <a:lnSpc>
+                <a:spcPct val="100000"/>
+              </a:lnSpc>
+              <a:spcBef>
+                <a:spcPct val="30000"/>
+              </a:spcBef>
+              <a:spcAft>
+                <a:spcPct val="0"/>
+              </a:spcAft>
+              <a:buClrTx/>
+              <a:buSzTx/>
+              <a:buFontTx/>
+              <a:buNone/>
+              <a:tabLst/>
+              <a:defRPr/>
+            </a:pPr>
+            <a:endParaRPr lang="fr-FR" baseline="0" dirty="0" smtClean="0"/>
+          </a:p>
+          <a:p>
+            <a:pPr marL="0" marR="0" indent="0" algn="l" defTabSz="914400" rtl="0" eaLnBrk="0" fontAlgn="base" latinLnBrk="0" hangingPunct="0">
+              <a:lnSpc>
+                <a:spcPct val="100000"/>
+              </a:lnSpc>
+              <a:spcBef>
+                <a:spcPct val="30000"/>
+              </a:spcBef>
+              <a:spcAft>
+                <a:spcPct val="0"/>
+              </a:spcAft>
+              <a:buClrTx/>
+              <a:buSzTx/>
+              <a:buFontTx/>
+              <a:buNone/>
+              <a:tabLst/>
+              <a:defRPr/>
+            </a:pPr>
+            <a:r>
+              <a:rPr lang="fr-FR" baseline="0" dirty="0" smtClean="0"/>
+              <a:t>Certains </a:t>
+            </a:r>
+            <a:r>
+              <a:rPr lang="fr-FR" baseline="0" dirty="0" err="1" smtClean="0"/>
+              <a:t>built</a:t>
+            </a:r>
+            <a:r>
+              <a:rPr lang="fr-FR" baseline="0" dirty="0" smtClean="0"/>
+              <a:t>-in type ne peuvent pas être des super classes comme </a:t>
+            </a:r>
+            <a:r>
+              <a:rPr lang="fr-FR" baseline="0" dirty="0" err="1" smtClean="0"/>
+              <a:t>FunctionType</a:t>
+            </a:r>
+            <a:r>
+              <a:rPr lang="fr-FR" baseline="0" dirty="0" smtClean="0"/>
+              <a:t> (la raison n’est pas claire pour moi, peut-être est-ce lié</a:t>
+            </a:r>
+          </a:p>
+          <a:p>
+            <a:pPr marL="0" marR="0" indent="0" algn="l" defTabSz="914400" rtl="0" eaLnBrk="0" fontAlgn="base" latinLnBrk="0" hangingPunct="0">
+              <a:lnSpc>
+                <a:spcPct val="100000"/>
+              </a:lnSpc>
+              <a:spcBef>
+                <a:spcPct val="30000"/>
+              </a:spcBef>
+              <a:spcAft>
+                <a:spcPct val="0"/>
+              </a:spcAft>
+              <a:buClrTx/>
+              <a:buSzTx/>
+              <a:buFontTx/>
+              <a:buNone/>
+              <a:tabLst/>
+              <a:defRPr/>
+            </a:pPr>
+            <a:r>
+              <a:rPr lang="fr-FR" baseline="0" dirty="0" smtClean="0"/>
+              <a:t>Rôle très particulier des fonctions).</a:t>
+            </a:r>
+          </a:p>
+          <a:p>
+            <a:pPr marL="0" marR="0" indent="0" algn="l" defTabSz="914400" rtl="0" eaLnBrk="0" fontAlgn="base" latinLnBrk="0" hangingPunct="0">
+              <a:lnSpc>
+                <a:spcPct val="100000"/>
+              </a:lnSpc>
+              <a:spcBef>
+                <a:spcPct val="30000"/>
+              </a:spcBef>
+              <a:spcAft>
+                <a:spcPct val="0"/>
+              </a:spcAft>
+              <a:buClrTx/>
+              <a:buSzTx/>
+              <a:buFontTx/>
+              <a:buNone/>
+              <a:tabLst/>
+              <a:defRPr/>
+            </a:pPr>
+            <a:r>
+              <a:rPr lang="fr-FR" dirty="0" smtClean="0"/>
+              <a:t>&gt;&gt;&gt; import types</a:t>
+            </a:r>
+          </a:p>
+          <a:p>
+            <a:pPr marL="0" marR="0" indent="0" algn="l" defTabSz="914400" rtl="0" eaLnBrk="0" fontAlgn="base" latinLnBrk="0" hangingPunct="0">
+              <a:lnSpc>
+                <a:spcPct val="100000"/>
+              </a:lnSpc>
+              <a:spcBef>
+                <a:spcPct val="30000"/>
+              </a:spcBef>
+              <a:spcAft>
+                <a:spcPct val="0"/>
+              </a:spcAft>
+              <a:buClrTx/>
+              <a:buSzTx/>
+              <a:buFontTx/>
+              <a:buNone/>
+              <a:tabLst/>
+              <a:defRPr/>
+            </a:pPr>
+            <a:r>
+              <a:rPr lang="fr-FR" dirty="0" smtClean="0"/>
+              <a:t>&gt;&gt;&gt; type(</a:t>
+            </a:r>
+            <a:r>
+              <a:rPr lang="fr-FR" dirty="0" err="1" smtClean="0"/>
+              <a:t>types.FunctionType</a:t>
+            </a:r>
+            <a:r>
+              <a:rPr lang="fr-FR" dirty="0" smtClean="0"/>
+              <a:t>)</a:t>
+            </a:r>
+          </a:p>
+          <a:p>
+            <a:pPr marL="0" marR="0" indent="0" algn="l" defTabSz="914400" rtl="0" eaLnBrk="0" fontAlgn="base" latinLnBrk="0" hangingPunct="0">
+              <a:lnSpc>
+                <a:spcPct val="100000"/>
+              </a:lnSpc>
+              <a:spcBef>
+                <a:spcPct val="30000"/>
+              </a:spcBef>
+              <a:spcAft>
+                <a:spcPct val="0"/>
+              </a:spcAft>
+              <a:buClrTx/>
+              <a:buSzTx/>
+              <a:buFontTx/>
+              <a:buNone/>
+              <a:tabLst/>
+              <a:defRPr/>
+            </a:pPr>
+            <a:r>
+              <a:rPr lang="fr-FR" dirty="0" smtClean="0"/>
+              <a:t>&lt;type 'type'&gt;</a:t>
+            </a:r>
+          </a:p>
+          <a:p>
+            <a:pPr marL="0" marR="0" indent="0" algn="l" defTabSz="914400" rtl="0" eaLnBrk="0" fontAlgn="base" latinLnBrk="0" hangingPunct="0">
+              <a:lnSpc>
+                <a:spcPct val="100000"/>
+              </a:lnSpc>
+              <a:spcBef>
+                <a:spcPct val="30000"/>
+              </a:spcBef>
+              <a:spcAft>
+                <a:spcPct val="0"/>
+              </a:spcAft>
+              <a:buClrTx/>
+              <a:buSzTx/>
+              <a:buFontTx/>
+              <a:buNone/>
+              <a:tabLst/>
+              <a:defRPr/>
+            </a:pPr>
+            <a:r>
+              <a:rPr lang="fr-FR" dirty="0" smtClean="0"/>
+              <a:t>&gt;&gt;&gt; class C(</a:t>
+            </a:r>
+            <a:r>
+              <a:rPr lang="fr-FR" dirty="0" err="1" smtClean="0"/>
+              <a:t>types.FunctionType</a:t>
+            </a:r>
+            <a:r>
+              <a:rPr lang="fr-FR" dirty="0" smtClean="0"/>
+              <a:t>):</a:t>
+            </a:r>
+          </a:p>
+          <a:p>
+            <a:pPr marL="0" marR="0" indent="0" algn="l" defTabSz="914400" rtl="0" eaLnBrk="0" fontAlgn="base" latinLnBrk="0" hangingPunct="0">
+              <a:lnSpc>
+                <a:spcPct val="100000"/>
+              </a:lnSpc>
+              <a:spcBef>
+                <a:spcPct val="30000"/>
+              </a:spcBef>
+              <a:spcAft>
+                <a:spcPct val="0"/>
+              </a:spcAft>
+              <a:buClrTx/>
+              <a:buSzTx/>
+              <a:buFontTx/>
+              <a:buNone/>
+              <a:tabLst/>
+              <a:defRPr/>
+            </a:pPr>
+            <a:r>
+              <a:rPr lang="fr-FR" dirty="0" smtClean="0"/>
+              <a:t>	</a:t>
+            </a:r>
+            <a:r>
+              <a:rPr lang="fr-FR" dirty="0" err="1" smtClean="0"/>
+              <a:t>pass</a:t>
+            </a:r>
+            <a:endParaRPr lang="fr-FR" dirty="0" smtClean="0"/>
+          </a:p>
+          <a:p>
+            <a:pPr marL="0" marR="0" indent="0" algn="l" defTabSz="914400" rtl="0" eaLnBrk="0" fontAlgn="base" latinLnBrk="0" hangingPunct="0">
+              <a:lnSpc>
+                <a:spcPct val="100000"/>
+              </a:lnSpc>
+              <a:spcBef>
+                <a:spcPct val="30000"/>
+              </a:spcBef>
+              <a:spcAft>
+                <a:spcPct val="0"/>
+              </a:spcAft>
+              <a:buClrTx/>
+              <a:buSzTx/>
+              <a:buFontTx/>
+              <a:buNone/>
+              <a:tabLst/>
+              <a:defRPr/>
+            </a:pPr>
+            <a:endParaRPr lang="fr-FR" dirty="0" smtClean="0"/>
+          </a:p>
+          <a:p>
+            <a:pPr marL="0" marR="0" indent="0" algn="l" defTabSz="914400" rtl="0" eaLnBrk="0" fontAlgn="base" latinLnBrk="0" hangingPunct="0">
+              <a:lnSpc>
+                <a:spcPct val="100000"/>
+              </a:lnSpc>
+              <a:spcBef>
+                <a:spcPct val="30000"/>
+              </a:spcBef>
+              <a:spcAft>
+                <a:spcPct val="0"/>
+              </a:spcAft>
+              <a:buClrTx/>
+              <a:buSzTx/>
+              <a:buFontTx/>
+              <a:buNone/>
+              <a:tabLst/>
+              <a:defRPr/>
+            </a:pPr>
+            <a:r>
+              <a:rPr lang="fr-FR" dirty="0" err="1" smtClean="0"/>
+              <a:t>Traceback</a:t>
+            </a:r>
+            <a:r>
+              <a:rPr lang="fr-FR" dirty="0" smtClean="0"/>
+              <a:t> (</a:t>
+            </a:r>
+            <a:r>
+              <a:rPr lang="fr-FR" dirty="0" err="1" smtClean="0"/>
+              <a:t>most</a:t>
+            </a:r>
+            <a:r>
+              <a:rPr lang="fr-FR" dirty="0" smtClean="0"/>
+              <a:t> </a:t>
+            </a:r>
+            <a:r>
+              <a:rPr lang="fr-FR" dirty="0" err="1" smtClean="0"/>
+              <a:t>recent</a:t>
+            </a:r>
+            <a:r>
+              <a:rPr lang="fr-FR" dirty="0" smtClean="0"/>
+              <a:t> call last):</a:t>
+            </a:r>
+          </a:p>
+          <a:p>
+            <a:pPr marL="0" marR="0" indent="0" algn="l" defTabSz="914400" rtl="0" eaLnBrk="0" fontAlgn="base" latinLnBrk="0" hangingPunct="0">
+              <a:lnSpc>
+                <a:spcPct val="100000"/>
+              </a:lnSpc>
+              <a:spcBef>
+                <a:spcPct val="30000"/>
+              </a:spcBef>
+              <a:spcAft>
+                <a:spcPct val="0"/>
+              </a:spcAft>
+              <a:buClrTx/>
+              <a:buSzTx/>
+              <a:buFontTx/>
+              <a:buNone/>
+              <a:tabLst/>
+              <a:defRPr/>
+            </a:pPr>
+            <a:r>
+              <a:rPr lang="fr-FR" dirty="0" smtClean="0"/>
+              <a:t>  File "&lt;pyshell#74&gt;", line 1, in &lt;module&gt;</a:t>
+            </a:r>
+          </a:p>
+          <a:p>
+            <a:pPr marL="0" marR="0" indent="0" algn="l" defTabSz="914400" rtl="0" eaLnBrk="0" fontAlgn="base" latinLnBrk="0" hangingPunct="0">
+              <a:lnSpc>
+                <a:spcPct val="100000"/>
+              </a:lnSpc>
+              <a:spcBef>
+                <a:spcPct val="30000"/>
+              </a:spcBef>
+              <a:spcAft>
+                <a:spcPct val="0"/>
+              </a:spcAft>
+              <a:buClrTx/>
+              <a:buSzTx/>
+              <a:buFontTx/>
+              <a:buNone/>
+              <a:tabLst/>
+              <a:defRPr/>
+            </a:pPr>
+            <a:r>
+              <a:rPr lang="fr-FR" dirty="0" smtClean="0"/>
+              <a:t>    class C(</a:t>
+            </a:r>
+            <a:r>
+              <a:rPr lang="fr-FR" dirty="0" err="1" smtClean="0"/>
+              <a:t>types.FunctionType</a:t>
+            </a:r>
+            <a:r>
+              <a:rPr lang="fr-FR" dirty="0" smtClean="0"/>
+              <a:t>):</a:t>
+            </a:r>
+          </a:p>
+          <a:p>
+            <a:pPr marL="0" marR="0" indent="0" algn="l" defTabSz="914400" rtl="0" eaLnBrk="0" fontAlgn="base" latinLnBrk="0" hangingPunct="0">
+              <a:lnSpc>
+                <a:spcPct val="100000"/>
+              </a:lnSpc>
+              <a:spcBef>
+                <a:spcPct val="30000"/>
+              </a:spcBef>
+              <a:spcAft>
+                <a:spcPct val="0"/>
+              </a:spcAft>
+              <a:buClrTx/>
+              <a:buSzTx/>
+              <a:buFontTx/>
+              <a:buNone/>
+              <a:tabLst/>
+              <a:defRPr/>
+            </a:pPr>
+            <a:r>
+              <a:rPr lang="fr-FR" dirty="0" err="1" smtClean="0"/>
+              <a:t>TypeError</a:t>
+            </a:r>
+            <a:r>
+              <a:rPr lang="fr-FR" dirty="0" smtClean="0"/>
+              <a:t>: </a:t>
+            </a:r>
+            <a:r>
+              <a:rPr lang="fr-FR" dirty="0" err="1" smtClean="0"/>
+              <a:t>Error</a:t>
+            </a:r>
+            <a:r>
+              <a:rPr lang="fr-FR" dirty="0" smtClean="0"/>
+              <a:t> </a:t>
+            </a:r>
+            <a:r>
+              <a:rPr lang="fr-FR" dirty="0" err="1" smtClean="0"/>
+              <a:t>when</a:t>
+            </a:r>
+            <a:r>
+              <a:rPr lang="fr-FR" dirty="0" smtClean="0"/>
+              <a:t> </a:t>
+            </a:r>
+            <a:r>
+              <a:rPr lang="fr-FR" dirty="0" err="1" smtClean="0"/>
+              <a:t>calling</a:t>
+            </a:r>
+            <a:r>
+              <a:rPr lang="fr-FR" dirty="0" smtClean="0"/>
+              <a:t> the </a:t>
+            </a:r>
+            <a:r>
+              <a:rPr lang="fr-FR" dirty="0" err="1" smtClean="0"/>
+              <a:t>metaclass</a:t>
+            </a:r>
+            <a:r>
+              <a:rPr lang="fr-FR" dirty="0" smtClean="0"/>
+              <a:t> bases</a:t>
+            </a:r>
+          </a:p>
+          <a:p>
+            <a:pPr marL="0" marR="0" indent="0" algn="l" defTabSz="914400" rtl="0" eaLnBrk="0" fontAlgn="base" latinLnBrk="0" hangingPunct="0">
+              <a:lnSpc>
+                <a:spcPct val="100000"/>
+              </a:lnSpc>
+              <a:spcBef>
+                <a:spcPct val="30000"/>
+              </a:spcBef>
+              <a:spcAft>
+                <a:spcPct val="0"/>
+              </a:spcAft>
+              <a:buClrTx/>
+              <a:buSzTx/>
+              <a:buFontTx/>
+              <a:buNone/>
+              <a:tabLst/>
+              <a:defRPr/>
+            </a:pPr>
+            <a:r>
+              <a:rPr lang="fr-FR" dirty="0" smtClean="0"/>
+              <a:t>    type '</a:t>
+            </a:r>
+            <a:r>
+              <a:rPr lang="fr-FR" dirty="0" err="1" smtClean="0"/>
+              <a:t>function</a:t>
+            </a:r>
+            <a:r>
+              <a:rPr lang="fr-FR" dirty="0" smtClean="0"/>
+              <a:t>' </a:t>
+            </a:r>
+            <a:r>
+              <a:rPr lang="fr-FR" dirty="0" err="1" smtClean="0"/>
+              <a:t>is</a:t>
+            </a:r>
+            <a:r>
+              <a:rPr lang="fr-FR" dirty="0" smtClean="0"/>
+              <a:t> not an acceptable base type</a:t>
+            </a:r>
+          </a:p>
+          <a:p>
+            <a:endParaRPr lang="fr-FR" dirty="0"/>
+          </a:p>
+        </p:txBody>
+      </p:sp>
+      <p:sp>
+        <p:nvSpPr>
+          <p:cNvPr id="4" name="Espace réservé du numéro de diapositive 3"/>
+          <p:cNvSpPr>
+            <a:spLocks noGrp="1"/>
+          </p:cNvSpPr>
+          <p:nvPr>
+            <p:ph type="sldNum" sz="quarter" idx="10"/>
+          </p:nvPr>
+        </p:nvSpPr>
+        <p:spPr/>
+        <p:txBody>
+          <a:bodyPr/>
+          <a:lstStyle/>
+          <a:p>
+            <a:pPr>
+              <a:defRPr/>
+            </a:pPr>
+            <a:fld id="{9E8EB9F5-F2F7-4A48-A943-9B409357C15C}" type="slidenum">
+              <a:rPr lang="en-US" smtClean="0"/>
+              <a:pPr>
+                <a:defRPr/>
+              </a:pPr>
+              <a:t>12</a:t>
+            </a:fld>
+            <a:endParaRPr lang="en-US"/>
+          </a:p>
+        </p:txBody>
+      </p:sp>
+    </p:spTree>
+    <p:extLst>
+      <p:ext uri="{BB962C8B-B14F-4D97-AF65-F5344CB8AC3E}">
+        <p14:creationId xmlns:p14="http://schemas.microsoft.com/office/powerpoint/2010/main" val="3918877288"/>
+      </p:ext>
+    </p:extLst>
+  </p:cSld>
+  <p:clrMapOvr>
+    <a:masterClrMapping/>
+  </p:clrMapOvr>
+</p:notes>
+</file>
+
+<file path=ppt/notesSlides/notesSlide11.xml><?xml version="1.0" encoding="utf-8"?>
+<p:notes xmlns:a="http://schemas.openxmlformats.org/drawingml/2006/main" xmlns:r="http://schemas.openxmlformats.org/officeDocument/2006/relationships" xmlns:p="http://schemas.openxmlformats.org/presentationml/2006/main">
+  <p:cSld>
+    <p:spTree>
+      <p:nvGrpSpPr>
+        <p:cNvPr id="1" name=""/>
+        <p:cNvGrpSpPr/>
+        <p:nvPr/>
+      </p:nvGrpSpPr>
+      <p:grpSpPr>
+        <a:xfrm>
+          <a:off x="0" y="0"/>
+          <a:ext cx="0" cy="0"/>
+          <a:chOff x="0" y="0"/>
+          <a:chExt cx="0" cy="0"/>
+        </a:xfrm>
+      </p:grpSpPr>
+      <p:sp>
+        <p:nvSpPr>
+          <p:cNvPr id="2" name="Espace réservé de l'image des diapositives 1"/>
+          <p:cNvSpPr>
+            <a:spLocks noGrp="1" noRot="1" noChangeAspect="1"/>
+          </p:cNvSpPr>
+          <p:nvPr>
+            <p:ph type="sldImg"/>
+          </p:nvPr>
+        </p:nvSpPr>
+        <p:spPr/>
+      </p:sp>
+      <p:sp>
+        <p:nvSpPr>
+          <p:cNvPr id="3" name="Espace réservé des commentaires 2"/>
+          <p:cNvSpPr>
+            <a:spLocks noGrp="1"/>
+          </p:cNvSpPr>
+          <p:nvPr>
+            <p:ph type="body" idx="1"/>
+          </p:nvPr>
+        </p:nvSpPr>
+        <p:spPr/>
+        <p:txBody>
+          <a:bodyPr/>
+          <a:lstStyle/>
+          <a:p>
+            <a:r>
+              <a:rPr lang="fr-FR" dirty="0" smtClean="0"/>
+              <a:t>Type est la </a:t>
+            </a:r>
+            <a:r>
+              <a:rPr lang="fr-FR" dirty="0" err="1" smtClean="0"/>
+              <a:t>métaclasse</a:t>
+            </a:r>
+            <a:r>
+              <a:rPr lang="fr-FR" baseline="0" dirty="0" smtClean="0"/>
+              <a:t> pour type. Ça n’est évidement pas type qui instancie type, ça n’aurait pas de sens puisque type doit exister à un moment et ne peut pas être</a:t>
+            </a:r>
+          </a:p>
+          <a:p>
+            <a:r>
+              <a:rPr lang="fr-FR" baseline="0" dirty="0" smtClean="0"/>
+              <a:t>Une génération </a:t>
+            </a:r>
+            <a:r>
+              <a:rPr lang="fr-FR" baseline="0" dirty="0" err="1" smtClean="0"/>
+              <a:t>spontannée</a:t>
+            </a:r>
+            <a:r>
+              <a:rPr lang="fr-FR" baseline="0" dirty="0" smtClean="0"/>
+              <a:t>. L’objet type est le premier créé par l’interpréteur Python. Le fait que type(type) retourne type est simplement une astuce pour n’avoir qu’un seul niveau de </a:t>
+            </a:r>
+            <a:r>
+              <a:rPr lang="fr-FR" baseline="0" dirty="0" err="1" smtClean="0"/>
+              <a:t>metaclasses</a:t>
+            </a:r>
+            <a:r>
+              <a:rPr lang="fr-FR" baseline="0" dirty="0" smtClean="0"/>
+              <a:t>. Si ça n’était pas le cas, il faudrait une autre </a:t>
+            </a:r>
+            <a:r>
+              <a:rPr lang="fr-FR" baseline="0" dirty="0" err="1" smtClean="0"/>
+              <a:t>métaclasse</a:t>
+            </a:r>
+            <a:r>
+              <a:rPr lang="fr-FR" baseline="0" dirty="0" smtClean="0"/>
+              <a:t> pour type, et une autre </a:t>
+            </a:r>
+            <a:r>
+              <a:rPr lang="fr-FR" baseline="0" dirty="0" err="1" smtClean="0"/>
+              <a:t>métaclasse</a:t>
+            </a:r>
+            <a:r>
+              <a:rPr lang="fr-FR" baseline="0" dirty="0" smtClean="0"/>
+              <a:t> pour la </a:t>
+            </a:r>
+            <a:r>
+              <a:rPr lang="fr-FR" baseline="0" dirty="0" err="1" smtClean="0"/>
+              <a:t>métaclasse</a:t>
+            </a:r>
+            <a:r>
+              <a:rPr lang="fr-FR" baseline="0" dirty="0" smtClean="0"/>
+              <a:t> de type, et ainsi de suite. </a:t>
+            </a:r>
+            <a:endParaRPr lang="fr-FR" baseline="0" dirty="0" smtClean="0"/>
+          </a:p>
+          <a:p>
+            <a:endParaRPr lang="fr-FR" baseline="0" dirty="0" smtClean="0"/>
+          </a:p>
+          <a:p>
+            <a:r>
+              <a:rPr lang="fr-FR" baseline="0" dirty="0" smtClean="0"/>
+              <a:t>Quelques résultats étonnants à première vue</a:t>
+            </a:r>
+          </a:p>
+          <a:p>
+            <a:r>
+              <a:rPr lang="fr-FR" dirty="0" smtClean="0"/>
+              <a:t>&gt;&gt;&gt; </a:t>
+            </a:r>
+            <a:r>
+              <a:rPr lang="fr-FR" dirty="0" err="1" smtClean="0"/>
+              <a:t>isinstance</a:t>
+            </a:r>
+            <a:r>
+              <a:rPr lang="fr-FR" dirty="0" smtClean="0"/>
+              <a:t>(</a:t>
+            </a:r>
+            <a:r>
+              <a:rPr lang="fr-FR" dirty="0" err="1" smtClean="0"/>
+              <a:t>object</a:t>
+            </a:r>
+            <a:r>
+              <a:rPr lang="fr-FR" dirty="0" smtClean="0"/>
+              <a:t>, </a:t>
+            </a:r>
+            <a:r>
+              <a:rPr lang="fr-FR" dirty="0" err="1" smtClean="0"/>
+              <a:t>object</a:t>
+            </a:r>
+            <a:r>
+              <a:rPr lang="fr-FR" dirty="0" smtClean="0"/>
+              <a:t>)</a:t>
+            </a:r>
+          </a:p>
+          <a:p>
+            <a:r>
+              <a:rPr lang="fr-FR" dirty="0" err="1" smtClean="0"/>
+              <a:t>True</a:t>
+            </a:r>
+            <a:endParaRPr lang="fr-FR" dirty="0" smtClean="0"/>
+          </a:p>
+          <a:p>
+            <a:r>
+              <a:rPr lang="fr-FR" dirty="0" smtClean="0"/>
+              <a:t>&gt;&gt;&gt; </a:t>
+            </a:r>
+            <a:r>
+              <a:rPr lang="fr-FR" dirty="0" err="1" smtClean="0"/>
+              <a:t>isinstance</a:t>
+            </a:r>
+            <a:r>
+              <a:rPr lang="fr-FR" dirty="0" smtClean="0"/>
+              <a:t>(type, </a:t>
+            </a:r>
+            <a:r>
+              <a:rPr lang="fr-FR" dirty="0" err="1" smtClean="0"/>
+              <a:t>object</a:t>
+            </a:r>
+            <a:r>
+              <a:rPr lang="fr-FR" dirty="0" smtClean="0"/>
+              <a:t>)</a:t>
+            </a:r>
+          </a:p>
+          <a:p>
+            <a:r>
+              <a:rPr lang="fr-FR" dirty="0" err="1" smtClean="0"/>
+              <a:t>True</a:t>
+            </a:r>
+            <a:endParaRPr lang="fr-FR" dirty="0" smtClean="0"/>
+          </a:p>
+          <a:p>
+            <a:endParaRPr lang="fr-FR" dirty="0" smtClean="0"/>
+          </a:p>
+          <a:p>
+            <a:r>
+              <a:rPr lang="fr-FR" dirty="0" smtClean="0"/>
+              <a:t>objet est une instance</a:t>
+            </a:r>
+            <a:r>
+              <a:rPr lang="fr-FR" baseline="0" dirty="0" smtClean="0"/>
+              <a:t> d’objet parce que objet est une instance de type et objet est une super classe de type (relation de transitivité)</a:t>
+            </a:r>
+          </a:p>
+          <a:p>
+            <a:r>
+              <a:rPr lang="fr-FR" baseline="0" dirty="0" smtClean="0"/>
+              <a:t>type est une instance d’objet parce que parce que type est une instance de type et objet est une super classe de type (relation de transitivité)</a:t>
+            </a:r>
+            <a:endParaRPr lang="fr-FR" dirty="0" smtClean="0"/>
+          </a:p>
+        </p:txBody>
+      </p:sp>
+      <p:sp>
+        <p:nvSpPr>
+          <p:cNvPr id="4" name="Espace réservé du numéro de diapositive 3"/>
+          <p:cNvSpPr>
+            <a:spLocks noGrp="1"/>
+          </p:cNvSpPr>
+          <p:nvPr>
+            <p:ph type="sldNum" sz="quarter" idx="10"/>
+          </p:nvPr>
+        </p:nvSpPr>
+        <p:spPr/>
+        <p:txBody>
+          <a:bodyPr/>
+          <a:lstStyle/>
+          <a:p>
+            <a:pPr>
+              <a:defRPr/>
+            </a:pPr>
+            <a:fld id="{9E8EB9F5-F2F7-4A48-A943-9B409357C15C}" type="slidenum">
+              <a:rPr lang="en-US" smtClean="0"/>
+              <a:pPr>
+                <a:defRPr/>
+              </a:pPr>
+              <a:t>14</a:t>
+            </a:fld>
+            <a:endParaRPr lang="en-US"/>
+          </a:p>
+        </p:txBody>
+      </p:sp>
+    </p:spTree>
+    <p:extLst>
+      <p:ext uri="{BB962C8B-B14F-4D97-AF65-F5344CB8AC3E}">
+        <p14:creationId xmlns:p14="http://schemas.microsoft.com/office/powerpoint/2010/main" val="3107066879"/>
+      </p:ext>
+    </p:extLst>
+  </p:cSld>
+  <p:clrMapOvr>
+    <a:masterClrMapping/>
+  </p:clrMapOvr>
+</p:notes>
+</file>
+
 <file path=ppt/notesSlides/notesSlide2.xml><?xml version="1.0" encoding="utf-8"?>
 <p:notes xmlns:a="http://schemas.openxmlformats.org/drawingml/2006/main" xmlns:r="http://schemas.openxmlformats.org/officeDocument/2006/relationships" xmlns:p="http://schemas.openxmlformats.org/presentationml/2006/main">
   <p:cSld>
@@ -1589,8 +2402,27 @@
             </a:r>
             <a:r>
               <a:rPr lang="fr-FR" baseline="0" dirty="0" smtClean="0"/>
-              <a:t> d’une sous classe est toujours type</a:t>
-            </a:r>
+              <a:t> d’une sous classe est toujours </a:t>
+            </a:r>
+            <a:r>
+              <a:rPr lang="fr-FR" baseline="0" dirty="0" smtClean="0"/>
+              <a:t>type si type est le type de la super classe, ce qui est toujours le cas pour les</a:t>
+            </a:r>
+          </a:p>
+          <a:p>
+            <a:r>
+              <a:rPr lang="fr-FR" baseline="0" dirty="0" smtClean="0"/>
+              <a:t>Classes new-style (sauf si on change la </a:t>
+            </a:r>
+            <a:r>
+              <a:rPr lang="fr-FR" baseline="0" dirty="0" err="1" smtClean="0"/>
+              <a:t>meta</a:t>
+            </a:r>
+            <a:r>
+              <a:rPr lang="fr-FR" baseline="0" dirty="0" smtClean="0"/>
+              <a:t> classe, mais on reviendra dessus plus tard)</a:t>
+            </a:r>
+            <a:endParaRPr lang="fr-FR" baseline="0" dirty="0" smtClean="0"/>
           </a:p>
           <a:p>
             <a:r>
@@ -1701,65 +2533,7 @@
           <a:bodyPr/>
           <a:lstStyle/>
           <a:p>
-            <a:r>
-              <a:rPr lang="fr-FR" dirty="0" smtClean="0"/>
-              <a:t>Type est la </a:t>
-            </a:r>
-            <a:r>
-              <a:rPr lang="fr-FR" dirty="0" err="1" smtClean="0"/>
-              <a:t>métaclasse</a:t>
-            </a:r>
-            <a:r>
-              <a:rPr lang="fr-FR" baseline="0" dirty="0" smtClean="0"/>
-              <a:t> pour type. Ça n’est évidement pas type qui instancie type, ça n’aurait pas de sens puisque type doit exister à un moment et ne peut pas être</a:t>
-            </a:r>
-          </a:p>
-          <a:p>
-            <a:r>
-              <a:rPr lang="fr-FR" baseline="0" dirty="0" smtClean="0"/>
-              <a:t>Une génération </a:t>
-            </a:r>
-            <a:r>
-              <a:rPr lang="fr-FR" baseline="0" dirty="0" err="1" smtClean="0"/>
-              <a:t>spontannée</a:t>
-            </a:r>
-            <a:r>
-              <a:rPr lang="fr-FR" baseline="0" dirty="0" smtClean="0"/>
-              <a:t>. L’objet type est le premier créé par l’interpréteur Python. Le fait que type(type) retourne type est simplement une astuce pour n’avoir qu’un seul niveau de </a:t>
-            </a:r>
-            <a:r>
-              <a:rPr lang="fr-FR" baseline="0" dirty="0" err="1" smtClean="0"/>
-              <a:t>metaclasses</a:t>
-            </a:r>
-            <a:r>
-              <a:rPr lang="fr-FR" baseline="0" dirty="0" smtClean="0"/>
-              <a:t>. Si ça n’était pas le cas, il faudrait une autre </a:t>
-            </a:r>
-            <a:r>
-              <a:rPr lang="fr-FR" baseline="0" dirty="0" err="1" smtClean="0"/>
-              <a:t>métaclasse</a:t>
-            </a:r>
-            <a:r>
-              <a:rPr lang="fr-FR" baseline="0" dirty="0" smtClean="0"/>
-              <a:t> pour type, et une autre </a:t>
-            </a:r>
-            <a:r>
-              <a:rPr lang="fr-FR" baseline="0" dirty="0" err="1" smtClean="0"/>
-              <a:t>métaclasse</a:t>
-            </a:r>
-            <a:r>
-              <a:rPr lang="fr-FR" baseline="0" dirty="0" smtClean="0"/>
-              <a:t> pour la </a:t>
-            </a:r>
-            <a:r>
-              <a:rPr lang="fr-FR" baseline="0" dirty="0" err="1" smtClean="0"/>
-              <a:t>métaclasse</a:t>
-            </a:r>
-            <a:r>
-              <a:rPr lang="fr-FR" baseline="0" dirty="0" smtClean="0"/>
-              <a:t> de type, et ainsi de suite. Ça ne s’arrêterait jamais. </a:t>
-            </a:r>
-            <a:endParaRPr lang="fr-FR" dirty="0" smtClean="0"/>
+            <a:endParaRPr lang="fr-FR" dirty="0"/>
           </a:p>
         </p:txBody>
       </p:sp>
@@ -1786,7 +2560,7 @@
               <a:pPr>
                 <a:defRPr/>
               </a:pPr>
-              <a:t>12</a:t>
+              <a:t>10</a:t>
             </a:fld>
             <a:endParaRPr lang="en-US"/>
           </a:p>
@@ -1795,7 +2569,141 @@
     </p:spTree>
     <p:extLst>
       <p:ext uri="{BB962C8B-B14F-4D97-AF65-F5344CB8AC3E}">
-        <p14:creationId xmlns:p14="http://schemas.microsoft.com/office/powerpoint/2010/main" val="3107066879"/>
+        <p14:creationId xmlns:p14="http://schemas.microsoft.com/office/powerpoint/2010/main" val="3392731514"/>
+      </p:ext>
+    </p:extLst>
+  </p:cSld>
+  <p:clrMapOvr>
+    <a:masterClrMapping/>
+  </p:clrMapOvr>
+</p:notes>
+</file>
+
+<file path=ppt/notesSlides/notesSlide9.xml><?xml version="1.0" encoding="utf-8"?>
+<p:notes xmlns:a="http://schemas.openxmlformats.org/drawingml/2006/main" xmlns:r="http://schemas.openxmlformats.org/officeDocument/2006/relationships" xmlns:p="http://schemas.openxmlformats.org/presentationml/2006/main">
+  <p:cSld>
+    <p:spTree>
+      <p:nvGrpSpPr>
+        <p:cNvPr id="1" name=""/>
+        <p:cNvGrpSpPr/>
+        <p:nvPr/>
+      </p:nvGrpSpPr>
+      <p:grpSpPr>
+        <a:xfrm>
+          <a:off x="0" y="0"/>
+          <a:ext cx="0" cy="0"/>
+          <a:chOff x="0" y="0"/>
+          <a:chExt cx="0" cy="0"/>
+        </a:xfrm>
+      </p:grpSpPr>
+      <p:sp>
+        <p:nvSpPr>
+          <p:cNvPr id="2" name="Espace réservé de l'image des diapositives 1"/>
+          <p:cNvSpPr>
+            <a:spLocks noGrp="1" noRot="1" noChangeAspect="1"/>
+          </p:cNvSpPr>
+          <p:nvPr>
+            <p:ph type="sldImg"/>
+          </p:nvPr>
+        </p:nvSpPr>
+        <p:spPr/>
+      </p:sp>
+      <p:sp>
+        <p:nvSpPr>
+          <p:cNvPr id="3" name="Espace réservé des commentaires 2"/>
+          <p:cNvSpPr>
+            <a:spLocks noGrp="1"/>
+          </p:cNvSpPr>
+          <p:nvPr>
+            <p:ph type="body" idx="1"/>
+          </p:nvPr>
+        </p:nvSpPr>
+        <p:spPr/>
+        <p:txBody>
+          <a:bodyPr/>
+          <a:lstStyle/>
+          <a:p>
+            <a:pPr marL="0" marR="0" indent="0" algn="l" defTabSz="914400" rtl="0" eaLnBrk="0" fontAlgn="base" latinLnBrk="0" hangingPunct="0">
+              <a:lnSpc>
+                <a:spcPct val="100000"/>
+              </a:lnSpc>
+              <a:spcBef>
+                <a:spcPct val="30000"/>
+              </a:spcBef>
+              <a:spcAft>
+                <a:spcPct val="0"/>
+              </a:spcAft>
+              <a:buClrTx/>
+              <a:buSzTx/>
+              <a:buFontTx/>
+              <a:buNone/>
+              <a:tabLst/>
+              <a:defRPr/>
+            </a:pPr>
+            <a:r>
+              <a:rPr lang="fr-FR" dirty="0" smtClean="0"/>
+              <a:t>Attention</a:t>
+            </a:r>
+            <a:r>
+              <a:rPr lang="fr-FR" baseline="0" dirty="0" smtClean="0"/>
+              <a:t> à la terminologie. Tous les objets sont des instances de quelque chose, en particulier les classes sont des instances de la </a:t>
+            </a:r>
+            <a:r>
+              <a:rPr lang="fr-FR" baseline="0" dirty="0" err="1" smtClean="0"/>
+              <a:t>metaclasse</a:t>
+            </a:r>
+            <a:r>
+              <a:rPr lang="fr-FR" baseline="0" dirty="0" smtClean="0"/>
+              <a:t>, mais dans notre contexte on réserve le terme instance à des objets qui n’ont pas pour type l’objet type. On appelle ici les instance de la </a:t>
+            </a:r>
+            <a:r>
+              <a:rPr lang="fr-FR" baseline="0" dirty="0" err="1" smtClean="0"/>
+              <a:t>metaclase</a:t>
+            </a:r>
+            <a:r>
+              <a:rPr lang="fr-FR" baseline="0" dirty="0" smtClean="0"/>
+              <a:t> des classes ou des types (les deux termes sont équivalents). </a:t>
+            </a:r>
+            <a:endParaRPr lang="fr-FR" dirty="0" smtClean="0"/>
+          </a:p>
+          <a:p>
+            <a:endParaRPr lang="fr-FR" dirty="0"/>
+          </a:p>
+        </p:txBody>
+      </p:sp>
+      <p:sp>
+        <p:nvSpPr>
+          <p:cNvPr id="4" name="Espace réservé du numéro de diapositive 3"/>
+          <p:cNvSpPr>
+            <a:spLocks noGrp="1"/>
+          </p:cNvSpPr>
+          <p:nvPr>
+            <p:ph type="sldNum" sz="quarter" idx="10"/>
+          </p:nvPr>
+        </p:nvSpPr>
+        <p:spPr/>
+        <p:txBody>
+          <a:bodyPr/>
+          <a:lstStyle/>
+          <a:p>
+            <a:pPr>
+              <a:defRPr/>
+            </a:pPr>
+            <a:fld id="{9E8EB9F5-F2F7-4A48-A943-9B409357C15C}" type="slidenum">
+              <a:rPr lang="en-US" smtClean="0"/>
+              <a:pPr>
+                <a:defRPr/>
+              </a:pPr>
+              <a:t>11</a:t>
+            </a:fld>
+            <a:endParaRPr lang="en-US"/>
+          </a:p>
+        </p:txBody>
+      </p:sp>
+    </p:spTree>
+    <p:extLst>
+      <p:ext uri="{BB962C8B-B14F-4D97-AF65-F5344CB8AC3E}">
+        <p14:creationId xmlns:p14="http://schemas.microsoft.com/office/powerpoint/2010/main" val="930179752"/>
       </p:ext>
     </p:extLst>
   </p:cSld>
@@ -5578,13 +6486,6 @@
               </a:rPr>
               <a:t>Toutes les classes </a:t>
             </a:r>
-            <a:r>
-              <a:rPr lang="fr-FR" sz="6000" dirty="0" smtClean="0">
-                <a:latin typeface="Calibri" panose="020F0502020204030204" pitchFamily="34" charset="0"/>
-                <a:cs typeface="Courier New" panose="02070309020205020404" pitchFamily="49" charset="0"/>
-              </a:rPr>
-              <a:t/>
-            </a:r>
             <a:br>
               <a:rPr lang="fr-FR" sz="6000" dirty="0" smtClean="0">
                 <a:latin typeface="Calibri" panose="020F0502020204030204" pitchFamily="34" charset="0"/>
@@ -5596,14 +6497,7 @@
                 <a:latin typeface="Calibri" panose="020F0502020204030204" pitchFamily="34" charset="0"/>
                 <a:cs typeface="Courier New" panose="02070309020205020404" pitchFamily="49" charset="0"/>
               </a:rPr>
-              <a:t>héritent </a:t>
-            </a:r>
-            <a:r>
-              <a:rPr lang="fr-FR" sz="6000" dirty="0" smtClean="0">
-                <a:latin typeface="Calibri" panose="020F0502020204030204" pitchFamily="34" charset="0"/>
-                <a:cs typeface="Courier New" panose="02070309020205020404" pitchFamily="49" charset="0"/>
-              </a:rPr>
-              <a:t>de </a:t>
+              <a:t>héritent de </a:t>
             </a:r>
             <a:r>
               <a:rPr lang="fr-FR" sz="6000" dirty="0" err="1" smtClean="0">
@@ -5670,8 +6564,8 @@
         </p:nvSpPr>
         <p:spPr>
           <a:xfrm>
-            <a:off x="401444" y="780585"/>
-            <a:ext cx="11508058" cy="1015663"/>
+            <a:off x="401443" y="689145"/>
+            <a:ext cx="11790557" cy="6278642"/>
           </a:xfrm>
           <a:prstGeom prst="rect">
             <a:avLst/>
@@ -5684,14 +6578,71 @@
           </a:bodyPr>
           <a:lstStyle/>
           <a:p>
+            <a:pPr marL="857250" indent="-857250">
+              <a:buFont typeface="Arial" panose="020B0604020202020204" pitchFamily="34" charset="0"/>
+              <a:buChar char="•"/>
+            </a:pPr>
             <a:r>
               <a:rPr lang="fr-FR" sz="6000" dirty="0" smtClean="0">
                 <a:latin typeface="Calibri" panose="020F0502020204030204" pitchFamily="34" charset="0"/>
-              </a:rPr>
-              <a:t>Quel lien entre </a:t>
+                <a:cs typeface="Courier New" panose="02070309020205020404" pitchFamily="49" charset="0"/>
+              </a:rPr>
+              <a:t>On appelle </a:t>
+            </a:r>
+            <a:r>
+              <a:rPr lang="fr-FR" sz="6000" i="1" dirty="0" smtClean="0">
+                <a:latin typeface="Calibri" panose="020F0502020204030204" pitchFamily="34" charset="0"/>
+                <a:cs typeface="Courier New" panose="02070309020205020404" pitchFamily="49" charset="0"/>
+              </a:rPr>
+              <a:t>classe</a:t>
             </a:r>
             <a:r>
               <a:rPr lang="fr-FR" sz="6000" dirty="0" smtClean="0">
+                <a:latin typeface="Calibri" panose="020F0502020204030204" pitchFamily="34" charset="0"/>
+                <a:cs typeface="Courier New" panose="02070309020205020404" pitchFamily="49" charset="0"/>
+              </a:rPr>
+              <a:t> ou </a:t>
+            </a:r>
+            <a:r>
+              <a:rPr lang="fr-FR" sz="6000" i="1" dirty="0" smtClean="0">
+                <a:latin typeface="Calibri" panose="020F0502020204030204" pitchFamily="34" charset="0"/>
+                <a:cs typeface="Courier New" panose="02070309020205020404" pitchFamily="49" charset="0"/>
+              </a:rPr>
+              <a:t>type</a:t>
+            </a:r>
+            <a:r>
+              <a:rPr lang="fr-FR" sz="6000" dirty="0" smtClean="0">
+                <a:latin typeface="Calibri" panose="020F0502020204030204" pitchFamily="34" charset="0"/>
+                <a:cs typeface="Courier New" panose="02070309020205020404" pitchFamily="49" charset="0"/>
+              </a:rPr>
+              <a:t> une instance de la </a:t>
+            </a:r>
+            <a:r>
+              <a:rPr lang="fr-FR" sz="6000" dirty="0" err="1" smtClean="0">
+                <a:latin typeface="Calibri" panose="020F0502020204030204" pitchFamily="34" charset="0"/>
+                <a:cs typeface="Courier New" panose="02070309020205020404" pitchFamily="49" charset="0"/>
+              </a:rPr>
+              <a:t>métaclasse</a:t>
+            </a:r>
+            <a:endParaRPr lang="fr-FR" sz="6000" dirty="0" smtClean="0">
+              <a:latin typeface="Calibri" panose="020F0502020204030204" pitchFamily="34" charset="0"/>
+              <a:cs typeface="Courier New" panose="02070309020205020404" pitchFamily="49" charset="0"/>
+            </a:endParaRPr>
+          </a:p>
+          <a:p>
+            <a:pPr marL="1314450" lvl="1" indent="-857250">
+              <a:buFont typeface="Arial" panose="020B0604020202020204" pitchFamily="34" charset="0"/>
+              <a:buChar char="•"/>
+            </a:pPr>
+            <a:r>
+              <a:rPr lang="fr-FR" sz="5400" dirty="0" smtClean="0">
+                <a:latin typeface="Calibri" panose="020F0502020204030204" pitchFamily="34" charset="0"/>
+                <a:cs typeface="Courier New" panose="02070309020205020404" pitchFamily="49" charset="0"/>
+              </a:rPr>
+              <a:t>La classe a pour type l’objet </a:t>
+            </a:r>
+            <a:r>
+              <a:rPr lang="fr-FR" sz="5400" dirty="0" smtClean="0">
                 <a:solidFill>
                   <a:srgbClr val="00B050"/>
                 </a:solidFill>
@@ -5700,59 +6651,77 @@
               </a:rPr>
               <a:t>type</a:t>
             </a:r>
+            <a:endParaRPr lang="fr-FR" sz="5400" dirty="0" smtClean="0">
+              <a:solidFill>
+                <a:srgbClr val="00B050"/>
+              </a:solidFill>
+              <a:latin typeface="Courier New" panose="02070309020205020404" pitchFamily="49" charset="0"/>
+              <a:cs typeface="Courier New" panose="02070309020205020404" pitchFamily="49" charset="0"/>
+            </a:endParaRPr>
+          </a:p>
+          <a:p>
+            <a:pPr marL="857250" indent="-857250">
+              <a:buFont typeface="Arial" panose="020B0604020202020204" pitchFamily="34" charset="0"/>
+              <a:buChar char="•"/>
+            </a:pPr>
             <a:r>
               <a:rPr lang="fr-FR" sz="6000" dirty="0" smtClean="0">
+                <a:latin typeface="Calibri" panose="020F0502020204030204" pitchFamily="34" charset="0"/>
+                <a:cs typeface="Courier New" panose="02070309020205020404" pitchFamily="49" charset="0"/>
+              </a:rPr>
+              <a:t>On appelle </a:t>
+            </a:r>
+            <a:r>
+              <a:rPr lang="fr-FR" sz="6000" i="1" dirty="0" smtClean="0">
+                <a:latin typeface="Calibri" panose="020F0502020204030204" pitchFamily="34" charset="0"/>
+                <a:cs typeface="Courier New" panose="02070309020205020404" pitchFamily="49" charset="0"/>
+              </a:rPr>
+              <a:t>instance</a:t>
+            </a:r>
+            <a:r>
+              <a:rPr lang="fr-FR" sz="6000" dirty="0" smtClean="0">
+                <a:latin typeface="Calibri" panose="020F0502020204030204" pitchFamily="34" charset="0"/>
+                <a:cs typeface="Courier New" panose="02070309020205020404" pitchFamily="49" charset="0"/>
+              </a:rPr>
+              <a:t> une instance d’une classe</a:t>
+            </a:r>
+          </a:p>
+          <a:p>
+            <a:pPr marL="1314450" lvl="1" indent="-857250">
+              <a:buFont typeface="Arial" panose="020B0604020202020204" pitchFamily="34" charset="0"/>
+              <a:buChar char="•"/>
+            </a:pPr>
+            <a:r>
+              <a:rPr lang="fr-FR" sz="5400" dirty="0" smtClean="0">
+                <a:latin typeface="Calibri" panose="020F0502020204030204" pitchFamily="34" charset="0"/>
+                <a:cs typeface="Courier New" panose="02070309020205020404" pitchFamily="49" charset="0"/>
+              </a:rPr>
+              <a:t>Une instance n’a pas pour type l’objet </a:t>
+            </a:r>
+            <a:r>
+              <a:rPr lang="fr-FR" sz="5400" dirty="0" smtClean="0">
                 <a:solidFill>
                   <a:srgbClr val="00B050"/>
                 </a:solidFill>
+                <a:latin typeface="Courier New" panose="02070309020205020404" pitchFamily="49" charset="0"/>
+                <a:cs typeface="Courier New" panose="02070309020205020404" pitchFamily="49" charset="0"/>
+              </a:rPr>
+              <a:t>type</a:t>
+            </a:r>
+            <a:r>
+              <a:rPr lang="fr-FR" sz="5400" dirty="0" smtClean="0">
                 <a:latin typeface="Calibri" panose="020F0502020204030204" pitchFamily="34" charset="0"/>
-              </a:rPr>
-              <a:t> </a:t>
-            </a:r>
-            <a:r>
-              <a:rPr lang="fr-FR" sz="6000" dirty="0" smtClean="0">
-                <a:latin typeface="Calibri" panose="020F0502020204030204" pitchFamily="34" charset="0"/>
-              </a:rPr>
-              <a:t>et </a:t>
-            </a:r>
-            <a:r>
-              <a:rPr lang="fr-FR" sz="6000" dirty="0" err="1" smtClean="0">
-                <a:solidFill>
-                  <a:srgbClr val="FF0000"/>
-                </a:solidFill>
-                <a:latin typeface="Courier New" panose="02070309020205020404" pitchFamily="49" charset="0"/>
-                <a:cs typeface="Courier New" panose="02070309020205020404" pitchFamily="49" charset="0"/>
-              </a:rPr>
-              <a:t>object</a:t>
-            </a:r>
-            <a:r>
-              <a:rPr lang="fr-FR" sz="6000" dirty="0" smtClean="0">
-                <a:solidFill>
-                  <a:srgbClr val="FF0000"/>
-                </a:solidFill>
-                <a:latin typeface="Courier New" panose="02070309020205020404" pitchFamily="49" charset="0"/>
-                <a:cs typeface="Courier New" panose="02070309020205020404" pitchFamily="49" charset="0"/>
-              </a:rPr>
-              <a:t> </a:t>
-            </a:r>
-            <a:r>
-              <a:rPr lang="fr-FR" sz="6000" dirty="0" smtClean="0">
-                <a:latin typeface="Calibri" panose="020F0502020204030204" pitchFamily="34" charset="0"/>
-                <a:cs typeface="Courier New" panose="02070309020205020404" pitchFamily="49" charset="0"/>
-              </a:rPr>
-              <a:t>?</a:t>
-            </a:r>
-            <a:endParaRPr lang="fr-FR" sz="6000" dirty="0">
-              <a:latin typeface="Calibri" panose="020F0502020204030204" pitchFamily="34" charset="0"/>
-              <a:cs typeface="Courier New" panose="02070309020205020404" pitchFamily="49" charset="0"/>
-            </a:endParaRPr>
+                <a:cs typeface="Courier New" panose="02070309020205020404" pitchFamily="49" charset="0"/>
+              </a:rPr>
+              <a:t>, mais l’objet classe</a:t>
+            </a:r>
           </a:p>
         </p:txBody>
       </p:sp>
     </p:spTree>
     <p:extLst>
       <p:ext uri="{BB962C8B-B14F-4D97-AF65-F5344CB8AC3E}">
-        <p14:creationId xmlns:p14="http://schemas.microsoft.com/office/powerpoint/2010/main" val="362375951"/>
+        <p14:creationId xmlns:p14="http://schemas.microsoft.com/office/powerpoint/2010/main" val="3313412852"/>
       </p:ext>
     </p:extLst>
   </p:cSld>
@@ -5788,6 +6757,233 @@
       </p:grpSpPr>
       <p:sp>
         <p:nvSpPr>
+          <p:cNvPr id="5" name="ZoneTexte 4"/>
+          <p:cNvSpPr txBox="1"/>
+          <p:nvPr/>
+        </p:nvSpPr>
+        <p:spPr>
+          <a:xfrm>
+            <a:off x="401443" y="780585"/>
+            <a:ext cx="11790557" cy="3785652"/>
+          </a:xfrm>
+          <a:prstGeom prst="rect">
+            <a:avLst/>
+          </a:prstGeom>
+          <a:noFill/>
+        </p:spPr>
+        <p:txBody>
+          <a:bodyPr wrap="square" rtlCol="0">
+            <a:spAutoFit/>
+          </a:bodyPr>
+          <a:lstStyle/>
+          <a:p>
+            <a:pPr marL="857250" indent="-857250">
+              <a:buFont typeface="Arial" panose="020B0604020202020204" pitchFamily="34" charset="0"/>
+              <a:buChar char="•"/>
+            </a:pPr>
+            <a:r>
+              <a:rPr lang="fr-FR" sz="6000" dirty="0" smtClean="0">
+                <a:latin typeface="Calibri" panose="020F0502020204030204" pitchFamily="34" charset="0"/>
+                <a:cs typeface="Courier New" panose="02070309020205020404" pitchFamily="49" charset="0"/>
+              </a:rPr>
+              <a:t>Les </a:t>
+            </a:r>
+            <a:r>
+              <a:rPr lang="fr-FR" sz="6000" dirty="0">
+                <a:latin typeface="Calibri" panose="020F0502020204030204" pitchFamily="34" charset="0"/>
+                <a:cs typeface="Courier New" panose="02070309020205020404" pitchFamily="49" charset="0"/>
+              </a:rPr>
+              <a:t>classes peuvent avoir des sous-classes, pas les instances</a:t>
+            </a:r>
+            <a:endParaRPr lang="fr-FR" sz="6000" dirty="0">
+              <a:latin typeface="Calibri" panose="020F0502020204030204" pitchFamily="34" charset="0"/>
+            </a:endParaRPr>
+          </a:p>
+          <a:p>
+            <a:pPr marL="857250" indent="-857250">
+              <a:buFont typeface="Arial" panose="020B0604020202020204" pitchFamily="34" charset="0"/>
+              <a:buChar char="•"/>
+            </a:pPr>
+            <a:r>
+              <a:rPr lang="fr-FR" sz="6000" dirty="0" smtClean="0">
+                <a:latin typeface="Calibri" panose="020F0502020204030204" pitchFamily="34" charset="0"/>
+                <a:cs typeface="Courier New" panose="02070309020205020404" pitchFamily="49" charset="0"/>
+              </a:rPr>
+              <a:t>Les classes peuvent avoir des instances, pas les instances</a:t>
+            </a:r>
+            <a:endParaRPr lang="fr-FR" sz="6000" dirty="0" smtClean="0">
+              <a:solidFill>
+                <a:srgbClr val="FF0000"/>
+              </a:solidFill>
+              <a:latin typeface="Courier New" panose="02070309020205020404" pitchFamily="49" charset="0"/>
+              <a:cs typeface="Courier New" panose="02070309020205020404" pitchFamily="49" charset="0"/>
+            </a:endParaRPr>
+          </a:p>
+        </p:txBody>
+      </p:sp>
+    </p:spTree>
+    <p:extLst>
+      <p:ext uri="{BB962C8B-B14F-4D97-AF65-F5344CB8AC3E}">
+        <p14:creationId xmlns:p14="http://schemas.microsoft.com/office/powerpoint/2010/main" val="2766108600"/>
+      </p:ext>
+    </p:extLst>
+  </p:cSld>
+  <p:clrMapOvr>
+    <a:masterClrMapping/>
+  </p:clrMapOvr>
+  <p:timing>
+    <p:tnLst>
+      <p:par>
+        <p:cTn id="1" dur="indefinite" restart="never" nodeType="tmRoot"/>
+      </p:par>
+    </p:tnLst>
+  </p:timing>
+</p:sld>
+</file>
+
+<file path=ppt/slides/slide13.xml><?xml version="1.0" encoding="utf-8"?>
+<p:sld xmlns:a="http://schemas.openxmlformats.org/drawingml/2006/main" xmlns:r="http://schemas.openxmlformats.org/officeDocument/2006/relationships" xmlns:p="http://schemas.openxmlformats.org/presentationml/2006/main">
+  <p:cSld>
+    <p:spTree>
+      <p:nvGrpSpPr>
+        <p:cNvPr id="1" name=""/>
+        <p:cNvGrpSpPr/>
+        <p:nvPr/>
+      </p:nvGrpSpPr>
+      <p:grpSpPr>
+        <a:xfrm>
+          <a:off x="0" y="0"/>
+          <a:ext cx="0" cy="0"/>
+          <a:chOff x="0" y="0"/>
+          <a:chExt cx="0" cy="0"/>
+        </a:xfrm>
+      </p:grpSpPr>
+      <p:sp>
+        <p:nvSpPr>
+          <p:cNvPr id="5" name="ZoneTexte 4"/>
+          <p:cNvSpPr txBox="1"/>
+          <p:nvPr/>
+        </p:nvSpPr>
+        <p:spPr>
+          <a:xfrm>
+            <a:off x="401444" y="780585"/>
+            <a:ext cx="11508058" cy="1015663"/>
+          </a:xfrm>
+          <a:prstGeom prst="rect">
+            <a:avLst/>
+          </a:prstGeom>
+          <a:noFill/>
+        </p:spPr>
+        <p:txBody>
+          <a:bodyPr wrap="square" rtlCol="0">
+            <a:spAutoFit/>
+          </a:bodyPr>
+          <a:lstStyle/>
+          <a:p>
+            <a:r>
+              <a:rPr lang="fr-FR" sz="6000" dirty="0" smtClean="0">
+                <a:latin typeface="Calibri" panose="020F0502020204030204" pitchFamily="34" charset="0"/>
+              </a:rPr>
+              <a:t>Quel lien entre </a:t>
+            </a:r>
+            <a:r>
+              <a:rPr lang="fr-FR" sz="6000" dirty="0" smtClean="0">
+                <a:solidFill>
+                  <a:srgbClr val="00B050"/>
+                </a:solidFill>
+                <a:latin typeface="Courier New" panose="02070309020205020404" pitchFamily="49" charset="0"/>
+                <a:cs typeface="Courier New" panose="02070309020205020404" pitchFamily="49" charset="0"/>
+              </a:rPr>
+              <a:t>type</a:t>
+            </a:r>
+            <a:r>
+              <a:rPr lang="fr-FR" sz="6000" dirty="0" smtClean="0">
+                <a:solidFill>
+                  <a:srgbClr val="00B050"/>
+                </a:solidFill>
+                <a:latin typeface="Calibri" panose="020F0502020204030204" pitchFamily="34" charset="0"/>
+              </a:rPr>
+              <a:t> </a:t>
+            </a:r>
+            <a:r>
+              <a:rPr lang="fr-FR" sz="6000" dirty="0" smtClean="0">
+                <a:latin typeface="Calibri" panose="020F0502020204030204" pitchFamily="34" charset="0"/>
+              </a:rPr>
+              <a:t>et </a:t>
+            </a:r>
+            <a:r>
+              <a:rPr lang="fr-FR" sz="6000" dirty="0" err="1" smtClean="0">
+                <a:solidFill>
+                  <a:srgbClr val="FF0000"/>
+                </a:solidFill>
+                <a:latin typeface="Courier New" panose="02070309020205020404" pitchFamily="49" charset="0"/>
+                <a:cs typeface="Courier New" panose="02070309020205020404" pitchFamily="49" charset="0"/>
+              </a:rPr>
+              <a:t>object</a:t>
+            </a:r>
+            <a:r>
+              <a:rPr lang="fr-FR" sz="6000" dirty="0" smtClean="0">
+                <a:solidFill>
+                  <a:srgbClr val="FF0000"/>
+                </a:solidFill>
+                <a:latin typeface="Courier New" panose="02070309020205020404" pitchFamily="49" charset="0"/>
+                <a:cs typeface="Courier New" panose="02070309020205020404" pitchFamily="49" charset="0"/>
+              </a:rPr>
+              <a:t> </a:t>
+            </a:r>
+            <a:r>
+              <a:rPr lang="fr-FR" sz="6000" dirty="0" smtClean="0">
+                <a:latin typeface="Calibri" panose="020F0502020204030204" pitchFamily="34" charset="0"/>
+                <a:cs typeface="Courier New" panose="02070309020205020404" pitchFamily="49" charset="0"/>
+              </a:rPr>
+              <a:t>?</a:t>
+            </a:r>
+            <a:endParaRPr lang="fr-FR" sz="6000" dirty="0">
+              <a:latin typeface="Calibri" panose="020F0502020204030204" pitchFamily="34" charset="0"/>
+              <a:cs typeface="Courier New" panose="02070309020205020404" pitchFamily="49" charset="0"/>
+            </a:endParaRPr>
+          </a:p>
+        </p:txBody>
+      </p:sp>
+    </p:spTree>
+    <p:extLst>
+      <p:ext uri="{BB962C8B-B14F-4D97-AF65-F5344CB8AC3E}">
+        <p14:creationId xmlns:p14="http://schemas.microsoft.com/office/powerpoint/2010/main" val="362375951"/>
+      </p:ext>
+    </p:extLst>
+  </p:cSld>
+  <p:clrMapOvr>
+    <a:masterClrMapping/>
+  </p:clrMapOvr>
+  <p:timing>
+    <p:tnLst>
+      <p:par>
+        <p:cTn id="1" dur="indefinite" restart="never" nodeType="tmRoot"/>
+      </p:par>
+    </p:tnLst>
+  </p:timing>
+</p:sld>
+</file>
+
+<file path=ppt/slides/slide14.xml><?xml version="1.0" encoding="utf-8"?>
+<p:sld xmlns:a="http://schemas.openxmlformats.org/drawingml/2006/main" xmlns:r="http://schemas.openxmlformats.org/officeDocument/2006/relationships" xmlns:p="http://schemas.openxmlformats.org/presentationml/2006/main">
+  <p:cSld>
+    <p:spTree>
+      <p:nvGrpSpPr>
+        <p:cNvPr id="1" name=""/>
+        <p:cNvGrpSpPr/>
+        <p:nvPr/>
+      </p:nvGrpSpPr>
+      <p:grpSpPr>
+        <a:xfrm>
+          <a:off x="0" y="0"/>
+          <a:ext cx="0" cy="0"/>
+          <a:chOff x="0" y="0"/>
+          <a:chExt cx="0" cy="0"/>
+        </a:xfrm>
+      </p:grpSpPr>
+      <p:sp>
+        <p:nvSpPr>
           <p:cNvPr id="2" name="Rectangle 1"/>
           <p:cNvSpPr/>
           <p:nvPr/>
@@ -6025,10 +7221,17 @@
                 <a:latin typeface="Courier New" panose="02070309020205020404" pitchFamily="49" charset="0"/>
                 <a:cs typeface="Courier New" panose="02070309020205020404" pitchFamily="49" charset="0"/>
               </a:rPr>
-              <a:t>&lt;type '</a:t>
-            </a:r>
-            <a:r>
-              <a:rPr lang="fr-FR" sz="2800" dirty="0">
+              <a:t>&lt;type </a:t>
+            </a:r>
+            <a:r>
+              <a:rPr lang="fr-FR" sz="2800">
+                <a:latin typeface="Courier New" panose="02070309020205020404" pitchFamily="49" charset="0"/>
+                <a:cs typeface="Courier New" panose="02070309020205020404" pitchFamily="49" charset="0"/>
+              </a:rPr>
+              <a:t>'</a:t>
+            </a:r>
+            <a:r>
+              <a:rPr lang="fr-FR" sz="2800">
                 <a:solidFill>
                   <a:srgbClr val="00B050"/>
                 </a:solidFill>
@@ -6038,7 +7241,7 @@
               <a:t>type</a:t>
             </a:r>
             <a:r>
-              <a:rPr lang="fr-FR" sz="2800" dirty="0">
+              <a:rPr lang="fr-FR" sz="2800" smtClean="0">
                 <a:latin typeface="Courier New" panose="02070309020205020404" pitchFamily="49" charset="0"/>
                 <a:cs typeface="Courier New" panose="02070309020205020404" pitchFamily="49" charset="0"/>
               </a:rPr>
@@ -6047,41 +7250,6 @@
             <a:endParaRPr lang="fr-FR" sz="2800" dirty="0" smtClean="0">
               <a:latin typeface="Courier New" panose="02070309020205020404" pitchFamily="49" charset="0"/>
               <a:cs typeface="Courier New" panose="02070309020205020404" pitchFamily="49" charset="0"/>
-            </a:endParaRPr>
-          </a:p>
-        </p:txBody>
-      </p:sp>
-      <p:sp>
-        <p:nvSpPr>
-          <p:cNvPr id="7" name="ZoneTexte 6"/>
-          <p:cNvSpPr txBox="1"/>
-          <p:nvPr/>
-        </p:nvSpPr>
-        <p:spPr>
-          <a:xfrm>
-            <a:off x="298174" y="291386"/>
-            <a:ext cx="7083286" cy="1323439"/>
-          </a:xfrm>
-          <a:prstGeom prst="rect">
-            <a:avLst/>
-          </a:prstGeom>
-          <a:noFill/>
-        </p:spPr>
-        <p:txBody>
-          <a:bodyPr wrap="square" rtlCol="0">
-            <a:spAutoFit/>
-          </a:bodyPr>
-          <a:lstStyle/>
-          <a:p>
-            <a:r>
-              <a:rPr lang="fr-FR" sz="4000" dirty="0" smtClean="0">
-                <a:latin typeface="Calibri" panose="020F0502020204030204" pitchFamily="34" charset="0"/>
-                <a:cs typeface="Courier New" panose="02070309020205020404" pitchFamily="49" charset="0"/>
-              </a:rPr>
-              <a:t>Les classes peuvent avoir des sous-classes, pas les instances</a:t>
-            </a:r>
-            <a:endParaRPr lang="fr-FR" sz="4000" dirty="0">
-              <a:latin typeface="Calibri" panose="020F0502020204030204" pitchFamily="34" charset="0"/>
             </a:endParaRPr>
           </a:p>
         </p:txBody>

--- a/semaine7/CO12AL-W7-VIDEO03-SLIDE01.pptx
+++ b/semaine7/CO12AL-W7-VIDEO03-SLIDE01.pptx
@@ -5,10 +5,10 @@
     <p:sldMasterId id="2147483649" r:id="rId1"/>
   </p:sldMasterIdLst>
   <p:notesMasterIdLst>
-    <p:notesMasterId r:id="rId16"/>
+    <p:notesMasterId r:id="rId22"/>
   </p:notesMasterIdLst>
   <p:handoutMasterIdLst>
-    <p:handoutMasterId r:id="rId17"/>
+    <p:handoutMasterId r:id="rId23"/>
   </p:handoutMasterIdLst>
   <p:sldIdLst>
     <p:sldId id="256" r:id="rId2"/>
@@ -22,9 +22,15 @@
     <p:sldId id="269" r:id="rId10"/>
     <p:sldId id="270" r:id="rId11"/>
     <p:sldId id="275" r:id="rId12"/>
-    <p:sldId id="276" r:id="rId13"/>
-    <p:sldId id="272" r:id="rId14"/>
-    <p:sldId id="271" r:id="rId15"/>
+    <p:sldId id="284" r:id="rId13"/>
+    <p:sldId id="276" r:id="rId14"/>
+    <p:sldId id="272" r:id="rId15"/>
+    <p:sldId id="271" r:id="rId16"/>
+    <p:sldId id="278" r:id="rId17"/>
+    <p:sldId id="280" r:id="rId18"/>
+    <p:sldId id="282" r:id="rId19"/>
+    <p:sldId id="283" r:id="rId20"/>
+    <p:sldId id="281" r:id="rId21"/>
   </p:sldIdLst>
   <p:sldSz cx="12192000" cy="6858000"/>
   <p:notesSz cx="7099300" cy="10234613"/>
@@ -169,9 +175,15 @@
             <p14:sldId id="269"/>
             <p14:sldId id="270"/>
             <p14:sldId id="275"/>
+            <p14:sldId id="284"/>
             <p14:sldId id="276"/>
             <p14:sldId id="272"/>
             <p14:sldId id="271"/>
+            <p14:sldId id="278"/>
+            <p14:sldId id="280"/>
+            <p14:sldId id="282"/>
+            <p14:sldId id="283"/>
+            <p14:sldId id="281"/>
           </p14:sldIdLst>
         </p14:section>
       </p14:sectionLst>
@@ -1110,439 +1122,7 @@
               <a:rPr lang="fr-FR" baseline="0" dirty="0" smtClean="0"/>
               <a:t> des classes ou des types (les deux termes sont équivalents). </a:t>
             </a:r>
-          </a:p>
-          <a:p>
-            <a:pPr marL="0" marR="0" indent="0" algn="l" defTabSz="914400" rtl="0" eaLnBrk="0" fontAlgn="base" latinLnBrk="0" hangingPunct="0">
-              <a:lnSpc>
-                <a:spcPct val="100000"/>
-              </a:lnSpc>
-              <a:spcBef>
-                <a:spcPct val="30000"/>
-              </a:spcBef>
-              <a:spcAft>
-                <a:spcPct val="0"/>
-              </a:spcAft>
-              <a:buClrTx/>
-              <a:buSzTx/>
-              <a:buFontTx/>
-              <a:buNone/>
-              <a:tabLst/>
-              <a:defRPr/>
-            </a:pPr>
-            <a:endParaRPr lang="fr-FR" baseline="0" dirty="0" smtClean="0"/>
-          </a:p>
-          <a:p>
-            <a:pPr marL="0" marR="0" indent="0" algn="l" defTabSz="914400" rtl="0" eaLnBrk="0" fontAlgn="base" latinLnBrk="0" hangingPunct="0">
-              <a:lnSpc>
-                <a:spcPct val="100000"/>
-              </a:lnSpc>
-              <a:spcBef>
-                <a:spcPct val="30000"/>
-              </a:spcBef>
-              <a:spcAft>
-                <a:spcPct val="0"/>
-              </a:spcAft>
-              <a:buClrTx/>
-              <a:buSzTx/>
-              <a:buFontTx/>
-              <a:buNone/>
-              <a:tabLst/>
-              <a:defRPr/>
-            </a:pPr>
-            <a:r>
-              <a:rPr lang="fr-FR" baseline="0" dirty="0" smtClean="0"/>
-              <a:t>Certains </a:t>
-            </a:r>
-            <a:r>
-              <a:rPr lang="fr-FR" baseline="0" dirty="0" err="1" smtClean="0"/>
-              <a:t>built</a:t>
-            </a:r>
-            <a:r>
-              <a:rPr lang="fr-FR" baseline="0" dirty="0" smtClean="0"/>
-              <a:t>-in type ne peuvent pas être des super classes comme </a:t>
-            </a:r>
-            <a:r>
-              <a:rPr lang="fr-FR" baseline="0" dirty="0" err="1" smtClean="0"/>
-              <a:t>FunctionType</a:t>
-            </a:r>
-            <a:r>
-              <a:rPr lang="fr-FR" baseline="0" dirty="0" smtClean="0"/>
-              <a:t> (la raison n’est pas claire pour moi, peut-être est-ce lié</a:t>
-            </a:r>
-          </a:p>
-          <a:p>
-            <a:pPr marL="0" marR="0" indent="0" algn="l" defTabSz="914400" rtl="0" eaLnBrk="0" fontAlgn="base" latinLnBrk="0" hangingPunct="0">
-              <a:lnSpc>
-                <a:spcPct val="100000"/>
-              </a:lnSpc>
-              <a:spcBef>
-                <a:spcPct val="30000"/>
-              </a:spcBef>
-              <a:spcAft>
-                <a:spcPct val="0"/>
-              </a:spcAft>
-              <a:buClrTx/>
-              <a:buSzTx/>
-              <a:buFontTx/>
-              <a:buNone/>
-              <a:tabLst/>
-              <a:defRPr/>
-            </a:pPr>
-            <a:r>
-              <a:rPr lang="fr-FR" baseline="0" dirty="0" smtClean="0"/>
-              <a:t>Rôle très particulier des fonctions).</a:t>
-            </a:r>
-          </a:p>
-          <a:p>
-            <a:pPr marL="0" marR="0" indent="0" algn="l" defTabSz="914400" rtl="0" eaLnBrk="0" fontAlgn="base" latinLnBrk="0" hangingPunct="0">
-              <a:lnSpc>
-                <a:spcPct val="100000"/>
-              </a:lnSpc>
-              <a:spcBef>
-                <a:spcPct val="30000"/>
-              </a:spcBef>
-              <a:spcAft>
-                <a:spcPct val="0"/>
-              </a:spcAft>
-              <a:buClrTx/>
-              <a:buSzTx/>
-              <a:buFontTx/>
-              <a:buNone/>
-              <a:tabLst/>
-              <a:defRPr/>
-            </a:pPr>
-            <a:r>
-              <a:rPr lang="fr-FR" dirty="0" smtClean="0"/>
-              <a:t>&gt;&gt;&gt; import types</a:t>
-            </a:r>
-          </a:p>
-          <a:p>
-            <a:pPr marL="0" marR="0" indent="0" algn="l" defTabSz="914400" rtl="0" eaLnBrk="0" fontAlgn="base" latinLnBrk="0" hangingPunct="0">
-              <a:lnSpc>
-                <a:spcPct val="100000"/>
-              </a:lnSpc>
-              <a:spcBef>
-                <a:spcPct val="30000"/>
-              </a:spcBef>
-              <a:spcAft>
-                <a:spcPct val="0"/>
-              </a:spcAft>
-              <a:buClrTx/>
-              <a:buSzTx/>
-              <a:buFontTx/>
-              <a:buNone/>
-              <a:tabLst/>
-              <a:defRPr/>
-            </a:pPr>
-            <a:r>
-              <a:rPr lang="fr-FR" dirty="0" smtClean="0"/>
-              <a:t>&gt;&gt;&gt; type(</a:t>
-            </a:r>
-            <a:r>
-              <a:rPr lang="fr-FR" dirty="0" err="1" smtClean="0"/>
-              <a:t>types.FunctionType</a:t>
-            </a:r>
-            <a:r>
-              <a:rPr lang="fr-FR" dirty="0" smtClean="0"/>
-              <a:t>)</a:t>
-            </a:r>
-          </a:p>
-          <a:p>
-            <a:pPr marL="0" marR="0" indent="0" algn="l" defTabSz="914400" rtl="0" eaLnBrk="0" fontAlgn="base" latinLnBrk="0" hangingPunct="0">
-              <a:lnSpc>
-                <a:spcPct val="100000"/>
-              </a:lnSpc>
-              <a:spcBef>
-                <a:spcPct val="30000"/>
-              </a:spcBef>
-              <a:spcAft>
-                <a:spcPct val="0"/>
-              </a:spcAft>
-              <a:buClrTx/>
-              <a:buSzTx/>
-              <a:buFontTx/>
-              <a:buNone/>
-              <a:tabLst/>
-              <a:defRPr/>
-            </a:pPr>
-            <a:r>
-              <a:rPr lang="fr-FR" dirty="0" smtClean="0"/>
-              <a:t>&lt;type 'type'&gt;</a:t>
-            </a:r>
-          </a:p>
-          <a:p>
-            <a:pPr marL="0" marR="0" indent="0" algn="l" defTabSz="914400" rtl="0" eaLnBrk="0" fontAlgn="base" latinLnBrk="0" hangingPunct="0">
-              <a:lnSpc>
-                <a:spcPct val="100000"/>
-              </a:lnSpc>
-              <a:spcBef>
-                <a:spcPct val="30000"/>
-              </a:spcBef>
-              <a:spcAft>
-                <a:spcPct val="0"/>
-              </a:spcAft>
-              <a:buClrTx/>
-              <a:buSzTx/>
-              <a:buFontTx/>
-              <a:buNone/>
-              <a:tabLst/>
-              <a:defRPr/>
-            </a:pPr>
-            <a:r>
-              <a:rPr lang="fr-FR" dirty="0" smtClean="0"/>
-              <a:t>&gt;&gt;&gt; class C(</a:t>
-            </a:r>
-            <a:r>
-              <a:rPr lang="fr-FR" dirty="0" err="1" smtClean="0"/>
-              <a:t>types.FunctionType</a:t>
-            </a:r>
-            <a:r>
-              <a:rPr lang="fr-FR" dirty="0" smtClean="0"/>
-              <a:t>):</a:t>
-            </a:r>
-          </a:p>
-          <a:p>
-            <a:pPr marL="0" marR="0" indent="0" algn="l" defTabSz="914400" rtl="0" eaLnBrk="0" fontAlgn="base" latinLnBrk="0" hangingPunct="0">
-              <a:lnSpc>
-                <a:spcPct val="100000"/>
-              </a:lnSpc>
-              <a:spcBef>
-                <a:spcPct val="30000"/>
-              </a:spcBef>
-              <a:spcAft>
-                <a:spcPct val="0"/>
-              </a:spcAft>
-              <a:buClrTx/>
-              <a:buSzTx/>
-              <a:buFontTx/>
-              <a:buNone/>
-              <a:tabLst/>
-              <a:defRPr/>
-            </a:pPr>
-            <a:r>
-              <a:rPr lang="fr-FR" dirty="0" smtClean="0"/>
-              <a:t>	</a:t>
-            </a:r>
-            <a:r>
-              <a:rPr lang="fr-FR" dirty="0" err="1" smtClean="0"/>
-              <a:t>pass</a:t>
-            </a:r>
             <a:endParaRPr lang="fr-FR" dirty="0" smtClean="0"/>
-          </a:p>
-          <a:p>
-            <a:pPr marL="0" marR="0" indent="0" algn="l" defTabSz="914400" rtl="0" eaLnBrk="0" fontAlgn="base" latinLnBrk="0" hangingPunct="0">
-              <a:lnSpc>
-                <a:spcPct val="100000"/>
-              </a:lnSpc>
-              <a:spcBef>
-                <a:spcPct val="30000"/>
-              </a:spcBef>
-              <a:spcAft>
-                <a:spcPct val="0"/>
-              </a:spcAft>
-              <a:buClrTx/>
-              <a:buSzTx/>
-              <a:buFontTx/>
-              <a:buNone/>
-              <a:tabLst/>
-              <a:defRPr/>
-            </a:pPr>
-            <a:endParaRPr lang="fr-FR" dirty="0" smtClean="0"/>
-          </a:p>
-          <a:p>
-            <a:pPr marL="0" marR="0" indent="0" algn="l" defTabSz="914400" rtl="0" eaLnBrk="0" fontAlgn="base" latinLnBrk="0" hangingPunct="0">
-              <a:lnSpc>
-                <a:spcPct val="100000"/>
-              </a:lnSpc>
-              <a:spcBef>
-                <a:spcPct val="30000"/>
-              </a:spcBef>
-              <a:spcAft>
-                <a:spcPct val="0"/>
-              </a:spcAft>
-              <a:buClrTx/>
-              <a:buSzTx/>
-              <a:buFontTx/>
-              <a:buNone/>
-              <a:tabLst/>
-              <a:defRPr/>
-            </a:pPr>
-            <a:r>
-              <a:rPr lang="fr-FR" dirty="0" err="1" smtClean="0"/>
-              <a:t>Traceback</a:t>
-            </a:r>
-            <a:r>
-              <a:rPr lang="fr-FR" dirty="0" smtClean="0"/>
-              <a:t> (</a:t>
-            </a:r>
-            <a:r>
-              <a:rPr lang="fr-FR" dirty="0" err="1" smtClean="0"/>
-              <a:t>most</a:t>
-            </a:r>
-            <a:r>
-              <a:rPr lang="fr-FR" dirty="0" smtClean="0"/>
-              <a:t> </a:t>
-            </a:r>
-            <a:r>
-              <a:rPr lang="fr-FR" dirty="0" err="1" smtClean="0"/>
-              <a:t>recent</a:t>
-            </a:r>
-            <a:r>
-              <a:rPr lang="fr-FR" dirty="0" smtClean="0"/>
-              <a:t> call last):</a:t>
-            </a:r>
-          </a:p>
-          <a:p>
-            <a:pPr marL="0" marR="0" indent="0" algn="l" defTabSz="914400" rtl="0" eaLnBrk="0" fontAlgn="base" latinLnBrk="0" hangingPunct="0">
-              <a:lnSpc>
-                <a:spcPct val="100000"/>
-              </a:lnSpc>
-              <a:spcBef>
-                <a:spcPct val="30000"/>
-              </a:spcBef>
-              <a:spcAft>
-                <a:spcPct val="0"/>
-              </a:spcAft>
-              <a:buClrTx/>
-              <a:buSzTx/>
-              <a:buFontTx/>
-              <a:buNone/>
-              <a:tabLst/>
-              <a:defRPr/>
-            </a:pPr>
-            <a:r>
-              <a:rPr lang="fr-FR" dirty="0" smtClean="0"/>
-              <a:t>  File "&lt;pyshell#74&gt;", line 1, in &lt;module&gt;</a:t>
-            </a:r>
-          </a:p>
-          <a:p>
-            <a:pPr marL="0" marR="0" indent="0" algn="l" defTabSz="914400" rtl="0" eaLnBrk="0" fontAlgn="base" latinLnBrk="0" hangingPunct="0">
-              <a:lnSpc>
-                <a:spcPct val="100000"/>
-              </a:lnSpc>
-              <a:spcBef>
-                <a:spcPct val="30000"/>
-              </a:spcBef>
-              <a:spcAft>
-                <a:spcPct val="0"/>
-              </a:spcAft>
-              <a:buClrTx/>
-              <a:buSzTx/>
-              <a:buFontTx/>
-              <a:buNone/>
-              <a:tabLst/>
-              <a:defRPr/>
-            </a:pPr>
-            <a:r>
-              <a:rPr lang="fr-FR" dirty="0" smtClean="0"/>
-              <a:t>    class C(</a:t>
-            </a:r>
-            <a:r>
-              <a:rPr lang="fr-FR" dirty="0" err="1" smtClean="0"/>
-              <a:t>types.FunctionType</a:t>
-            </a:r>
-            <a:r>
-              <a:rPr lang="fr-FR" dirty="0" smtClean="0"/>
-              <a:t>):</a:t>
-            </a:r>
-          </a:p>
-          <a:p>
-            <a:pPr marL="0" marR="0" indent="0" algn="l" defTabSz="914400" rtl="0" eaLnBrk="0" fontAlgn="base" latinLnBrk="0" hangingPunct="0">
-              <a:lnSpc>
-                <a:spcPct val="100000"/>
-              </a:lnSpc>
-              <a:spcBef>
-                <a:spcPct val="30000"/>
-              </a:spcBef>
-              <a:spcAft>
-                <a:spcPct val="0"/>
-              </a:spcAft>
-              <a:buClrTx/>
-              <a:buSzTx/>
-              <a:buFontTx/>
-              <a:buNone/>
-              <a:tabLst/>
-              <a:defRPr/>
-            </a:pPr>
-            <a:r>
-              <a:rPr lang="fr-FR" dirty="0" err="1" smtClean="0"/>
-              <a:t>TypeError</a:t>
-            </a:r>
-            <a:r>
-              <a:rPr lang="fr-FR" dirty="0" smtClean="0"/>
-              <a:t>: </a:t>
-            </a:r>
-            <a:r>
-              <a:rPr lang="fr-FR" dirty="0" err="1" smtClean="0"/>
-              <a:t>Error</a:t>
-            </a:r>
-            <a:r>
-              <a:rPr lang="fr-FR" dirty="0" smtClean="0"/>
-              <a:t> </a:t>
-            </a:r>
-            <a:r>
-              <a:rPr lang="fr-FR" dirty="0" err="1" smtClean="0"/>
-              <a:t>when</a:t>
-            </a:r>
-            <a:r>
-              <a:rPr lang="fr-FR" dirty="0" smtClean="0"/>
-              <a:t> </a:t>
-            </a:r>
-            <a:r>
-              <a:rPr lang="fr-FR" dirty="0" err="1" smtClean="0"/>
-              <a:t>calling</a:t>
-            </a:r>
-            <a:r>
-              <a:rPr lang="fr-FR" dirty="0" smtClean="0"/>
-              <a:t> the </a:t>
-            </a:r>
-            <a:r>
-              <a:rPr lang="fr-FR" dirty="0" err="1" smtClean="0"/>
-              <a:t>metaclass</a:t>
-            </a:r>
-            <a:r>
-              <a:rPr lang="fr-FR" dirty="0" smtClean="0"/>
-              <a:t> bases</a:t>
-            </a:r>
-          </a:p>
-          <a:p>
-            <a:pPr marL="0" marR="0" indent="0" algn="l" defTabSz="914400" rtl="0" eaLnBrk="0" fontAlgn="base" latinLnBrk="0" hangingPunct="0">
-              <a:lnSpc>
-                <a:spcPct val="100000"/>
-              </a:lnSpc>
-              <a:spcBef>
-                <a:spcPct val="30000"/>
-              </a:spcBef>
-              <a:spcAft>
-                <a:spcPct val="0"/>
-              </a:spcAft>
-              <a:buClrTx/>
-              <a:buSzTx/>
-              <a:buFontTx/>
-              <a:buNone/>
-              <a:tabLst/>
-              <a:defRPr/>
-            </a:pPr>
-            <a:r>
-              <a:rPr lang="fr-FR" dirty="0" smtClean="0"/>
-              <a:t>    type '</a:t>
-            </a:r>
-            <a:r>
-              <a:rPr lang="fr-FR" dirty="0" err="1" smtClean="0"/>
-              <a:t>function</a:t>
-            </a:r>
-            <a:r>
-              <a:rPr lang="fr-FR" dirty="0" smtClean="0"/>
-              <a:t>' </a:t>
-            </a:r>
-            <a:r>
-              <a:rPr lang="fr-FR" dirty="0" err="1" smtClean="0"/>
-              <a:t>is</a:t>
-            </a:r>
-            <a:r>
-              <a:rPr lang="fr-FR" dirty="0" smtClean="0"/>
-              <a:t> not an acceptable base type</a:t>
-            </a:r>
           </a:p>
           <a:p>
             <a:endParaRPr lang="fr-FR" dirty="0"/>
@@ -1581,7 +1161,7 @@
     </p:spTree>
     <p:extLst>
       <p:ext uri="{BB962C8B-B14F-4D97-AF65-F5344CB8AC3E}">
-        <p14:creationId xmlns:p14="http://schemas.microsoft.com/office/powerpoint/2010/main" val="3918877288"/>
+        <p14:creationId xmlns:p14="http://schemas.microsoft.com/office/powerpoint/2010/main" val="326094596"/>
       </p:ext>
     </p:extLst>
   </p:cSld>
@@ -1635,99 +1215,178 @@
           <a:bodyPr/>
           <a:lstStyle/>
           <a:p>
+            <a:pPr marL="0" marR="0" indent="0" algn="l" defTabSz="914400" rtl="0" eaLnBrk="0" fontAlgn="base" latinLnBrk="0" hangingPunct="0">
+              <a:lnSpc>
+                <a:spcPct val="100000"/>
+              </a:lnSpc>
+              <a:spcBef>
+                <a:spcPct val="30000"/>
+              </a:spcBef>
+              <a:spcAft>
+                <a:spcPct val="0"/>
+              </a:spcAft>
+              <a:buClrTx/>
+              <a:buSzTx/>
+              <a:buFontTx/>
+              <a:buNone/>
+              <a:tabLst/>
+              <a:defRPr/>
+            </a:pPr>
             <a:r>
               <a:rPr lang="fr-FR" dirty="0" smtClean="0"/>
-              <a:t>Type est la </a:t>
+              <a:t>Attention</a:t>
+            </a:r>
+            <a:r>
+              <a:rPr lang="fr-FR" baseline="0" dirty="0" smtClean="0"/>
+              <a:t> à la terminologie. Tous les objets sont des instances de quelque chose, en particulier les classes sont des instances de la </a:t>
+            </a:r>
+            <a:r>
+              <a:rPr lang="fr-FR" baseline="0" dirty="0" err="1" smtClean="0"/>
+              <a:t>metaclasse</a:t>
+            </a:r>
+            <a:r>
+              <a:rPr lang="fr-FR" baseline="0" dirty="0" smtClean="0"/>
+              <a:t>, mais dans notre contexte on réserve le terme instance à des objets qui n’ont pas pour type l’objet type. On appelle ici les instance de la </a:t>
+            </a:r>
+            <a:r>
+              <a:rPr lang="fr-FR" baseline="0" dirty="0" err="1" smtClean="0"/>
+              <a:t>metaclase</a:t>
+            </a:r>
+            <a:r>
+              <a:rPr lang="fr-FR" baseline="0" dirty="0" smtClean="0"/>
+              <a:t> des classes ou des types (les deux termes sont équivalents). </a:t>
+            </a:r>
+          </a:p>
+          <a:p>
+            <a:pPr marL="0" marR="0" indent="0" algn="l" defTabSz="914400" rtl="0" eaLnBrk="0" fontAlgn="base" latinLnBrk="0" hangingPunct="0">
+              <a:lnSpc>
+                <a:spcPct val="100000"/>
+              </a:lnSpc>
+              <a:spcBef>
+                <a:spcPct val="30000"/>
+              </a:spcBef>
+              <a:spcAft>
+                <a:spcPct val="0"/>
+              </a:spcAft>
+              <a:buClrTx/>
+              <a:buSzTx/>
+              <a:buFontTx/>
+              <a:buNone/>
+              <a:tabLst/>
+              <a:defRPr/>
+            </a:pPr>
+            <a:endParaRPr lang="fr-FR" baseline="0" dirty="0" smtClean="0"/>
+          </a:p>
+          <a:p>
+            <a:pPr marL="0" marR="0" indent="0" algn="l" defTabSz="914400" rtl="0" eaLnBrk="0" fontAlgn="base" latinLnBrk="0" hangingPunct="0">
+              <a:lnSpc>
+                <a:spcPct val="100000"/>
+              </a:lnSpc>
+              <a:spcBef>
+                <a:spcPct val="30000"/>
+              </a:spcBef>
+              <a:spcAft>
+                <a:spcPct val="0"/>
+              </a:spcAft>
+              <a:buClrTx/>
+              <a:buSzTx/>
+              <a:buFontTx/>
+              <a:buNone/>
+              <a:tabLst/>
+              <a:defRPr/>
+            </a:pPr>
+            <a:r>
+              <a:rPr lang="fr-FR" baseline="0" dirty="0" smtClean="0"/>
+              <a:t>Certains </a:t>
+            </a:r>
+            <a:r>
+              <a:rPr lang="fr-FR" baseline="0" dirty="0" err="1" smtClean="0"/>
+              <a:t>built</a:t>
+            </a:r>
+            <a:r>
+              <a:rPr lang="fr-FR" baseline="0" dirty="0" smtClean="0"/>
+              <a:t>-in type ne peuvent pas être des super classes comme </a:t>
+            </a:r>
+            <a:r>
+              <a:rPr lang="fr-FR" baseline="0" dirty="0" err="1" smtClean="0"/>
+              <a:t>FunctionType</a:t>
+            </a:r>
+            <a:r>
+              <a:rPr lang="fr-FR" baseline="0" dirty="0" smtClean="0"/>
+              <a:t> (la raison n’est pas claire pour moi, peut-être est-ce lié</a:t>
+            </a:r>
+          </a:p>
+          <a:p>
+            <a:pPr marL="0" marR="0" indent="0" algn="l" defTabSz="914400" rtl="0" eaLnBrk="0" fontAlgn="base" latinLnBrk="0" hangingPunct="0">
+              <a:lnSpc>
+                <a:spcPct val="100000"/>
+              </a:lnSpc>
+              <a:spcBef>
+                <a:spcPct val="30000"/>
+              </a:spcBef>
+              <a:spcAft>
+                <a:spcPct val="0"/>
+              </a:spcAft>
+              <a:buClrTx/>
+              <a:buSzTx/>
+              <a:buFontTx/>
+              <a:buNone/>
+              <a:tabLst/>
+              <a:defRPr/>
+            </a:pPr>
+            <a:r>
+              <a:rPr lang="fr-FR" baseline="0" dirty="0" smtClean="0"/>
+              <a:t>Rôle très particulier des fonctions).</a:t>
+            </a:r>
+          </a:p>
+          <a:p>
+            <a:pPr marL="0" marR="0" indent="0" algn="l" defTabSz="914400" rtl="0" eaLnBrk="0" fontAlgn="base" latinLnBrk="0" hangingPunct="0">
+              <a:lnSpc>
+                <a:spcPct val="100000"/>
+              </a:lnSpc>
+              <a:spcBef>
+                <a:spcPct val="30000"/>
+              </a:spcBef>
+              <a:spcAft>
+                <a:spcPct val="0"/>
+              </a:spcAft>
+              <a:buClrTx/>
+              <a:buSzTx/>
+              <a:buFontTx/>
+              <a:buNone/>
+              <a:tabLst/>
+              <a:defRPr/>
+            </a:pPr>
+            <a:r>
+              <a:rPr lang="fr-FR" dirty="0" smtClean="0"/>
+              <a:t>&gt;&gt;&gt; import types</a:t>
+            </a:r>
+          </a:p>
+          <a:p>
+            <a:pPr marL="0" marR="0" indent="0" algn="l" defTabSz="914400" rtl="0" eaLnBrk="0" fontAlgn="base" latinLnBrk="0" hangingPunct="0">
+              <a:lnSpc>
+                <a:spcPct val="100000"/>
+              </a:lnSpc>
+              <a:spcBef>
+                <a:spcPct val="30000"/>
+              </a:spcBef>
+              <a:spcAft>
+                <a:spcPct val="0"/>
+              </a:spcAft>
+              <a:buClrTx/>
+              <a:buSzTx/>
+              <a:buFontTx/>
+              <a:buNone/>
+              <a:tabLst/>
+              <a:defRPr/>
+            </a:pPr>
+            <a:r>
+              <a:rPr lang="fr-FR" dirty="0" smtClean="0"/>
+              <a:t>&gt;&gt;&gt; type(</a:t>
             </a:r>
             <a:r>
               <a:rPr lang="fr-FR" dirty="0" err="1" smtClean="0"/>
-              <a:t>métaclasse</a:t>
-            </a:r>
-            <a:r>
-              <a:rPr lang="fr-FR" baseline="0" dirty="0" smtClean="0"/>
-              <a:t> pour type. Ça n’est évidement pas type qui instancie type, ça n’aurait pas de sens puisque type doit exister à un moment et ne peut pas être</a:t>
-            </a:r>
-          </a:p>
-          <a:p>
-            <a:r>
-              <a:rPr lang="fr-FR" baseline="0" dirty="0" smtClean="0"/>
-              <a:t>Une génération </a:t>
-            </a:r>
-            <a:r>
-              <a:rPr lang="fr-FR" baseline="0" dirty="0" err="1" smtClean="0"/>
-              <a:t>spontannée</a:t>
-            </a:r>
-            <a:r>
-              <a:rPr lang="fr-FR" baseline="0" dirty="0" smtClean="0"/>
-              <a:t>. L’objet type est le premier créé par l’interpréteur Python. Le fait que type(type) retourne type est simplement une astuce pour n’avoir qu’un seul niveau de </a:t>
-            </a:r>
-            <a:r>
-              <a:rPr lang="fr-FR" baseline="0" dirty="0" err="1" smtClean="0"/>
-              <a:t>metaclasses</a:t>
-            </a:r>
-            <a:r>
-              <a:rPr lang="fr-FR" baseline="0" dirty="0" smtClean="0"/>
-              <a:t>. Si ça n’était pas le cas, il faudrait une autre </a:t>
-            </a:r>
-            <a:r>
-              <a:rPr lang="fr-FR" baseline="0" dirty="0" err="1" smtClean="0"/>
-              <a:t>métaclasse</a:t>
-            </a:r>
-            <a:r>
-              <a:rPr lang="fr-FR" baseline="0" dirty="0" smtClean="0"/>
-              <a:t> pour type, et une autre </a:t>
-            </a:r>
-            <a:r>
-              <a:rPr lang="fr-FR" baseline="0" dirty="0" err="1" smtClean="0"/>
-              <a:t>métaclasse</a:t>
-            </a:r>
-            <a:r>
-              <a:rPr lang="fr-FR" baseline="0" dirty="0" smtClean="0"/>
-              <a:t> pour la </a:t>
-            </a:r>
-            <a:r>
-              <a:rPr lang="fr-FR" baseline="0" dirty="0" err="1" smtClean="0"/>
-              <a:t>métaclasse</a:t>
-            </a:r>
-            <a:r>
-              <a:rPr lang="fr-FR" baseline="0" dirty="0" smtClean="0"/>
-              <a:t> de type, et ainsi de suite. </a:t>
-            </a:r>
-            <a:endParaRPr lang="fr-FR" baseline="0" dirty="0" smtClean="0"/>
-          </a:p>
-          <a:p>
-            <a:endParaRPr lang="fr-FR" baseline="0" dirty="0" smtClean="0"/>
-          </a:p>
-          <a:p>
-            <a:r>
-              <a:rPr lang="fr-FR" baseline="0" dirty="0" smtClean="0"/>
-              <a:t>Quelques résultats étonnants à première vue</a:t>
-            </a:r>
-          </a:p>
-          <a:p>
-            <a:r>
-              <a:rPr lang="fr-FR" dirty="0" smtClean="0"/>
-              <a:t>&gt;&gt;&gt; </a:t>
-            </a:r>
-            <a:r>
-              <a:rPr lang="fr-FR" dirty="0" err="1" smtClean="0"/>
-              <a:t>isinstance</a:t>
-            </a:r>
-            <a:r>
-              <a:rPr lang="fr-FR" dirty="0" smtClean="0"/>
-              <a:t>(</a:t>
-            </a:r>
-            <a:r>
-              <a:rPr lang="fr-FR" dirty="0" err="1" smtClean="0"/>
-              <a:t>object</a:t>
-            </a:r>
-            <a:r>
-              <a:rPr lang="fr-FR" dirty="0" smtClean="0"/>
-              <a:t>, </a:t>
-            </a:r>
-            <a:r>
-              <a:rPr lang="fr-FR" dirty="0" err="1" smtClean="0"/>
-              <a:t>object</a:t>
+              <a:t>types.FunctionType</a:t>
             </a:r>
             <a:r>
               <a:rPr lang="fr-FR" dirty="0" smtClean="0"/>
@@ -1735,60 +1394,304 @@
             </a:r>
           </a:p>
           <a:p>
+            <a:pPr marL="0" marR="0" indent="0" algn="l" defTabSz="914400" rtl="0" eaLnBrk="0" fontAlgn="base" latinLnBrk="0" hangingPunct="0">
+              <a:lnSpc>
+                <a:spcPct val="100000"/>
+              </a:lnSpc>
+              <a:spcBef>
+                <a:spcPct val="30000"/>
+              </a:spcBef>
+              <a:spcAft>
+                <a:spcPct val="0"/>
+              </a:spcAft>
+              <a:buClrTx/>
+              <a:buSzTx/>
+              <a:buFontTx/>
+              <a:buNone/>
+              <a:tabLst/>
+              <a:defRPr/>
+            </a:pPr>
+            <a:r>
+              <a:rPr lang="fr-FR" dirty="0" smtClean="0"/>
+              <a:t>&lt;type 'type'&gt;</a:t>
+            </a:r>
+          </a:p>
+          <a:p>
+            <a:pPr marL="0" marR="0" indent="0" algn="l" defTabSz="914400" rtl="0" eaLnBrk="0" fontAlgn="base" latinLnBrk="0" hangingPunct="0">
+              <a:lnSpc>
+                <a:spcPct val="100000"/>
+              </a:lnSpc>
+              <a:spcBef>
+                <a:spcPct val="30000"/>
+              </a:spcBef>
+              <a:spcAft>
+                <a:spcPct val="0"/>
+              </a:spcAft>
+              <a:buClrTx/>
+              <a:buSzTx/>
+              <a:buFontTx/>
+              <a:buNone/>
+              <a:tabLst/>
+              <a:defRPr/>
+            </a:pPr>
+            <a:r>
+              <a:rPr lang="fr-FR" dirty="0" smtClean="0"/>
+              <a:t>&gt;&gt;&gt; class C(</a:t>
+            </a:r>
             <a:r>
               <a:rPr lang="fr-FR" dirty="0" err="1" smtClean="0"/>
-              <a:t>True</a:t>
+              <a:t>types.FunctionType</a:t>
+            </a:r>
+            <a:r>
+              <a:rPr lang="fr-FR" dirty="0" smtClean="0"/>
+              <a:t>):</a:t>
+            </a:r>
+          </a:p>
+          <a:p>
+            <a:pPr marL="0" marR="0" indent="0" algn="l" defTabSz="914400" rtl="0" eaLnBrk="0" fontAlgn="base" latinLnBrk="0" hangingPunct="0">
+              <a:lnSpc>
+                <a:spcPct val="100000"/>
+              </a:lnSpc>
+              <a:spcBef>
+                <a:spcPct val="30000"/>
+              </a:spcBef>
+              <a:spcAft>
+                <a:spcPct val="0"/>
+              </a:spcAft>
+              <a:buClrTx/>
+              <a:buSzTx/>
+              <a:buFontTx/>
+              <a:buNone/>
+              <a:tabLst/>
+              <a:defRPr/>
+            </a:pPr>
+            <a:r>
+              <a:rPr lang="fr-FR" dirty="0" smtClean="0"/>
+              <a:t>	</a:t>
+            </a:r>
+            <a:r>
+              <a:rPr lang="fr-FR" dirty="0" err="1" smtClean="0"/>
+              <a:t>pass</a:t>
             </a:r>
             <a:endParaRPr lang="fr-FR" dirty="0" smtClean="0"/>
           </a:p>
           <a:p>
+            <a:pPr marL="0" marR="0" indent="0" algn="l" defTabSz="914400" rtl="0" eaLnBrk="0" fontAlgn="base" latinLnBrk="0" hangingPunct="0">
+              <a:lnSpc>
+                <a:spcPct val="100000"/>
+              </a:lnSpc>
+              <a:spcBef>
+                <a:spcPct val="30000"/>
+              </a:spcBef>
+              <a:spcAft>
+                <a:spcPct val="0"/>
+              </a:spcAft>
+              <a:buClrTx/>
+              <a:buSzTx/>
+              <a:buFontTx/>
+              <a:buNone/>
+              <a:tabLst/>
+              <a:defRPr/>
+            </a:pPr>
+            <a:endParaRPr lang="fr-FR" dirty="0" smtClean="0"/>
+          </a:p>
+          <a:p>
+            <a:pPr marL="0" marR="0" indent="0" algn="l" defTabSz="914400" rtl="0" eaLnBrk="0" fontAlgn="base" latinLnBrk="0" hangingPunct="0">
+              <a:lnSpc>
+                <a:spcPct val="100000"/>
+              </a:lnSpc>
+              <a:spcBef>
+                <a:spcPct val="30000"/>
+              </a:spcBef>
+              <a:spcAft>
+                <a:spcPct val="0"/>
+              </a:spcAft>
+              <a:buClrTx/>
+              <a:buSzTx/>
+              <a:buFontTx/>
+              <a:buNone/>
+              <a:tabLst/>
+              <a:defRPr/>
+            </a:pPr>
+            <a:r>
+              <a:rPr lang="fr-FR" dirty="0" err="1" smtClean="0"/>
+              <a:t>Traceback</a:t>
+            </a:r>
             <a:r>
               <a:rPr lang="fr-FR" dirty="0" smtClean="0"/>
-              <a:t>&gt;&gt;&gt; </a:t>
+              <a:t> (</a:t>
             </a:r>
             <a:r>
               <a:rPr lang="fr-FR" dirty="0" err="1" smtClean="0"/>
-              <a:t>isinstance</a:t>
+              <a:t>most</a:t>
             </a:r>
             <a:r>
               <a:rPr lang="fr-FR" dirty="0" smtClean="0"/>
-              <a:t>(type, </a:t>
+              <a:t> </a:t>
             </a:r>
             <a:r>
               <a:rPr lang="fr-FR" dirty="0" err="1" smtClean="0"/>
-              <a:t>object</a:t>
+              <a:t>recent</a:t>
             </a:r>
             <a:r>
               <a:rPr lang="fr-FR" dirty="0" smtClean="0"/>
-              <a:t>)</a:t>
-            </a:r>
-          </a:p>
-          <a:p>
+              <a:t> call last):</a:t>
+            </a:r>
+          </a:p>
+          <a:p>
+            <a:pPr marL="0" marR="0" indent="0" algn="l" defTabSz="914400" rtl="0" eaLnBrk="0" fontAlgn="base" latinLnBrk="0" hangingPunct="0">
+              <a:lnSpc>
+                <a:spcPct val="100000"/>
+              </a:lnSpc>
+              <a:spcBef>
+                <a:spcPct val="30000"/>
+              </a:spcBef>
+              <a:spcAft>
+                <a:spcPct val="0"/>
+              </a:spcAft>
+              <a:buClrTx/>
+              <a:buSzTx/>
+              <a:buFontTx/>
+              <a:buNone/>
+              <a:tabLst/>
+              <a:defRPr/>
+            </a:pPr>
+            <a:r>
+              <a:rPr lang="fr-FR" dirty="0" smtClean="0"/>
+              <a:t>  File "&lt;pyshell#74&gt;", line 1, in &lt;module&gt;</a:t>
+            </a:r>
+          </a:p>
+          <a:p>
+            <a:pPr marL="0" marR="0" indent="0" algn="l" defTabSz="914400" rtl="0" eaLnBrk="0" fontAlgn="base" latinLnBrk="0" hangingPunct="0">
+              <a:lnSpc>
+                <a:spcPct val="100000"/>
+              </a:lnSpc>
+              <a:spcBef>
+                <a:spcPct val="30000"/>
+              </a:spcBef>
+              <a:spcAft>
+                <a:spcPct val="0"/>
+              </a:spcAft>
+              <a:buClrTx/>
+              <a:buSzTx/>
+              <a:buFontTx/>
+              <a:buNone/>
+              <a:tabLst/>
+              <a:defRPr/>
+            </a:pPr>
+            <a:r>
+              <a:rPr lang="fr-FR" dirty="0" smtClean="0"/>
+              <a:t>    class C(</a:t>
+            </a:r>
             <a:r>
               <a:rPr lang="fr-FR" dirty="0" err="1" smtClean="0"/>
-              <a:t>True</a:t>
-            </a:r>
-            <a:endParaRPr lang="fr-FR" dirty="0" smtClean="0"/>
-          </a:p>
-          <a:p>
-            <a:endParaRPr lang="fr-FR" dirty="0" smtClean="0"/>
-          </a:p>
-          <a:p>
+              <a:t>types.FunctionType</a:t>
+            </a:r>
             <a:r>
               <a:rPr lang="fr-FR" dirty="0" smtClean="0"/>
-              <a:t>objet est une instance</a:t>
-            </a:r>
-            <a:r>
-              <a:rPr lang="fr-FR" baseline="0" dirty="0" smtClean="0"/>
-              <a:t> d’objet parce que objet est une instance de type et objet est une super classe de type (relation de transitivité)</a:t>
-            </a:r>
-          </a:p>
-          <a:p>
-            <a:r>
-              <a:rPr lang="fr-FR" baseline="0" dirty="0" smtClean="0"/>
-              <a:t>type est une instance d’objet parce que parce que type est une instance de type et objet est une super classe de type (relation de transitivité)</a:t>
-            </a:r>
-            <a:endParaRPr lang="fr-FR" dirty="0" smtClean="0"/>
+              <a:t>):</a:t>
+            </a:r>
+          </a:p>
+          <a:p>
+            <a:pPr marL="0" marR="0" indent="0" algn="l" defTabSz="914400" rtl="0" eaLnBrk="0" fontAlgn="base" latinLnBrk="0" hangingPunct="0">
+              <a:lnSpc>
+                <a:spcPct val="100000"/>
+              </a:lnSpc>
+              <a:spcBef>
+                <a:spcPct val="30000"/>
+              </a:spcBef>
+              <a:spcAft>
+                <a:spcPct val="0"/>
+              </a:spcAft>
+              <a:buClrTx/>
+              <a:buSzTx/>
+              <a:buFontTx/>
+              <a:buNone/>
+              <a:tabLst/>
+              <a:defRPr/>
+            </a:pPr>
+            <a:r>
+              <a:rPr lang="fr-FR" dirty="0" err="1" smtClean="0"/>
+              <a:t>TypeError</a:t>
+            </a:r>
+            <a:r>
+              <a:rPr lang="fr-FR" dirty="0" smtClean="0"/>
+              <a:t>: </a:t>
+            </a:r>
+            <a:r>
+              <a:rPr lang="fr-FR" dirty="0" err="1" smtClean="0"/>
+              <a:t>Error</a:t>
+            </a:r>
+            <a:r>
+              <a:rPr lang="fr-FR" dirty="0" smtClean="0"/>
+              <a:t> </a:t>
+            </a:r>
+            <a:r>
+              <a:rPr lang="fr-FR" dirty="0" err="1" smtClean="0"/>
+              <a:t>when</a:t>
+            </a:r>
+            <a:r>
+              <a:rPr lang="fr-FR" dirty="0" smtClean="0"/>
+              <a:t> </a:t>
+            </a:r>
+            <a:r>
+              <a:rPr lang="fr-FR" dirty="0" err="1" smtClean="0"/>
+              <a:t>calling</a:t>
+            </a:r>
+            <a:r>
+              <a:rPr lang="fr-FR" dirty="0" smtClean="0"/>
+              <a:t> the </a:t>
+            </a:r>
+            <a:r>
+              <a:rPr lang="fr-FR" dirty="0" err="1" smtClean="0"/>
+              <a:t>metaclass</a:t>
+            </a:r>
+            <a:r>
+              <a:rPr lang="fr-FR" dirty="0" smtClean="0"/>
+              <a:t> bases</a:t>
+            </a:r>
+          </a:p>
+          <a:p>
+            <a:pPr marL="0" marR="0" indent="0" algn="l" defTabSz="914400" rtl="0" eaLnBrk="0" fontAlgn="base" latinLnBrk="0" hangingPunct="0">
+              <a:lnSpc>
+                <a:spcPct val="100000"/>
+              </a:lnSpc>
+              <a:spcBef>
+                <a:spcPct val="30000"/>
+              </a:spcBef>
+              <a:spcAft>
+                <a:spcPct val="0"/>
+              </a:spcAft>
+              <a:buClrTx/>
+              <a:buSzTx/>
+              <a:buFontTx/>
+              <a:buNone/>
+              <a:tabLst/>
+              <a:defRPr/>
+            </a:pPr>
+            <a:r>
+              <a:rPr lang="fr-FR" dirty="0" smtClean="0"/>
+              <a:t>    type '</a:t>
+            </a:r>
+            <a:r>
+              <a:rPr lang="fr-FR" dirty="0" err="1" smtClean="0"/>
+              <a:t>function</a:t>
+            </a:r>
+            <a:r>
+              <a:rPr lang="fr-FR" dirty="0" smtClean="0"/>
+              <a:t>' </a:t>
+            </a:r>
+            <a:r>
+              <a:rPr lang="fr-FR" dirty="0" err="1" smtClean="0"/>
+              <a:t>is</a:t>
+            </a:r>
+            <a:r>
+              <a:rPr lang="fr-FR" dirty="0" smtClean="0"/>
+              <a:t> not an acceptable base type</a:t>
+            </a:r>
+          </a:p>
+          <a:p>
+            <a:endParaRPr lang="fr-FR" dirty="0"/>
           </a:p>
         </p:txBody>
       </p:sp>
@@ -1815,7 +1718,292 @@
               <a:pPr>
                 <a:defRPr/>
               </a:pPr>
-              <a:t>14</a:t>
+              <a:t>13</a:t>
+            </a:fld>
+            <a:endParaRPr lang="en-US"/>
+          </a:p>
+        </p:txBody>
+      </p:sp>
+    </p:spTree>
+    <p:extLst>
+      <p:ext uri="{BB962C8B-B14F-4D97-AF65-F5344CB8AC3E}">
+        <p14:creationId xmlns:p14="http://schemas.microsoft.com/office/powerpoint/2010/main" val="3918877288"/>
+      </p:ext>
+    </p:extLst>
+  </p:cSld>
+  <p:clrMapOvr>
+    <a:masterClrMapping/>
+  </p:clrMapOvr>
+</p:notes>
+</file>
+
+<file path=ppt/notesSlides/notesSlide12.xml><?xml version="1.0" encoding="utf-8"?>
+<p:notes xmlns:a="http://schemas.openxmlformats.org/drawingml/2006/main" xmlns:r="http://schemas.openxmlformats.org/officeDocument/2006/relationships" xmlns:p="http://schemas.openxmlformats.org/presentationml/2006/main">
+  <p:cSld>
+    <p:spTree>
+      <p:nvGrpSpPr>
+        <p:cNvPr id="1" name=""/>
+        <p:cNvGrpSpPr/>
+        <p:nvPr/>
+      </p:nvGrpSpPr>
+      <p:grpSpPr>
+        <a:xfrm>
+          <a:off x="0" y="0"/>
+          <a:ext cx="0" cy="0"/>
+          <a:chOff x="0" y="0"/>
+          <a:chExt cx="0" cy="0"/>
+        </a:xfrm>
+      </p:grpSpPr>
+      <p:sp>
+        <p:nvSpPr>
+          <p:cNvPr id="2" name="Espace réservé de l'image des diapositives 1"/>
+          <p:cNvSpPr>
+            <a:spLocks noGrp="1" noRot="1" noChangeAspect="1"/>
+          </p:cNvSpPr>
+          <p:nvPr>
+            <p:ph type="sldImg"/>
+          </p:nvPr>
+        </p:nvSpPr>
+        <p:spPr/>
+      </p:sp>
+      <p:sp>
+        <p:nvSpPr>
+          <p:cNvPr id="3" name="Espace réservé des commentaires 2"/>
+          <p:cNvSpPr>
+            <a:spLocks noGrp="1"/>
+          </p:cNvSpPr>
+          <p:nvPr>
+            <p:ph type="body" idx="1"/>
+          </p:nvPr>
+        </p:nvSpPr>
+        <p:spPr/>
+        <p:txBody>
+          <a:bodyPr/>
+          <a:lstStyle/>
+          <a:p>
+            <a:r>
+              <a:rPr lang="fr-FR" dirty="0" smtClean="0"/>
+              <a:t>Type est la </a:t>
+            </a:r>
+            <a:r>
+              <a:rPr lang="fr-FR" dirty="0" err="1" smtClean="0"/>
+              <a:t>métaclasse</a:t>
+            </a:r>
+            <a:r>
+              <a:rPr lang="fr-FR" baseline="0" dirty="0" smtClean="0"/>
+              <a:t> pour type. Ça n’est évidement pas type qui instancie type, ça n’aurait pas de sens puisque type doit exister à un moment et ne peut pas être</a:t>
+            </a:r>
+          </a:p>
+          <a:p>
+            <a:r>
+              <a:rPr lang="fr-FR" baseline="0" dirty="0" smtClean="0"/>
+              <a:t>Une génération </a:t>
+            </a:r>
+            <a:r>
+              <a:rPr lang="fr-FR" baseline="0" dirty="0" err="1" smtClean="0"/>
+              <a:t>spontannée</a:t>
+            </a:r>
+            <a:r>
+              <a:rPr lang="fr-FR" baseline="0" dirty="0" smtClean="0"/>
+              <a:t>. L’objet type est le premier créé par l’interpréteur Python. Le fait que type(type) retourne type est simplement une astuce pour n’avoir qu’un seul niveau de </a:t>
+            </a:r>
+            <a:r>
+              <a:rPr lang="fr-FR" baseline="0" dirty="0" err="1" smtClean="0"/>
+              <a:t>metaclasses</a:t>
+            </a:r>
+            <a:r>
+              <a:rPr lang="fr-FR" baseline="0" dirty="0" smtClean="0"/>
+              <a:t>. Si ça n’était pas le cas, il faudrait une autre </a:t>
+            </a:r>
+            <a:r>
+              <a:rPr lang="fr-FR" baseline="0" dirty="0" err="1" smtClean="0"/>
+              <a:t>métaclasse</a:t>
+            </a:r>
+            <a:r>
+              <a:rPr lang="fr-FR" baseline="0" dirty="0" smtClean="0"/>
+              <a:t> pour type, et une autre </a:t>
+            </a:r>
+            <a:r>
+              <a:rPr lang="fr-FR" baseline="0" dirty="0" err="1" smtClean="0"/>
+              <a:t>métaclasse</a:t>
+            </a:r>
+            <a:r>
+              <a:rPr lang="fr-FR" baseline="0" dirty="0" smtClean="0"/>
+              <a:t> pour la </a:t>
+            </a:r>
+            <a:r>
+              <a:rPr lang="fr-FR" baseline="0" dirty="0" err="1" smtClean="0"/>
+              <a:t>métaclasse</a:t>
+            </a:r>
+            <a:r>
+              <a:rPr lang="fr-FR" baseline="0" dirty="0" smtClean="0"/>
+              <a:t> de type, et ainsi de suite. </a:t>
+            </a:r>
+          </a:p>
+          <a:p>
+            <a:endParaRPr lang="fr-FR" baseline="0" dirty="0" smtClean="0"/>
+          </a:p>
+          <a:p>
+            <a:r>
+              <a:rPr lang="fr-FR" baseline="0" dirty="0" smtClean="0"/>
+              <a:t>L’objet type est implémenté en C puisque c’est l’objet qui alloue ma mémoire pour tous les objets. On peut implémenter</a:t>
+            </a:r>
+          </a:p>
+          <a:p>
+            <a:r>
+              <a:rPr lang="fr-FR" baseline="0" dirty="0" smtClean="0"/>
+              <a:t>De nouvelles </a:t>
+            </a:r>
+            <a:r>
+              <a:rPr lang="fr-FR" baseline="0" dirty="0" err="1" smtClean="0"/>
+              <a:t>metaclasses</a:t>
+            </a:r>
+            <a:r>
+              <a:rPr lang="fr-FR" baseline="0" dirty="0" smtClean="0"/>
+              <a:t> en C, ou on peut simplement faire une classe qui hérite de type, mais dans ce cas, les </a:t>
+            </a:r>
+          </a:p>
+          <a:p>
+            <a:r>
+              <a:rPr lang="fr-FR" baseline="0" dirty="0" smtClean="0"/>
+              <a:t>Fonctionnalités de la </a:t>
+            </a:r>
+            <a:r>
+              <a:rPr lang="fr-FR" baseline="0" dirty="0" err="1" smtClean="0"/>
+              <a:t>metaclasse</a:t>
+            </a:r>
+            <a:r>
+              <a:rPr lang="fr-FR" baseline="0" dirty="0" smtClean="0"/>
+              <a:t> seront limités (elle n’aura notamment pas la possibilité de faire de l’allocation mémoire).</a:t>
+            </a:r>
+          </a:p>
+          <a:p>
+            <a:r>
+              <a:rPr lang="fr-FR" baseline="0" dirty="0" smtClean="0"/>
+              <a:t>Voir http://legacy.python.org/dev/peps/pep-0253/</a:t>
+            </a:r>
+          </a:p>
+          <a:p>
+            <a:endParaRPr lang="fr-FR" baseline="0" dirty="0" smtClean="0"/>
+          </a:p>
+          <a:p>
+            <a:r>
+              <a:rPr lang="fr-FR" baseline="0" dirty="0" smtClean="0"/>
+              <a:t>Quelques résultats étonnants à première vue</a:t>
+            </a:r>
+          </a:p>
+          <a:p>
+            <a:r>
+              <a:rPr lang="fr-FR" dirty="0" smtClean="0"/>
+              <a:t>&gt;&gt;&gt; </a:t>
+            </a:r>
+            <a:r>
+              <a:rPr lang="fr-FR" dirty="0" err="1" smtClean="0"/>
+              <a:t>isinstance</a:t>
+            </a:r>
+            <a:r>
+              <a:rPr lang="fr-FR" dirty="0" smtClean="0"/>
+              <a:t>(</a:t>
+            </a:r>
+            <a:r>
+              <a:rPr lang="fr-FR" dirty="0" err="1" smtClean="0"/>
+              <a:t>object</a:t>
+            </a:r>
+            <a:r>
+              <a:rPr lang="fr-FR" dirty="0" smtClean="0"/>
+              <a:t>, </a:t>
+            </a:r>
+            <a:r>
+              <a:rPr lang="fr-FR" dirty="0" err="1" smtClean="0"/>
+              <a:t>object</a:t>
+            </a:r>
+            <a:r>
+              <a:rPr lang="fr-FR" dirty="0" smtClean="0"/>
+              <a:t>)</a:t>
+            </a:r>
+          </a:p>
+          <a:p>
+            <a:r>
+              <a:rPr lang="fr-FR" dirty="0" err="1" smtClean="0"/>
+              <a:t>True</a:t>
+            </a:r>
+            <a:endParaRPr lang="fr-FR" dirty="0" smtClean="0"/>
+          </a:p>
+          <a:p>
+            <a:r>
+              <a:rPr lang="fr-FR" dirty="0" smtClean="0"/>
+              <a:t>&gt;&gt;&gt; </a:t>
+            </a:r>
+            <a:r>
+              <a:rPr lang="fr-FR" dirty="0" err="1" smtClean="0"/>
+              <a:t>isinstance</a:t>
+            </a:r>
+            <a:r>
+              <a:rPr lang="fr-FR" dirty="0" smtClean="0"/>
+              <a:t>(type, </a:t>
+            </a:r>
+            <a:r>
+              <a:rPr lang="fr-FR" dirty="0" err="1" smtClean="0"/>
+              <a:t>object</a:t>
+            </a:r>
+            <a:r>
+              <a:rPr lang="fr-FR" dirty="0" smtClean="0"/>
+              <a:t>)</a:t>
+            </a:r>
+          </a:p>
+          <a:p>
+            <a:r>
+              <a:rPr lang="fr-FR" dirty="0" err="1" smtClean="0"/>
+              <a:t>True</a:t>
+            </a:r>
+            <a:endParaRPr lang="fr-FR" dirty="0" smtClean="0"/>
+          </a:p>
+          <a:p>
+            <a:endParaRPr lang="fr-FR" dirty="0" smtClean="0"/>
+          </a:p>
+          <a:p>
+            <a:r>
+              <a:rPr lang="fr-FR" dirty="0" smtClean="0"/>
+              <a:t>objet est une instance</a:t>
+            </a:r>
+            <a:r>
+              <a:rPr lang="fr-FR" baseline="0" dirty="0" smtClean="0"/>
+              <a:t> d’objet parce que objet est une instance de type et objet est une super classe de type (relation de transitivité)</a:t>
+            </a:r>
+          </a:p>
+          <a:p>
+            <a:r>
+              <a:rPr lang="fr-FR" baseline="0" dirty="0" smtClean="0"/>
+              <a:t>type est une instance d’objet parce que parce que type est une instance de type et objet est une super classe de type (relation de transitivité)</a:t>
+            </a:r>
+            <a:endParaRPr lang="fr-FR" dirty="0" smtClean="0"/>
+          </a:p>
+        </p:txBody>
+      </p:sp>
+      <p:sp>
+        <p:nvSpPr>
+          <p:cNvPr id="4" name="Espace réservé du numéro de diapositive 3"/>
+          <p:cNvSpPr>
+            <a:spLocks noGrp="1"/>
+          </p:cNvSpPr>
+          <p:nvPr>
+            <p:ph type="sldNum" sz="quarter" idx="10"/>
+          </p:nvPr>
+        </p:nvSpPr>
+        <p:spPr/>
+        <p:txBody>
+          <a:bodyPr/>
+          <a:lstStyle/>
+          <a:p>
+            <a:pPr>
+              <a:defRPr/>
+            </a:pPr>
+            <a:fld id="{9E8EB9F5-F2F7-4A48-A943-9B409357C15C}" type="slidenum">
+              <a:rPr lang="en-US" smtClean="0"/>
+              <a:pPr>
+                <a:defRPr/>
+              </a:pPr>
+              <a:t>15</a:t>
             </a:fld>
             <a:endParaRPr lang="en-US"/>
           </a:p>
@@ -1825,6 +2013,510 @@
     <p:extLst>
       <p:ext uri="{BB962C8B-B14F-4D97-AF65-F5344CB8AC3E}">
         <p14:creationId xmlns:p14="http://schemas.microsoft.com/office/powerpoint/2010/main" val="3107066879"/>
+      </p:ext>
+    </p:extLst>
+  </p:cSld>
+  <p:clrMapOvr>
+    <a:masterClrMapping/>
+  </p:clrMapOvr>
+</p:notes>
+</file>
+
+<file path=ppt/notesSlides/notesSlide13.xml><?xml version="1.0" encoding="utf-8"?>
+<p:notes xmlns:a="http://schemas.openxmlformats.org/drawingml/2006/main" xmlns:r="http://schemas.openxmlformats.org/officeDocument/2006/relationships" xmlns:p="http://schemas.openxmlformats.org/presentationml/2006/main">
+  <p:cSld>
+    <p:spTree>
+      <p:nvGrpSpPr>
+        <p:cNvPr id="1" name=""/>
+        <p:cNvGrpSpPr/>
+        <p:nvPr/>
+      </p:nvGrpSpPr>
+      <p:grpSpPr>
+        <a:xfrm>
+          <a:off x="0" y="0"/>
+          <a:ext cx="0" cy="0"/>
+          <a:chOff x="0" y="0"/>
+          <a:chExt cx="0" cy="0"/>
+        </a:xfrm>
+      </p:grpSpPr>
+      <p:sp>
+        <p:nvSpPr>
+          <p:cNvPr id="2" name="Espace réservé de l'image des diapositives 1"/>
+          <p:cNvSpPr>
+            <a:spLocks noGrp="1" noRot="1" noChangeAspect="1"/>
+          </p:cNvSpPr>
+          <p:nvPr>
+            <p:ph type="sldImg"/>
+          </p:nvPr>
+        </p:nvSpPr>
+        <p:spPr/>
+      </p:sp>
+      <p:sp>
+        <p:nvSpPr>
+          <p:cNvPr id="3" name="Espace réservé des commentaires 2"/>
+          <p:cNvSpPr>
+            <a:spLocks noGrp="1"/>
+          </p:cNvSpPr>
+          <p:nvPr>
+            <p:ph type="body" idx="1"/>
+          </p:nvPr>
+        </p:nvSpPr>
+        <p:spPr/>
+        <p:txBody>
+          <a:bodyPr/>
+          <a:lstStyle/>
+          <a:p>
+            <a:endParaRPr lang="fr-FR" dirty="0"/>
+          </a:p>
+        </p:txBody>
+      </p:sp>
+      <p:sp>
+        <p:nvSpPr>
+          <p:cNvPr id="4" name="Espace réservé du numéro de diapositive 3"/>
+          <p:cNvSpPr>
+            <a:spLocks noGrp="1"/>
+          </p:cNvSpPr>
+          <p:nvPr>
+            <p:ph type="sldNum" sz="quarter" idx="10"/>
+          </p:nvPr>
+        </p:nvSpPr>
+        <p:spPr/>
+        <p:txBody>
+          <a:bodyPr/>
+          <a:lstStyle/>
+          <a:p>
+            <a:pPr>
+              <a:defRPr/>
+            </a:pPr>
+            <a:fld id="{9E8EB9F5-F2F7-4A48-A943-9B409357C15C}" type="slidenum">
+              <a:rPr lang="en-US" smtClean="0"/>
+              <a:pPr>
+                <a:defRPr/>
+              </a:pPr>
+              <a:t>16</a:t>
+            </a:fld>
+            <a:endParaRPr lang="en-US"/>
+          </a:p>
+        </p:txBody>
+      </p:sp>
+    </p:spTree>
+    <p:extLst>
+      <p:ext uri="{BB962C8B-B14F-4D97-AF65-F5344CB8AC3E}">
+        <p14:creationId xmlns:p14="http://schemas.microsoft.com/office/powerpoint/2010/main" val="589349349"/>
+      </p:ext>
+    </p:extLst>
+  </p:cSld>
+  <p:clrMapOvr>
+    <a:masterClrMapping/>
+  </p:clrMapOvr>
+</p:notes>
+</file>
+
+<file path=ppt/notesSlides/notesSlide14.xml><?xml version="1.0" encoding="utf-8"?>
+<p:notes xmlns:a="http://schemas.openxmlformats.org/drawingml/2006/main" xmlns:r="http://schemas.openxmlformats.org/officeDocument/2006/relationships" xmlns:p="http://schemas.openxmlformats.org/presentationml/2006/main">
+  <p:cSld>
+    <p:spTree>
+      <p:nvGrpSpPr>
+        <p:cNvPr id="1" name=""/>
+        <p:cNvGrpSpPr/>
+        <p:nvPr/>
+      </p:nvGrpSpPr>
+      <p:grpSpPr>
+        <a:xfrm>
+          <a:off x="0" y="0"/>
+          <a:ext cx="0" cy="0"/>
+          <a:chOff x="0" y="0"/>
+          <a:chExt cx="0" cy="0"/>
+        </a:xfrm>
+      </p:grpSpPr>
+      <p:sp>
+        <p:nvSpPr>
+          <p:cNvPr id="2" name="Espace réservé de l'image des diapositives 1"/>
+          <p:cNvSpPr>
+            <a:spLocks noGrp="1" noRot="1" noChangeAspect="1"/>
+          </p:cNvSpPr>
+          <p:nvPr>
+            <p:ph type="sldImg"/>
+          </p:nvPr>
+        </p:nvSpPr>
+        <p:spPr/>
+      </p:sp>
+      <p:sp>
+        <p:nvSpPr>
+          <p:cNvPr id="3" name="Espace réservé des commentaires 2"/>
+          <p:cNvSpPr>
+            <a:spLocks noGrp="1"/>
+          </p:cNvSpPr>
+          <p:nvPr>
+            <p:ph type="body" idx="1"/>
+          </p:nvPr>
+        </p:nvSpPr>
+        <p:spPr/>
+        <p:txBody>
+          <a:bodyPr/>
+          <a:lstStyle/>
+          <a:p>
+            <a:r>
+              <a:rPr lang="fr-FR" dirty="0" smtClean="0"/>
+              <a:t>En</a:t>
+            </a:r>
+            <a:r>
+              <a:rPr lang="fr-FR" baseline="0" dirty="0" smtClean="0"/>
+              <a:t> C on peut notamment allouer la mémoire pour la création des objets. </a:t>
+            </a:r>
+          </a:p>
+          <a:p>
+            <a:endParaRPr lang="fr-FR" baseline="0" dirty="0" smtClean="0"/>
+          </a:p>
+        </p:txBody>
+      </p:sp>
+      <p:sp>
+        <p:nvSpPr>
+          <p:cNvPr id="4" name="Espace réservé du numéro de diapositive 3"/>
+          <p:cNvSpPr>
+            <a:spLocks noGrp="1"/>
+          </p:cNvSpPr>
+          <p:nvPr>
+            <p:ph type="sldNum" sz="quarter" idx="10"/>
+          </p:nvPr>
+        </p:nvSpPr>
+        <p:spPr/>
+        <p:txBody>
+          <a:bodyPr/>
+          <a:lstStyle/>
+          <a:p>
+            <a:pPr>
+              <a:defRPr/>
+            </a:pPr>
+            <a:fld id="{9E8EB9F5-F2F7-4A48-A943-9B409357C15C}" type="slidenum">
+              <a:rPr lang="en-US" smtClean="0"/>
+              <a:pPr>
+                <a:defRPr/>
+              </a:pPr>
+              <a:t>17</a:t>
+            </a:fld>
+            <a:endParaRPr lang="en-US"/>
+          </a:p>
+        </p:txBody>
+      </p:sp>
+    </p:spTree>
+    <p:extLst>
+      <p:ext uri="{BB962C8B-B14F-4D97-AF65-F5344CB8AC3E}">
+        <p14:creationId xmlns:p14="http://schemas.microsoft.com/office/powerpoint/2010/main" val="1791801533"/>
+      </p:ext>
+    </p:extLst>
+  </p:cSld>
+  <p:clrMapOvr>
+    <a:masterClrMapping/>
+  </p:clrMapOvr>
+</p:notes>
+</file>
+
+<file path=ppt/notesSlides/notesSlide15.xml><?xml version="1.0" encoding="utf-8"?>
+<p:notes xmlns:a="http://schemas.openxmlformats.org/drawingml/2006/main" xmlns:r="http://schemas.openxmlformats.org/officeDocument/2006/relationships" xmlns:p="http://schemas.openxmlformats.org/presentationml/2006/main">
+  <p:cSld>
+    <p:spTree>
+      <p:nvGrpSpPr>
+        <p:cNvPr id="1" name=""/>
+        <p:cNvGrpSpPr/>
+        <p:nvPr/>
+      </p:nvGrpSpPr>
+      <p:grpSpPr>
+        <a:xfrm>
+          <a:off x="0" y="0"/>
+          <a:ext cx="0" cy="0"/>
+          <a:chOff x="0" y="0"/>
+          <a:chExt cx="0" cy="0"/>
+        </a:xfrm>
+      </p:grpSpPr>
+      <p:sp>
+        <p:nvSpPr>
+          <p:cNvPr id="2" name="Espace réservé de l'image des diapositives 1"/>
+          <p:cNvSpPr>
+            <a:spLocks noGrp="1" noRot="1" noChangeAspect="1"/>
+          </p:cNvSpPr>
+          <p:nvPr>
+            <p:ph type="sldImg"/>
+          </p:nvPr>
+        </p:nvSpPr>
+        <p:spPr/>
+      </p:sp>
+      <p:sp>
+        <p:nvSpPr>
+          <p:cNvPr id="3" name="Espace réservé des commentaires 2"/>
+          <p:cNvSpPr>
+            <a:spLocks noGrp="1"/>
+          </p:cNvSpPr>
+          <p:nvPr>
+            <p:ph type="body" idx="1"/>
+          </p:nvPr>
+        </p:nvSpPr>
+        <p:spPr/>
+        <p:txBody>
+          <a:bodyPr/>
+          <a:lstStyle/>
+          <a:p>
+            <a:r>
+              <a:rPr lang="fr-FR" dirty="0" smtClean="0"/>
+              <a:t>En</a:t>
+            </a:r>
+            <a:r>
+              <a:rPr lang="fr-FR" baseline="0" dirty="0" smtClean="0"/>
+              <a:t> C on peut notamment allouer la mémoire pour la création des objets. </a:t>
+            </a:r>
+          </a:p>
+          <a:p>
+            <a:endParaRPr lang="fr-FR" baseline="0" dirty="0" smtClean="0"/>
+          </a:p>
+        </p:txBody>
+      </p:sp>
+      <p:sp>
+        <p:nvSpPr>
+          <p:cNvPr id="4" name="Espace réservé du numéro de diapositive 3"/>
+          <p:cNvSpPr>
+            <a:spLocks noGrp="1"/>
+          </p:cNvSpPr>
+          <p:nvPr>
+            <p:ph type="sldNum" sz="quarter" idx="10"/>
+          </p:nvPr>
+        </p:nvSpPr>
+        <p:spPr/>
+        <p:txBody>
+          <a:bodyPr/>
+          <a:lstStyle/>
+          <a:p>
+            <a:pPr>
+              <a:defRPr/>
+            </a:pPr>
+            <a:fld id="{9E8EB9F5-F2F7-4A48-A943-9B409357C15C}" type="slidenum">
+              <a:rPr lang="en-US" smtClean="0"/>
+              <a:pPr>
+                <a:defRPr/>
+              </a:pPr>
+              <a:t>18</a:t>
+            </a:fld>
+            <a:endParaRPr lang="en-US"/>
+          </a:p>
+        </p:txBody>
+      </p:sp>
+    </p:spTree>
+    <p:extLst>
+      <p:ext uri="{BB962C8B-B14F-4D97-AF65-F5344CB8AC3E}">
+        <p14:creationId xmlns:p14="http://schemas.microsoft.com/office/powerpoint/2010/main" val="2982088450"/>
+      </p:ext>
+    </p:extLst>
+  </p:cSld>
+  <p:clrMapOvr>
+    <a:masterClrMapping/>
+  </p:clrMapOvr>
+</p:notes>
+</file>
+
+<file path=ppt/notesSlides/notesSlide16.xml><?xml version="1.0" encoding="utf-8"?>
+<p:notes xmlns:a="http://schemas.openxmlformats.org/drawingml/2006/main" xmlns:r="http://schemas.openxmlformats.org/officeDocument/2006/relationships" xmlns:p="http://schemas.openxmlformats.org/presentationml/2006/main">
+  <p:cSld>
+    <p:spTree>
+      <p:nvGrpSpPr>
+        <p:cNvPr id="1" name=""/>
+        <p:cNvGrpSpPr/>
+        <p:nvPr/>
+      </p:nvGrpSpPr>
+      <p:grpSpPr>
+        <a:xfrm>
+          <a:off x="0" y="0"/>
+          <a:ext cx="0" cy="0"/>
+          <a:chOff x="0" y="0"/>
+          <a:chExt cx="0" cy="0"/>
+        </a:xfrm>
+      </p:grpSpPr>
+      <p:sp>
+        <p:nvSpPr>
+          <p:cNvPr id="2" name="Espace réservé de l'image des diapositives 1"/>
+          <p:cNvSpPr>
+            <a:spLocks noGrp="1" noRot="1" noChangeAspect="1"/>
+          </p:cNvSpPr>
+          <p:nvPr>
+            <p:ph type="sldImg"/>
+          </p:nvPr>
+        </p:nvSpPr>
+        <p:spPr/>
+      </p:sp>
+      <p:sp>
+        <p:nvSpPr>
+          <p:cNvPr id="3" name="Espace réservé des commentaires 2"/>
+          <p:cNvSpPr>
+            <a:spLocks noGrp="1"/>
+          </p:cNvSpPr>
+          <p:nvPr>
+            <p:ph type="body" idx="1"/>
+          </p:nvPr>
+        </p:nvSpPr>
+        <p:spPr/>
+        <p:txBody>
+          <a:bodyPr/>
+          <a:lstStyle/>
+          <a:p>
+            <a:r>
+              <a:rPr lang="fr-FR" dirty="0" smtClean="0"/>
+              <a:t>L’</a:t>
+            </a:r>
+            <a:r>
+              <a:rPr lang="fr-FR" dirty="0" err="1" smtClean="0"/>
+              <a:t>intérpréteur</a:t>
+            </a:r>
+            <a:r>
+              <a:rPr lang="fr-FR" dirty="0" smtClean="0"/>
+              <a:t> crée tous les objets dans le</a:t>
+            </a:r>
+            <a:r>
+              <a:rPr lang="fr-FR" baseline="0" dirty="0" smtClean="0"/>
+              <a:t> bloc de code de la classe et crée un espace de nommage temporaire, ensuite c’est l’appel à type qui crée l’objet classe</a:t>
+            </a:r>
+          </a:p>
+          <a:p>
+            <a:endParaRPr lang="fr-FR" baseline="0" dirty="0" smtClean="0"/>
+          </a:p>
+        </p:txBody>
+      </p:sp>
+      <p:sp>
+        <p:nvSpPr>
+          <p:cNvPr id="4" name="Espace réservé du numéro de diapositive 3"/>
+          <p:cNvSpPr>
+            <a:spLocks noGrp="1"/>
+          </p:cNvSpPr>
+          <p:nvPr>
+            <p:ph type="sldNum" sz="quarter" idx="10"/>
+          </p:nvPr>
+        </p:nvSpPr>
+        <p:spPr/>
+        <p:txBody>
+          <a:bodyPr/>
+          <a:lstStyle/>
+          <a:p>
+            <a:pPr>
+              <a:defRPr/>
+            </a:pPr>
+            <a:fld id="{9E8EB9F5-F2F7-4A48-A943-9B409357C15C}" type="slidenum">
+              <a:rPr lang="en-US" smtClean="0"/>
+              <a:pPr>
+                <a:defRPr/>
+              </a:pPr>
+              <a:t>19</a:t>
+            </a:fld>
+            <a:endParaRPr lang="en-US"/>
+          </a:p>
+        </p:txBody>
+      </p:sp>
+    </p:spTree>
+    <p:extLst>
+      <p:ext uri="{BB962C8B-B14F-4D97-AF65-F5344CB8AC3E}">
+        <p14:creationId xmlns:p14="http://schemas.microsoft.com/office/powerpoint/2010/main" val="621904774"/>
+      </p:ext>
+    </p:extLst>
+  </p:cSld>
+  <p:clrMapOvr>
+    <a:masterClrMapping/>
+  </p:clrMapOvr>
+</p:notes>
+</file>
+
+<file path=ppt/notesSlides/notesSlide17.xml><?xml version="1.0" encoding="utf-8"?>
+<p:notes xmlns:a="http://schemas.openxmlformats.org/drawingml/2006/main" xmlns:r="http://schemas.openxmlformats.org/officeDocument/2006/relationships" xmlns:p="http://schemas.openxmlformats.org/presentationml/2006/main">
+  <p:cSld>
+    <p:spTree>
+      <p:nvGrpSpPr>
+        <p:cNvPr id="1" name=""/>
+        <p:cNvGrpSpPr/>
+        <p:nvPr/>
+      </p:nvGrpSpPr>
+      <p:grpSpPr>
+        <a:xfrm>
+          <a:off x="0" y="0"/>
+          <a:ext cx="0" cy="0"/>
+          <a:chOff x="0" y="0"/>
+          <a:chExt cx="0" cy="0"/>
+        </a:xfrm>
+      </p:grpSpPr>
+      <p:sp>
+        <p:nvSpPr>
+          <p:cNvPr id="2" name="Espace réservé de l'image des diapositives 1"/>
+          <p:cNvSpPr>
+            <a:spLocks noGrp="1" noRot="1" noChangeAspect="1"/>
+          </p:cNvSpPr>
+          <p:nvPr>
+            <p:ph type="sldImg"/>
+          </p:nvPr>
+        </p:nvSpPr>
+        <p:spPr/>
+      </p:sp>
+      <p:sp>
+        <p:nvSpPr>
+          <p:cNvPr id="3" name="Espace réservé des commentaires 2"/>
+          <p:cNvSpPr>
+            <a:spLocks noGrp="1"/>
+          </p:cNvSpPr>
+          <p:nvPr>
+            <p:ph type="body" idx="1"/>
+          </p:nvPr>
+        </p:nvSpPr>
+        <p:spPr/>
+        <p:txBody>
+          <a:bodyPr/>
+          <a:lstStyle/>
+          <a:p>
+            <a:r>
+              <a:rPr lang="fr-FR" dirty="0" smtClean="0"/>
+              <a:t>Allons encore une</a:t>
+            </a:r>
+            <a:r>
+              <a:rPr lang="fr-FR" baseline="0" dirty="0" smtClean="0"/>
+              <a:t> étape plus loin, comment la </a:t>
+            </a:r>
+            <a:r>
+              <a:rPr lang="fr-FR" baseline="0" dirty="0" err="1" smtClean="0"/>
+              <a:t>metaclasse</a:t>
+            </a:r>
+            <a:r>
+              <a:rPr lang="fr-FR" baseline="0" dirty="0" smtClean="0"/>
+              <a:t> crée l’instance de la classe. </a:t>
+            </a:r>
+            <a:endParaRPr lang="fr-FR" dirty="0"/>
+          </a:p>
+        </p:txBody>
+      </p:sp>
+      <p:sp>
+        <p:nvSpPr>
+          <p:cNvPr id="4" name="Espace réservé du numéro de diapositive 3"/>
+          <p:cNvSpPr>
+            <a:spLocks noGrp="1"/>
+          </p:cNvSpPr>
+          <p:nvPr>
+            <p:ph type="sldNum" sz="quarter" idx="10"/>
+          </p:nvPr>
+        </p:nvSpPr>
+        <p:spPr/>
+        <p:txBody>
+          <a:bodyPr/>
+          <a:lstStyle/>
+          <a:p>
+            <a:pPr>
+              <a:defRPr/>
+            </a:pPr>
+            <a:fld id="{9E8EB9F5-F2F7-4A48-A943-9B409357C15C}" type="slidenum">
+              <a:rPr lang="en-US" smtClean="0"/>
+              <a:pPr>
+                <a:defRPr/>
+              </a:pPr>
+              <a:t>20</a:t>
+            </a:fld>
+            <a:endParaRPr lang="en-US"/>
+          </a:p>
+        </p:txBody>
+      </p:sp>
+    </p:spTree>
+    <p:extLst>
+      <p:ext uri="{BB962C8B-B14F-4D97-AF65-F5344CB8AC3E}">
+        <p14:creationId xmlns:p14="http://schemas.microsoft.com/office/powerpoint/2010/main" val="2192074682"/>
       </p:ext>
     </p:extLst>
   </p:cSld>
@@ -2402,11 +3094,7 @@
             </a:r>
             <a:r>
               <a:rPr lang="fr-FR" baseline="0" dirty="0" smtClean="0"/>
-              <a:t> d’une sous classe est toujours </a:t>
-            </a:r>
-            <a:r>
-              <a:rPr lang="fr-FR" baseline="0" dirty="0" smtClean="0"/>
-              <a:t>type si type est le type de la super classe, ce qui est toujours le cas pour les</a:t>
+              <a:t> d’une sous classe est toujours type si type est le type de la super classe, ce qui est toujours le cas pour les</a:t>
             </a:r>
           </a:p>
           <a:p>
@@ -2422,7 +3110,6 @@
               <a:rPr lang="fr-FR" baseline="0" dirty="0" smtClean="0"/>
               <a:t> classe, mais on reviendra dessus plus tard)</a:t>
             </a:r>
-            <a:endParaRPr lang="fr-FR" baseline="0" dirty="0" smtClean="0"/>
           </a:p>
           <a:p>
             <a:r>
@@ -6036,7 +6723,19 @@
               <a:rPr lang="fr-FR" sz="6000" dirty="0" smtClean="0">
                 <a:latin typeface="Calibri" panose="020F0502020204030204" pitchFamily="34" charset="0"/>
               </a:rPr>
-              <a:t>Tout est en objet en Python</a:t>
+              <a:t>Tout est </a:t>
+            </a:r>
+            <a:r>
+              <a:rPr lang="fr-FR" sz="6000" dirty="0" smtClean="0">
+                <a:latin typeface="Calibri" panose="020F0502020204030204" pitchFamily="34" charset="0"/>
+              </a:rPr>
+              <a:t>un </a:t>
+            </a:r>
+            <a:r>
+              <a:rPr lang="fr-FR" sz="6000" dirty="0" smtClean="0">
+                <a:latin typeface="Calibri" panose="020F0502020204030204" pitchFamily="34" charset="0"/>
+              </a:rPr>
+              <a:t>objet en Python</a:t>
             </a:r>
             <a:endParaRPr lang="fr-FR" sz="6000" dirty="0">
               <a:latin typeface="Calibri" panose="020F0502020204030204" pitchFamily="34" charset="0"/>
@@ -6458,7 +7157,13 @@
               <a:rPr lang="fr-FR" sz="6000" dirty="0" smtClean="0">
                 <a:latin typeface="Calibri" panose="020F0502020204030204" pitchFamily="34" charset="0"/>
               </a:rPr>
-              <a:t>instancie les classes</a:t>
+              <a:t>instancie les </a:t>
+            </a:r>
+            <a:r>
+              <a:rPr lang="fr-FR" sz="6000" dirty="0" smtClean="0">
+                <a:latin typeface="Calibri" panose="020F0502020204030204" pitchFamily="34" charset="0"/>
+              </a:rPr>
+              <a:t>classes</a:t>
             </a:r>
           </a:p>
           <a:p>
@@ -6484,7 +7189,14 @@
                 <a:latin typeface="Calibri" panose="020F0502020204030204" pitchFamily="34" charset="0"/>
                 <a:cs typeface="Courier New" panose="02070309020205020404" pitchFamily="49" charset="0"/>
               </a:rPr>
-              <a:t>Toutes les classes </a:t>
+              <a:t>Toutes </a:t>
+            </a:r>
+            <a:r>
+              <a:rPr lang="fr-FR" sz="6000" dirty="0" smtClean="0">
+                <a:latin typeface="Calibri" panose="020F0502020204030204" pitchFamily="34" charset="0"/>
+                <a:cs typeface="Courier New" panose="02070309020205020404" pitchFamily="49" charset="0"/>
+              </a:rPr>
+              <a:t>les classes </a:t>
             </a:r>
             <a:br>
               <a:rPr lang="fr-FR" sz="6000" dirty="0" smtClean="0">
@@ -6565,7 +7277,7 @@
         <p:spPr>
           <a:xfrm>
             <a:off x="401443" y="689145"/>
-            <a:ext cx="11790557" cy="6278642"/>
+            <a:ext cx="11790557" cy="3600986"/>
           </a:xfrm>
           <a:prstGeom prst="rect">
             <a:avLst/>
@@ -6642,79 +7354,16 @@
               <a:t>La classe a pour type l’objet </a:t>
             </a:r>
             <a:r>
-              <a:rPr lang="fr-FR" sz="5400" dirty="0" smtClean="0">
-                <a:solidFill>
-                  <a:srgbClr val="00B050"/>
-                </a:solidFill>
-                <a:latin typeface="Courier New" panose="02070309020205020404" pitchFamily="49" charset="0"/>
-                <a:cs typeface="Courier New" panose="02070309020205020404" pitchFamily="49" charset="0"/>
-              </a:rPr>
-              <a:t>type</a:t>
+              <a:rPr lang="fr-FR" sz="5400" dirty="0" err="1" smtClean="0">
+                <a:latin typeface="Calibri" panose="020F0502020204030204" pitchFamily="34" charset="0"/>
+                <a:cs typeface="Courier New" panose="02070309020205020404" pitchFamily="49" charset="0"/>
+              </a:rPr>
+              <a:t>métaclasse</a:t>
             </a:r>
             <a:endParaRPr lang="fr-FR" sz="5400" dirty="0" smtClean="0">
-              <a:solidFill>
-                <a:srgbClr val="00B050"/>
-              </a:solidFill>
-              <a:latin typeface="Courier New" panose="02070309020205020404" pitchFamily="49" charset="0"/>
+              <a:latin typeface="Calibri" panose="020F0502020204030204" pitchFamily="34" charset="0"/>
               <a:cs typeface="Courier New" panose="02070309020205020404" pitchFamily="49" charset="0"/>
             </a:endParaRPr>
-          </a:p>
-          <a:p>
-            <a:pPr marL="857250" indent="-857250">
-              <a:buFont typeface="Arial" panose="020B0604020202020204" pitchFamily="34" charset="0"/>
-              <a:buChar char="•"/>
-            </a:pPr>
-            <a:r>
-              <a:rPr lang="fr-FR" sz="6000" dirty="0" smtClean="0">
-                <a:latin typeface="Calibri" panose="020F0502020204030204" pitchFamily="34" charset="0"/>
-                <a:cs typeface="Courier New" panose="02070309020205020404" pitchFamily="49" charset="0"/>
-              </a:rPr>
-              <a:t>On appelle </a:t>
-            </a:r>
-            <a:r>
-              <a:rPr lang="fr-FR" sz="6000" i="1" dirty="0" smtClean="0">
-                <a:latin typeface="Calibri" panose="020F0502020204030204" pitchFamily="34" charset="0"/>
-                <a:cs typeface="Courier New" panose="02070309020205020404" pitchFamily="49" charset="0"/>
-              </a:rPr>
-              <a:t>instance</a:t>
-            </a:r>
-            <a:r>
-              <a:rPr lang="fr-FR" sz="6000" dirty="0" smtClean="0">
-                <a:latin typeface="Calibri" panose="020F0502020204030204" pitchFamily="34" charset="0"/>
-                <a:cs typeface="Courier New" panose="02070309020205020404" pitchFamily="49" charset="0"/>
-              </a:rPr>
-              <a:t> une instance d’une classe</a:t>
-            </a:r>
-          </a:p>
-          <a:p>
-            <a:pPr marL="1314450" lvl="1" indent="-857250">
-              <a:buFont typeface="Arial" panose="020B0604020202020204" pitchFamily="34" charset="0"/>
-              <a:buChar char="•"/>
-            </a:pPr>
-            <a:r>
-              <a:rPr lang="fr-FR" sz="5400" dirty="0" smtClean="0">
-                <a:latin typeface="Calibri" panose="020F0502020204030204" pitchFamily="34" charset="0"/>
-                <a:cs typeface="Courier New" panose="02070309020205020404" pitchFamily="49" charset="0"/>
-              </a:rPr>
-              <a:t>Une instance n’a pas pour type l’objet </a:t>
-            </a:r>
-            <a:r>
-              <a:rPr lang="fr-FR" sz="5400" dirty="0" smtClean="0">
-                <a:solidFill>
-                  <a:srgbClr val="00B050"/>
-                </a:solidFill>
-                <a:latin typeface="Courier New" panose="02070309020205020404" pitchFamily="49" charset="0"/>
-                <a:cs typeface="Courier New" panose="02070309020205020404" pitchFamily="49" charset="0"/>
-              </a:rPr>
-              <a:t>type</a:t>
-            </a:r>
-            <a:r>
-              <a:rPr lang="fr-FR" sz="5400" dirty="0" smtClean="0">
-                <a:latin typeface="Calibri" panose="020F0502020204030204" pitchFamily="34" charset="0"/>
-                <a:cs typeface="Courier New" panose="02070309020205020404" pitchFamily="49" charset="0"/>
-              </a:rPr>
-              <a:t>, mais l’objet classe</a:t>
-            </a:r>
           </a:p>
         </p:txBody>
       </p:sp>
@@ -6763,8 +7412,8 @@
         </p:nvSpPr>
         <p:spPr>
           <a:xfrm>
-            <a:off x="401443" y="780585"/>
-            <a:ext cx="11790557" cy="3785652"/>
+            <a:off x="401443" y="689145"/>
+            <a:ext cx="11790557" cy="3600986"/>
           </a:xfrm>
           <a:prstGeom prst="rect">
             <a:avLst/>
@@ -6786,45 +7435,66 @@
                 <a:latin typeface="Calibri" panose="020F0502020204030204" pitchFamily="34" charset="0"/>
                 <a:cs typeface="Courier New" panose="02070309020205020404" pitchFamily="49" charset="0"/>
               </a:rPr>
-              <a:t>Les </a:t>
-            </a:r>
-            <a:r>
-              <a:rPr lang="fr-FR" sz="6000" dirty="0">
+              <a:t>On </a:t>
+            </a:r>
+            <a:r>
+              <a:rPr lang="fr-FR" sz="6000" dirty="0" smtClean="0">
                 <a:latin typeface="Calibri" panose="020F0502020204030204" pitchFamily="34" charset="0"/>
                 <a:cs typeface="Courier New" panose="02070309020205020404" pitchFamily="49" charset="0"/>
               </a:rPr>
-              <a:t>classes peuvent avoir des sous-classes, pas les instances</a:t>
-            </a:r>
-            <a:endParaRPr lang="fr-FR" sz="6000" dirty="0">
-              <a:latin typeface="Calibri" panose="020F0502020204030204" pitchFamily="34" charset="0"/>
-            </a:endParaRPr>
-          </a:p>
-          <a:p>
-            <a:pPr marL="857250" indent="-857250">
+              <a:t>appelle </a:t>
+            </a:r>
+            <a:r>
+              <a:rPr lang="fr-FR" sz="6000" i="1" dirty="0" smtClean="0">
+                <a:latin typeface="Calibri" panose="020F0502020204030204" pitchFamily="34" charset="0"/>
+                <a:cs typeface="Courier New" panose="02070309020205020404" pitchFamily="49" charset="0"/>
+              </a:rPr>
+              <a:t>instance</a:t>
+            </a:r>
+            <a:r>
+              <a:rPr lang="fr-FR" sz="6000" dirty="0" smtClean="0">
+                <a:latin typeface="Calibri" panose="020F0502020204030204" pitchFamily="34" charset="0"/>
+                <a:cs typeface="Courier New" panose="02070309020205020404" pitchFamily="49" charset="0"/>
+              </a:rPr>
+              <a:t> une instance d’une classe</a:t>
+            </a:r>
+          </a:p>
+          <a:p>
+            <a:pPr marL="1314450" lvl="1" indent="-857250">
               <a:buFont typeface="Arial" panose="020B0604020202020204" pitchFamily="34" charset="0"/>
               <a:buChar char="•"/>
             </a:pPr>
             <a:r>
-              <a:rPr lang="fr-FR" sz="6000" dirty="0" smtClean="0">
+              <a:rPr lang="fr-FR" sz="5400" dirty="0" smtClean="0">
                 <a:latin typeface="Calibri" panose="020F0502020204030204" pitchFamily="34" charset="0"/>
                 <a:cs typeface="Courier New" panose="02070309020205020404" pitchFamily="49" charset="0"/>
               </a:rPr>
-              <a:t>Les classes peuvent avoir des instances, pas les instances</a:t>
-            </a:r>
-            <a:endParaRPr lang="fr-FR" sz="6000" dirty="0" smtClean="0">
-              <a:solidFill>
-                <a:srgbClr val="FF0000"/>
-              </a:solidFill>
-              <a:latin typeface="Courier New" panose="02070309020205020404" pitchFamily="49" charset="0"/>
-              <a:cs typeface="Courier New" panose="02070309020205020404" pitchFamily="49" charset="0"/>
-            </a:endParaRPr>
+              <a:t>Une instance n’a pas pour type l’objet </a:t>
+            </a:r>
+            <a:r>
+              <a:rPr lang="fr-FR" sz="5400" dirty="0" smtClean="0">
+                <a:solidFill>
+                  <a:srgbClr val="00B050"/>
+                </a:solidFill>
+                <a:latin typeface="Courier New" panose="02070309020205020404" pitchFamily="49" charset="0"/>
+                <a:cs typeface="Courier New" panose="02070309020205020404" pitchFamily="49" charset="0"/>
+              </a:rPr>
+              <a:t>type</a:t>
+            </a:r>
+            <a:r>
+              <a:rPr lang="fr-FR" sz="5400" dirty="0" smtClean="0">
+                <a:latin typeface="Calibri" panose="020F0502020204030204" pitchFamily="34" charset="0"/>
+                <a:cs typeface="Courier New" panose="02070309020205020404" pitchFamily="49" charset="0"/>
+              </a:rPr>
+              <a:t>, mais l’objet classe</a:t>
+            </a:r>
           </a:p>
         </p:txBody>
       </p:sp>
     </p:spTree>
     <p:extLst>
       <p:ext uri="{BB962C8B-B14F-4D97-AF65-F5344CB8AC3E}">
-        <p14:creationId xmlns:p14="http://schemas.microsoft.com/office/powerpoint/2010/main" val="2766108600"/>
+        <p14:creationId xmlns:p14="http://schemas.microsoft.com/office/powerpoint/2010/main" val="808501172"/>
       </p:ext>
     </p:extLst>
   </p:cSld>
@@ -6866,8 +7536,8 @@
         </p:nvSpPr>
         <p:spPr>
           <a:xfrm>
-            <a:off x="401444" y="780585"/>
-            <a:ext cx="11508058" cy="1015663"/>
+            <a:off x="401443" y="780585"/>
+            <a:ext cx="11790557" cy="3785652"/>
           </a:xfrm>
           <a:prstGeom prst="rect">
             <a:avLst/>
@@ -6880,66 +7550,45 @@
           </a:bodyPr>
           <a:lstStyle/>
           <a:p>
+            <a:pPr marL="857250" indent="-857250">
+              <a:buFont typeface="Arial" panose="020B0604020202020204" pitchFamily="34" charset="0"/>
+              <a:buChar char="•"/>
+            </a:pPr>
             <a:r>
               <a:rPr lang="fr-FR" sz="6000" dirty="0" smtClean="0">
                 <a:latin typeface="Calibri" panose="020F0502020204030204" pitchFamily="34" charset="0"/>
-              </a:rPr>
-              <a:t>Quel lien entre </a:t>
-            </a:r>
-            <a:r>
-              <a:rPr lang="fr-FR" sz="6000" dirty="0" smtClean="0">
-                <a:solidFill>
-                  <a:srgbClr val="00B050"/>
-                </a:solidFill>
-                <a:latin typeface="Courier New" panose="02070309020205020404" pitchFamily="49" charset="0"/>
-                <a:cs typeface="Courier New" panose="02070309020205020404" pitchFamily="49" charset="0"/>
-              </a:rPr>
-              <a:t>type</a:t>
-            </a:r>
-            <a:r>
-              <a:rPr lang="fr-FR" sz="6000" dirty="0" smtClean="0">
-                <a:solidFill>
-                  <a:srgbClr val="00B050"/>
-                </a:solidFill>
+                <a:cs typeface="Courier New" panose="02070309020205020404" pitchFamily="49" charset="0"/>
+              </a:rPr>
+              <a:t>Les </a:t>
+            </a:r>
+            <a:r>
+              <a:rPr lang="fr-FR" sz="6000" dirty="0">
                 <a:latin typeface="Calibri" panose="020F0502020204030204" pitchFamily="34" charset="0"/>
-              </a:rPr>
-              <a:t> </a:t>
-            </a:r>
+                <a:cs typeface="Courier New" panose="02070309020205020404" pitchFamily="49" charset="0"/>
+              </a:rPr>
+              <a:t>classes peuvent avoir des sous-classes, pas les instances</a:t>
+            </a:r>
+            <a:endParaRPr lang="fr-FR" sz="6000" dirty="0">
+              <a:latin typeface="Calibri" panose="020F0502020204030204" pitchFamily="34" charset="0"/>
+            </a:endParaRPr>
+          </a:p>
+          <a:p>
+            <a:pPr marL="857250" indent="-857250">
+              <a:buFont typeface="Arial" panose="020B0604020202020204" pitchFamily="34" charset="0"/>
+              <a:buChar char="•"/>
+            </a:pPr>
             <a:r>
               <a:rPr lang="fr-FR" sz="6000" dirty="0" smtClean="0">
                 <a:latin typeface="Calibri" panose="020F0502020204030204" pitchFamily="34" charset="0"/>
-              </a:rPr>
-              <a:t>et </a:t>
-            </a:r>
-            <a:r>
-              <a:rPr lang="fr-FR" sz="6000" dirty="0" err="1" smtClean="0">
-                <a:solidFill>
-                  <a:srgbClr val="FF0000"/>
-                </a:solidFill>
-                <a:latin typeface="Courier New" panose="02070309020205020404" pitchFamily="49" charset="0"/>
-                <a:cs typeface="Courier New" panose="02070309020205020404" pitchFamily="49" charset="0"/>
-              </a:rPr>
-              <a:t>object</a:t>
-            </a:r>
-            <a:r>
-              <a:rPr lang="fr-FR" sz="6000" dirty="0" smtClean="0">
-                <a:solidFill>
-                  <a:srgbClr val="FF0000"/>
-                </a:solidFill>
-                <a:latin typeface="Courier New" panose="02070309020205020404" pitchFamily="49" charset="0"/>
-                <a:cs typeface="Courier New" panose="02070309020205020404" pitchFamily="49" charset="0"/>
-              </a:rPr>
-              <a:t> </a:t>
-            </a:r>
-            <a:r>
-              <a:rPr lang="fr-FR" sz="6000" dirty="0" smtClean="0">
-                <a:latin typeface="Calibri" panose="020F0502020204030204" pitchFamily="34" charset="0"/>
-                <a:cs typeface="Courier New" panose="02070309020205020404" pitchFamily="49" charset="0"/>
-              </a:rPr>
-              <a:t>?</a:t>
-            </a:r>
-            <a:endParaRPr lang="fr-FR" sz="6000" dirty="0">
-              <a:latin typeface="Calibri" panose="020F0502020204030204" pitchFamily="34" charset="0"/>
+                <a:cs typeface="Courier New" panose="02070309020205020404" pitchFamily="49" charset="0"/>
+              </a:rPr>
+              <a:t>Les classes peuvent avoir des instances, pas les instances</a:t>
+            </a:r>
+            <a:endParaRPr lang="fr-FR" sz="6000" dirty="0" smtClean="0">
+              <a:solidFill>
+                <a:srgbClr val="FF0000"/>
+              </a:solidFill>
+              <a:latin typeface="Courier New" panose="02070309020205020404" pitchFamily="49" charset="0"/>
               <a:cs typeface="Courier New" panose="02070309020205020404" pitchFamily="49" charset="0"/>
             </a:endParaRPr>
           </a:p>
@@ -6948,7 +7597,7 @@
     </p:spTree>
     <p:extLst>
       <p:ext uri="{BB962C8B-B14F-4D97-AF65-F5344CB8AC3E}">
-        <p14:creationId xmlns:p14="http://schemas.microsoft.com/office/powerpoint/2010/main" val="362375951"/>
+        <p14:creationId xmlns:p14="http://schemas.microsoft.com/office/powerpoint/2010/main" val="2766108600"/>
       </p:ext>
     </p:extLst>
   </p:cSld>
@@ -6984,6 +7633,130 @@
       </p:grpSpPr>
       <p:sp>
         <p:nvSpPr>
+          <p:cNvPr id="5" name="ZoneTexte 4"/>
+          <p:cNvSpPr txBox="1"/>
+          <p:nvPr/>
+        </p:nvSpPr>
+        <p:spPr>
+          <a:xfrm>
+            <a:off x="401444" y="780585"/>
+            <a:ext cx="11508058" cy="1015663"/>
+          </a:xfrm>
+          <a:prstGeom prst="rect">
+            <a:avLst/>
+          </a:prstGeom>
+          <a:noFill/>
+        </p:spPr>
+        <p:txBody>
+          <a:bodyPr wrap="square" rtlCol="0">
+            <a:spAutoFit/>
+          </a:bodyPr>
+          <a:lstStyle/>
+          <a:p>
+            <a:r>
+              <a:rPr lang="fr-FR" sz="6000" dirty="0" smtClean="0">
+                <a:latin typeface="Calibri" panose="020F0502020204030204" pitchFamily="34" charset="0"/>
+              </a:rPr>
+              <a:t>Quel lien entre </a:t>
+            </a:r>
+            <a:r>
+              <a:rPr lang="fr-FR" sz="6000" dirty="0" smtClean="0">
+                <a:solidFill>
+                  <a:srgbClr val="00B050"/>
+                </a:solidFill>
+                <a:latin typeface="Courier New" panose="02070309020205020404" pitchFamily="49" charset="0"/>
+                <a:cs typeface="Courier New" panose="02070309020205020404" pitchFamily="49" charset="0"/>
+              </a:rPr>
+              <a:t>type</a:t>
+            </a:r>
+            <a:r>
+              <a:rPr lang="fr-FR" sz="6000" dirty="0" smtClean="0">
+                <a:solidFill>
+                  <a:srgbClr val="00B050"/>
+                </a:solidFill>
+                <a:latin typeface="Calibri" panose="020F0502020204030204" pitchFamily="34" charset="0"/>
+              </a:rPr>
+              <a:t> </a:t>
+            </a:r>
+            <a:r>
+              <a:rPr lang="fr-FR" sz="6000" dirty="0" smtClean="0">
+                <a:latin typeface="Calibri" panose="020F0502020204030204" pitchFamily="34" charset="0"/>
+              </a:rPr>
+              <a:t>et </a:t>
+            </a:r>
+            <a:r>
+              <a:rPr lang="fr-FR" sz="6000" dirty="0" err="1" smtClean="0">
+                <a:solidFill>
+                  <a:srgbClr val="FF0000"/>
+                </a:solidFill>
+                <a:latin typeface="Courier New" panose="02070309020205020404" pitchFamily="49" charset="0"/>
+                <a:cs typeface="Courier New" panose="02070309020205020404" pitchFamily="49" charset="0"/>
+              </a:rPr>
+              <a:t>object</a:t>
+            </a:r>
+            <a:r>
+              <a:rPr lang="fr-FR" sz="6000" dirty="0" smtClean="0">
+                <a:solidFill>
+                  <a:srgbClr val="FF0000"/>
+                </a:solidFill>
+                <a:latin typeface="Courier New" panose="02070309020205020404" pitchFamily="49" charset="0"/>
+                <a:cs typeface="Courier New" panose="02070309020205020404" pitchFamily="49" charset="0"/>
+              </a:rPr>
+              <a:t> </a:t>
+            </a:r>
+            <a:r>
+              <a:rPr lang="fr-FR" sz="6000" dirty="0" smtClean="0">
+                <a:latin typeface="Calibri" panose="020F0502020204030204" pitchFamily="34" charset="0"/>
+                <a:cs typeface="Courier New" panose="02070309020205020404" pitchFamily="49" charset="0"/>
+              </a:rPr>
+              <a:t>?</a:t>
+            </a:r>
+            <a:endParaRPr lang="fr-FR" sz="6000" dirty="0">
+              <a:latin typeface="Calibri" panose="020F0502020204030204" pitchFamily="34" charset="0"/>
+              <a:cs typeface="Courier New" panose="02070309020205020404" pitchFamily="49" charset="0"/>
+            </a:endParaRPr>
+          </a:p>
+        </p:txBody>
+      </p:sp>
+    </p:spTree>
+    <p:extLst>
+      <p:ext uri="{BB962C8B-B14F-4D97-AF65-F5344CB8AC3E}">
+        <p14:creationId xmlns:p14="http://schemas.microsoft.com/office/powerpoint/2010/main" val="362375951"/>
+      </p:ext>
+    </p:extLst>
+  </p:cSld>
+  <p:clrMapOvr>
+    <a:masterClrMapping/>
+  </p:clrMapOvr>
+  <p:timing>
+    <p:tnLst>
+      <p:par>
+        <p:cTn id="1" dur="indefinite" restart="never" nodeType="tmRoot"/>
+      </p:par>
+    </p:tnLst>
+  </p:timing>
+</p:sld>
+</file>
+
+<file path=ppt/slides/slide15.xml><?xml version="1.0" encoding="utf-8"?>
+<p:sld xmlns:a="http://schemas.openxmlformats.org/drawingml/2006/main" xmlns:r="http://schemas.openxmlformats.org/officeDocument/2006/relationships" xmlns:p="http://schemas.openxmlformats.org/presentationml/2006/main">
+  <p:cSld>
+    <p:spTree>
+      <p:nvGrpSpPr>
+        <p:cNvPr id="1" name=""/>
+        <p:cNvGrpSpPr/>
+        <p:nvPr/>
+      </p:nvGrpSpPr>
+      <p:grpSpPr>
+        <a:xfrm>
+          <a:off x="0" y="0"/>
+          <a:ext cx="0" cy="0"/>
+          <a:chOff x="0" y="0"/>
+          <a:chExt cx="0" cy="0"/>
+        </a:xfrm>
+      </p:grpSpPr>
+      <p:sp>
+        <p:nvSpPr>
           <p:cNvPr id="2" name="Rectangle 1"/>
           <p:cNvSpPr/>
           <p:nvPr/>
@@ -7118,6 +7891,9 @@
             </a:r>
             <a:r>
               <a:rPr lang="fr-FR" sz="2800" dirty="0" err="1">
+                <a:solidFill>
+                  <a:srgbClr val="FF0000"/>
+                </a:solidFill>
                 <a:latin typeface="Courier New" panose="02070309020205020404" pitchFamily="49" charset="0"/>
                 <a:cs typeface="Courier New" panose="02070309020205020404" pitchFamily="49" charset="0"/>
               </a:rPr>
@@ -7212,26 +7988,10 @@
                 <a:latin typeface="Courier New" panose="02070309020205020404" pitchFamily="49" charset="0"/>
                 <a:cs typeface="Courier New" panose="02070309020205020404" pitchFamily="49" charset="0"/>
               </a:rPr>
-              <a:t>&gt;&gt;&gt; type(type)</a:t>
-            </a:r>
-          </a:p>
-          <a:p>
+              <a:t>&gt;&gt;&gt; type(</a:t>
+            </a:r>
             <a:r>
               <a:rPr lang="fr-FR" sz="2800" dirty="0">
-                <a:latin typeface="Courier New" panose="02070309020205020404" pitchFamily="49" charset="0"/>
-                <a:cs typeface="Courier New" panose="02070309020205020404" pitchFamily="49" charset="0"/>
-              </a:rPr>
-              <a:t>&lt;type </a:t>
-            </a:r>
-            <a:r>
-              <a:rPr lang="fr-FR" sz="2800">
-                <a:latin typeface="Courier New" panose="02070309020205020404" pitchFamily="49" charset="0"/>
-                <a:cs typeface="Courier New" panose="02070309020205020404" pitchFamily="49" charset="0"/>
-              </a:rPr>
-              <a:t>'</a:t>
-            </a:r>
-            <a:r>
-              <a:rPr lang="fr-FR" sz="2800">
                 <a:solidFill>
                   <a:srgbClr val="00B050"/>
                 </a:solidFill>
@@ -7241,16 +8001,38 @@
               <a:t>type</a:t>
             </a:r>
             <a:r>
-              <a:rPr lang="fr-FR" sz="2800" smtClean="0">
+              <a:rPr lang="fr-FR" sz="2800" dirty="0">
+                <a:latin typeface="Courier New" panose="02070309020205020404" pitchFamily="49" charset="0"/>
+                <a:cs typeface="Courier New" panose="02070309020205020404" pitchFamily="49" charset="0"/>
+              </a:rPr>
+              <a:t>)</a:t>
+            </a:r>
+          </a:p>
+          <a:p>
+            <a:r>
+              <a:rPr lang="fr-FR" sz="2800" dirty="0">
+                <a:latin typeface="Courier New" panose="02070309020205020404" pitchFamily="49" charset="0"/>
+                <a:cs typeface="Courier New" panose="02070309020205020404" pitchFamily="49" charset="0"/>
+              </a:rPr>
+              <a:t>&lt;type '</a:t>
+            </a:r>
+            <a:r>
+              <a:rPr lang="fr-FR" sz="2800" dirty="0">
+                <a:solidFill>
+                  <a:srgbClr val="00B050"/>
+                </a:solidFill>
+                <a:latin typeface="Courier New" panose="02070309020205020404" pitchFamily="49" charset="0"/>
+                <a:cs typeface="Courier New" panose="02070309020205020404" pitchFamily="49" charset="0"/>
+              </a:rPr>
+              <a:t>type</a:t>
+            </a:r>
+            <a:r>
+              <a:rPr lang="fr-FR" sz="2800" dirty="0" smtClean="0">
                 <a:latin typeface="Courier New" panose="02070309020205020404" pitchFamily="49" charset="0"/>
                 <a:cs typeface="Courier New" panose="02070309020205020404" pitchFamily="49" charset="0"/>
               </a:rPr>
               <a:t>'&gt;</a:t>
             </a:r>
-            <a:endParaRPr lang="fr-FR" sz="2800" dirty="0" smtClean="0">
-              <a:latin typeface="Courier New" panose="02070309020205020404" pitchFamily="49" charset="0"/>
-              <a:cs typeface="Courier New" panose="02070309020205020404" pitchFamily="49" charset="0"/>
-            </a:endParaRPr>
           </a:p>
         </p:txBody>
       </p:sp>
@@ -7920,6 +8702,1646 @@
 </p:sld>
 </file>
 
+<file path=ppt/slides/slide16.xml><?xml version="1.0" encoding="utf-8"?>
+<p:sld xmlns:a="http://schemas.openxmlformats.org/drawingml/2006/main" xmlns:r="http://schemas.openxmlformats.org/officeDocument/2006/relationships" xmlns:p="http://schemas.openxmlformats.org/presentationml/2006/main">
+  <p:cSld>
+    <p:spTree>
+      <p:nvGrpSpPr>
+        <p:cNvPr id="1" name=""/>
+        <p:cNvGrpSpPr/>
+        <p:nvPr/>
+      </p:nvGrpSpPr>
+      <p:grpSpPr>
+        <a:xfrm>
+          <a:off x="0" y="0"/>
+          <a:ext cx="0" cy="0"/>
+          <a:chOff x="0" y="0"/>
+          <a:chExt cx="0" cy="0"/>
+        </a:xfrm>
+      </p:grpSpPr>
+      <p:sp>
+        <p:nvSpPr>
+          <p:cNvPr id="5" name="ZoneTexte 4"/>
+          <p:cNvSpPr txBox="1"/>
+          <p:nvPr/>
+        </p:nvSpPr>
+        <p:spPr>
+          <a:xfrm>
+            <a:off x="401443" y="689145"/>
+            <a:ext cx="11790557" cy="4708981"/>
+          </a:xfrm>
+          <a:prstGeom prst="rect">
+            <a:avLst/>
+          </a:prstGeom>
+          <a:noFill/>
+        </p:spPr>
+        <p:txBody>
+          <a:bodyPr wrap="square" rtlCol="0">
+            <a:spAutoFit/>
+          </a:bodyPr>
+          <a:lstStyle/>
+          <a:p>
+            <a:r>
+              <a:rPr lang="fr-FR" sz="6000" dirty="0" smtClean="0">
+                <a:latin typeface="Calibri" panose="020F0502020204030204" pitchFamily="34" charset="0"/>
+                <a:cs typeface="Courier New" panose="02070309020205020404" pitchFamily="49" charset="0"/>
+              </a:rPr>
+              <a:t>Peut-on écrire nos propres </a:t>
+            </a:r>
+            <a:r>
+              <a:rPr lang="fr-FR" sz="6000" dirty="0" err="1" smtClean="0">
+                <a:latin typeface="Calibri" panose="020F0502020204030204" pitchFamily="34" charset="0"/>
+                <a:cs typeface="Courier New" panose="02070309020205020404" pitchFamily="49" charset="0"/>
+              </a:rPr>
+              <a:t>métaclasses</a:t>
+            </a:r>
+            <a:r>
+              <a:rPr lang="fr-FR" sz="6000" dirty="0" smtClean="0">
+                <a:latin typeface="Calibri" panose="020F0502020204030204" pitchFamily="34" charset="0"/>
+                <a:cs typeface="Courier New" panose="02070309020205020404" pitchFamily="49" charset="0"/>
+              </a:rPr>
+              <a:t> pour instancier les classes ?</a:t>
+            </a:r>
+          </a:p>
+          <a:p>
+            <a:endParaRPr lang="fr-FR" sz="6000" dirty="0" smtClean="0">
+              <a:latin typeface="Calibri" panose="020F0502020204030204" pitchFamily="34" charset="0"/>
+              <a:cs typeface="Courier New" panose="02070309020205020404" pitchFamily="49" charset="0"/>
+            </a:endParaRPr>
+          </a:p>
+          <a:p>
+            <a:r>
+              <a:rPr lang="fr-FR" sz="6000" dirty="0" smtClean="0">
+                <a:latin typeface="Calibri" panose="020F0502020204030204" pitchFamily="34" charset="0"/>
+                <a:cs typeface="Courier New" panose="02070309020205020404" pitchFamily="49" charset="0"/>
+              </a:rPr>
+              <a:t>Oui !</a:t>
+            </a:r>
+            <a:endParaRPr lang="fr-FR" sz="5400" dirty="0" smtClean="0">
+              <a:latin typeface="Calibri" panose="020F0502020204030204" pitchFamily="34" charset="0"/>
+              <a:cs typeface="Courier New" panose="02070309020205020404" pitchFamily="49" charset="0"/>
+            </a:endParaRPr>
+          </a:p>
+        </p:txBody>
+      </p:sp>
+    </p:spTree>
+    <p:extLst>
+      <p:ext uri="{BB962C8B-B14F-4D97-AF65-F5344CB8AC3E}">
+        <p14:creationId xmlns:p14="http://schemas.microsoft.com/office/powerpoint/2010/main" val="4286332226"/>
+      </p:ext>
+    </p:extLst>
+  </p:cSld>
+  <p:clrMapOvr>
+    <a:masterClrMapping/>
+  </p:clrMapOvr>
+  <p:timing>
+    <p:tnLst>
+      <p:par>
+        <p:cTn id="1" dur="indefinite" restart="never" nodeType="tmRoot">
+          <p:childTnLst>
+            <p:seq concurrent="1" nextAc="seek">
+              <p:cTn id="2" dur="indefinite" nodeType="mainSeq">
+                <p:childTnLst>
+                  <p:par>
+                    <p:cTn id="3" fill="hold">
+                      <p:stCondLst>
+                        <p:cond delay="indefinite"/>
+                      </p:stCondLst>
+                      <p:childTnLst>
+                        <p:par>
+                          <p:cTn id="4" fill="hold">
+                            <p:stCondLst>
+                              <p:cond delay="0"/>
+                            </p:stCondLst>
+                            <p:childTnLst>
+                              <p:par>
+                                <p:cTn id="5" presetID="1" presetClass="entr" presetSubtype="0" fill="hold" nodeType="clickEffect">
+                                  <p:stCondLst>
+                                    <p:cond delay="0"/>
+                                  </p:stCondLst>
+                                  <p:childTnLst>
+                                    <p:set>
+                                      <p:cBhvr>
+                                        <p:cTn id="6" dur="1" fill="hold">
+                                          <p:stCondLst>
+                                            <p:cond delay="0"/>
+                                          </p:stCondLst>
+                                        </p:cTn>
+                                        <p:tgtEl>
+                                          <p:spTgt spid="5">
+                                            <p:txEl>
+                                              <p:pRg st="2" end="2"/>
+                                            </p:txEl>
+                                          </p:spTgt>
+                                        </p:tgtEl>
+                                        <p:attrNameLst>
+                                          <p:attrName>style.visibility</p:attrName>
+                                        </p:attrNameLst>
+                                      </p:cBhvr>
+                                      <p:to>
+                                        <p:strVal val="visible"/>
+                                      </p:to>
+                                    </p:set>
+                                  </p:childTnLst>
+                                </p:cTn>
+                              </p:par>
+                            </p:childTnLst>
+                          </p:cTn>
+                        </p:par>
+                      </p:childTnLst>
+                    </p:cTn>
+                  </p:par>
+                </p:childTnLst>
+              </p:cTn>
+              <p:prevCondLst>
+                <p:cond evt="onPrev" delay="0">
+                  <p:tgtEl>
+                    <p:sldTgt/>
+                  </p:tgtEl>
+                </p:cond>
+              </p:prevCondLst>
+              <p:nextCondLst>
+                <p:cond evt="onNext" delay="0">
+                  <p:tgtEl>
+                    <p:sldTgt/>
+                  </p:tgtEl>
+                </p:cond>
+              </p:nextCondLst>
+            </p:seq>
+          </p:childTnLst>
+        </p:cTn>
+      </p:par>
+    </p:tnLst>
+  </p:timing>
+</p:sld>
+</file>
+
+<file path=ppt/slides/slide17.xml><?xml version="1.0" encoding="utf-8"?>
+<p:sld xmlns:a="http://schemas.openxmlformats.org/drawingml/2006/main" xmlns:r="http://schemas.openxmlformats.org/officeDocument/2006/relationships" xmlns:p="http://schemas.openxmlformats.org/presentationml/2006/main">
+  <p:cSld>
+    <p:spTree>
+      <p:nvGrpSpPr>
+        <p:cNvPr id="1" name=""/>
+        <p:cNvGrpSpPr/>
+        <p:nvPr/>
+      </p:nvGrpSpPr>
+      <p:grpSpPr>
+        <a:xfrm>
+          <a:off x="0" y="0"/>
+          <a:ext cx="0" cy="0"/>
+          <a:chOff x="0" y="0"/>
+          <a:chExt cx="0" cy="0"/>
+        </a:xfrm>
+      </p:grpSpPr>
+      <p:sp>
+        <p:nvSpPr>
+          <p:cNvPr id="5" name="ZoneTexte 4"/>
+          <p:cNvSpPr txBox="1"/>
+          <p:nvPr/>
+        </p:nvSpPr>
+        <p:spPr>
+          <a:xfrm>
+            <a:off x="401443" y="689145"/>
+            <a:ext cx="11790557" cy="6278642"/>
+          </a:xfrm>
+          <a:prstGeom prst="rect">
+            <a:avLst/>
+          </a:prstGeom>
+          <a:noFill/>
+        </p:spPr>
+        <p:txBody>
+          <a:bodyPr wrap="square" rtlCol="0">
+            <a:spAutoFit/>
+          </a:bodyPr>
+          <a:lstStyle/>
+          <a:p>
+            <a:r>
+              <a:rPr lang="fr-FR" sz="6000" dirty="0" smtClean="0">
+                <a:latin typeface="Calibri" panose="020F0502020204030204" pitchFamily="34" charset="0"/>
+                <a:cs typeface="Courier New" panose="02070309020205020404" pitchFamily="49" charset="0"/>
+              </a:rPr>
+              <a:t>Comment écrire une </a:t>
+            </a:r>
+            <a:r>
+              <a:rPr lang="fr-FR" sz="6000" dirty="0" err="1" smtClean="0">
+                <a:latin typeface="Calibri" panose="020F0502020204030204" pitchFamily="34" charset="0"/>
+                <a:cs typeface="Courier New" panose="02070309020205020404" pitchFamily="49" charset="0"/>
+              </a:rPr>
+              <a:t>métaclasse</a:t>
+            </a:r>
+            <a:r>
+              <a:rPr lang="fr-FR" sz="6000" dirty="0" smtClean="0">
+                <a:latin typeface="Calibri" panose="020F0502020204030204" pitchFamily="34" charset="0"/>
+                <a:cs typeface="Courier New" panose="02070309020205020404" pitchFamily="49" charset="0"/>
+              </a:rPr>
+              <a:t> ?</a:t>
+            </a:r>
+          </a:p>
+          <a:p>
+            <a:r>
+              <a:rPr lang="fr-FR" sz="6000" dirty="0" smtClean="0">
+                <a:latin typeface="Calibri" panose="020F0502020204030204" pitchFamily="34" charset="0"/>
+                <a:cs typeface="Courier New" panose="02070309020205020404" pitchFamily="49" charset="0"/>
+              </a:rPr>
+              <a:t>En C</a:t>
+            </a:r>
+          </a:p>
+          <a:p>
+            <a:pPr marL="1143000" lvl="1" indent="-685800">
+              <a:buFont typeface="Arial" panose="020B0604020202020204" pitchFamily="34" charset="0"/>
+              <a:buChar char="•"/>
+            </a:pPr>
+            <a:r>
+              <a:rPr lang="fr-FR" sz="5400" dirty="0" smtClean="0">
+                <a:latin typeface="Calibri" panose="020F0502020204030204" pitchFamily="34" charset="0"/>
+                <a:cs typeface="Courier New" panose="02070309020205020404" pitchFamily="49" charset="0"/>
+              </a:rPr>
+              <a:t>Contrôle total de la création d’objets</a:t>
+            </a:r>
+          </a:p>
+          <a:p>
+            <a:r>
+              <a:rPr lang="fr-FR" sz="6000" dirty="0" smtClean="0">
+                <a:latin typeface="Calibri" panose="020F0502020204030204" pitchFamily="34" charset="0"/>
+                <a:cs typeface="Courier New" panose="02070309020205020404" pitchFamily="49" charset="0"/>
+              </a:rPr>
+              <a:t>En Python en créant une classe qui hérite de l’objet </a:t>
+            </a:r>
+            <a:r>
+              <a:rPr lang="fr-FR" sz="6000" dirty="0" smtClean="0">
+                <a:solidFill>
+                  <a:srgbClr val="00B050"/>
+                </a:solidFill>
+                <a:latin typeface="Courier New" panose="02070309020205020404" pitchFamily="49" charset="0"/>
+                <a:cs typeface="Courier New" panose="02070309020205020404" pitchFamily="49" charset="0"/>
+              </a:rPr>
+              <a:t>type</a:t>
+            </a:r>
+          </a:p>
+          <a:p>
+            <a:pPr marL="1143000" lvl="1" indent="-685800">
+              <a:buFont typeface="Arial" panose="020B0604020202020204" pitchFamily="34" charset="0"/>
+              <a:buChar char="•"/>
+            </a:pPr>
+            <a:r>
+              <a:rPr lang="fr-FR" sz="5400" dirty="0" smtClean="0">
+                <a:latin typeface="Calibri" panose="020F0502020204030204" pitchFamily="34" charset="0"/>
+                <a:cs typeface="Courier New" panose="02070309020205020404" pitchFamily="49" charset="0"/>
+              </a:rPr>
+              <a:t>Contrôle de la pré-instanciation et de l’initialisation de l’objet classe</a:t>
+            </a:r>
+            <a:endParaRPr lang="fr-FR" sz="5400" dirty="0" smtClean="0">
+              <a:latin typeface="Calibri" panose="020F0502020204030204" pitchFamily="34" charset="0"/>
+              <a:cs typeface="Courier New" panose="02070309020205020404" pitchFamily="49" charset="0"/>
+            </a:endParaRPr>
+          </a:p>
+        </p:txBody>
+      </p:sp>
+    </p:spTree>
+    <p:extLst>
+      <p:ext uri="{BB962C8B-B14F-4D97-AF65-F5344CB8AC3E}">
+        <p14:creationId xmlns:p14="http://schemas.microsoft.com/office/powerpoint/2010/main" val="630487285"/>
+      </p:ext>
+    </p:extLst>
+  </p:cSld>
+  <p:clrMapOvr>
+    <a:masterClrMapping/>
+  </p:clrMapOvr>
+  <p:timing>
+    <p:tnLst>
+      <p:par>
+        <p:cTn id="1" dur="indefinite" restart="never" nodeType="tmRoot">
+          <p:childTnLst>
+            <p:seq concurrent="1" nextAc="seek">
+              <p:cTn id="2" dur="indefinite" nodeType="mainSeq">
+                <p:childTnLst>
+                  <p:par>
+                    <p:cTn id="3" fill="hold">
+                      <p:stCondLst>
+                        <p:cond delay="indefinite"/>
+                      </p:stCondLst>
+                      <p:childTnLst>
+                        <p:par>
+                          <p:cTn id="4" fill="hold">
+                            <p:stCondLst>
+                              <p:cond delay="0"/>
+                            </p:stCondLst>
+                            <p:childTnLst>
+                              <p:par>
+                                <p:cTn id="5" presetID="10" presetClass="entr" presetSubtype="0" fill="hold" nodeType="clickEffect">
+                                  <p:stCondLst>
+                                    <p:cond delay="0"/>
+                                  </p:stCondLst>
+                                  <p:childTnLst>
+                                    <p:set>
+                                      <p:cBhvr>
+                                        <p:cTn id="6" dur="1" fill="hold">
+                                          <p:stCondLst>
+                                            <p:cond delay="0"/>
+                                          </p:stCondLst>
+                                        </p:cTn>
+                                        <p:tgtEl>
+                                          <p:spTgt spid="5">
+                                            <p:txEl>
+                                              <p:pRg st="1" end="1"/>
+                                            </p:txEl>
+                                          </p:spTgt>
+                                        </p:tgtEl>
+                                        <p:attrNameLst>
+                                          <p:attrName>style.visibility</p:attrName>
+                                        </p:attrNameLst>
+                                      </p:cBhvr>
+                                      <p:to>
+                                        <p:strVal val="visible"/>
+                                      </p:to>
+                                    </p:set>
+                                    <p:animEffect transition="in" filter="fade">
+                                      <p:cBhvr>
+                                        <p:cTn id="7" dur="500"/>
+                                        <p:tgtEl>
+                                          <p:spTgt spid="5">
+                                            <p:txEl>
+                                              <p:pRg st="1" end="1"/>
+                                            </p:txEl>
+                                          </p:spTgt>
+                                        </p:tgtEl>
+                                      </p:cBhvr>
+                                    </p:animEffect>
+                                  </p:childTnLst>
+                                </p:cTn>
+                              </p:par>
+                              <p:par>
+                                <p:cTn id="8" presetID="10" presetClass="entr" presetSubtype="0" fill="hold" nodeType="withEffect">
+                                  <p:stCondLst>
+                                    <p:cond delay="0"/>
+                                  </p:stCondLst>
+                                  <p:childTnLst>
+                                    <p:set>
+                                      <p:cBhvr>
+                                        <p:cTn id="9" dur="1" fill="hold">
+                                          <p:stCondLst>
+                                            <p:cond delay="0"/>
+                                          </p:stCondLst>
+                                        </p:cTn>
+                                        <p:tgtEl>
+                                          <p:spTgt spid="5">
+                                            <p:txEl>
+                                              <p:pRg st="2" end="2"/>
+                                            </p:txEl>
+                                          </p:spTgt>
+                                        </p:tgtEl>
+                                        <p:attrNameLst>
+                                          <p:attrName>style.visibility</p:attrName>
+                                        </p:attrNameLst>
+                                      </p:cBhvr>
+                                      <p:to>
+                                        <p:strVal val="visible"/>
+                                      </p:to>
+                                    </p:set>
+                                    <p:animEffect transition="in" filter="fade">
+                                      <p:cBhvr>
+                                        <p:cTn id="10" dur="500"/>
+                                        <p:tgtEl>
+                                          <p:spTgt spid="5">
+                                            <p:txEl>
+                                              <p:pRg st="2" end="2"/>
+                                            </p:txEl>
+                                          </p:spTgt>
+                                        </p:tgtEl>
+                                      </p:cBhvr>
+                                    </p:animEffect>
+                                  </p:childTnLst>
+                                </p:cTn>
+                              </p:par>
+                            </p:childTnLst>
+                          </p:cTn>
+                        </p:par>
+                      </p:childTnLst>
+                    </p:cTn>
+                  </p:par>
+                  <p:par>
+                    <p:cTn id="11" fill="hold">
+                      <p:stCondLst>
+                        <p:cond delay="indefinite"/>
+                      </p:stCondLst>
+                      <p:childTnLst>
+                        <p:par>
+                          <p:cTn id="12" fill="hold">
+                            <p:stCondLst>
+                              <p:cond delay="0"/>
+                            </p:stCondLst>
+                            <p:childTnLst>
+                              <p:par>
+                                <p:cTn id="13" presetID="10" presetClass="entr" presetSubtype="0" fill="hold" nodeType="clickEffect">
+                                  <p:stCondLst>
+                                    <p:cond delay="0"/>
+                                  </p:stCondLst>
+                                  <p:childTnLst>
+                                    <p:set>
+                                      <p:cBhvr>
+                                        <p:cTn id="14" dur="1" fill="hold">
+                                          <p:stCondLst>
+                                            <p:cond delay="0"/>
+                                          </p:stCondLst>
+                                        </p:cTn>
+                                        <p:tgtEl>
+                                          <p:spTgt spid="5">
+                                            <p:txEl>
+                                              <p:pRg st="3" end="3"/>
+                                            </p:txEl>
+                                          </p:spTgt>
+                                        </p:tgtEl>
+                                        <p:attrNameLst>
+                                          <p:attrName>style.visibility</p:attrName>
+                                        </p:attrNameLst>
+                                      </p:cBhvr>
+                                      <p:to>
+                                        <p:strVal val="visible"/>
+                                      </p:to>
+                                    </p:set>
+                                    <p:animEffect transition="in" filter="fade">
+                                      <p:cBhvr>
+                                        <p:cTn id="15" dur="500"/>
+                                        <p:tgtEl>
+                                          <p:spTgt spid="5">
+                                            <p:txEl>
+                                              <p:pRg st="3" end="3"/>
+                                            </p:txEl>
+                                          </p:spTgt>
+                                        </p:tgtEl>
+                                      </p:cBhvr>
+                                    </p:animEffect>
+                                  </p:childTnLst>
+                                </p:cTn>
+                              </p:par>
+                              <p:par>
+                                <p:cTn id="16" presetID="10" presetClass="entr" presetSubtype="0" fill="hold" nodeType="withEffect">
+                                  <p:stCondLst>
+                                    <p:cond delay="0"/>
+                                  </p:stCondLst>
+                                  <p:childTnLst>
+                                    <p:set>
+                                      <p:cBhvr>
+                                        <p:cTn id="17" dur="1" fill="hold">
+                                          <p:stCondLst>
+                                            <p:cond delay="0"/>
+                                          </p:stCondLst>
+                                        </p:cTn>
+                                        <p:tgtEl>
+                                          <p:spTgt spid="5">
+                                            <p:txEl>
+                                              <p:pRg st="4" end="4"/>
+                                            </p:txEl>
+                                          </p:spTgt>
+                                        </p:tgtEl>
+                                        <p:attrNameLst>
+                                          <p:attrName>style.visibility</p:attrName>
+                                        </p:attrNameLst>
+                                      </p:cBhvr>
+                                      <p:to>
+                                        <p:strVal val="visible"/>
+                                      </p:to>
+                                    </p:set>
+                                    <p:animEffect transition="in" filter="fade">
+                                      <p:cBhvr>
+                                        <p:cTn id="18" dur="500"/>
+                                        <p:tgtEl>
+                                          <p:spTgt spid="5">
+                                            <p:txEl>
+                                              <p:pRg st="4" end="4"/>
+                                            </p:txEl>
+                                          </p:spTgt>
+                                        </p:tgtEl>
+                                      </p:cBhvr>
+                                    </p:animEffect>
+                                  </p:childTnLst>
+                                </p:cTn>
+                              </p:par>
+                            </p:childTnLst>
+                          </p:cTn>
+                        </p:par>
+                      </p:childTnLst>
+                    </p:cTn>
+                  </p:par>
+                </p:childTnLst>
+              </p:cTn>
+              <p:prevCondLst>
+                <p:cond evt="onPrev" delay="0">
+                  <p:tgtEl>
+                    <p:sldTgt/>
+                  </p:tgtEl>
+                </p:cond>
+              </p:prevCondLst>
+              <p:nextCondLst>
+                <p:cond evt="onNext" delay="0">
+                  <p:tgtEl>
+                    <p:sldTgt/>
+                  </p:tgtEl>
+                </p:cond>
+              </p:nextCondLst>
+            </p:seq>
+          </p:childTnLst>
+        </p:cTn>
+      </p:par>
+    </p:tnLst>
+  </p:timing>
+</p:sld>
+</file>
+
+<file path=ppt/slides/slide18.xml><?xml version="1.0" encoding="utf-8"?>
+<p:sld xmlns:a="http://schemas.openxmlformats.org/drawingml/2006/main" xmlns:r="http://schemas.openxmlformats.org/officeDocument/2006/relationships" xmlns:p="http://schemas.openxmlformats.org/presentationml/2006/main">
+  <p:cSld>
+    <p:spTree>
+      <p:nvGrpSpPr>
+        <p:cNvPr id="1" name=""/>
+        <p:cNvGrpSpPr/>
+        <p:nvPr/>
+      </p:nvGrpSpPr>
+      <p:grpSpPr>
+        <a:xfrm>
+          <a:off x="0" y="0"/>
+          <a:ext cx="0" cy="0"/>
+          <a:chOff x="0" y="0"/>
+          <a:chExt cx="0" cy="0"/>
+        </a:xfrm>
+      </p:grpSpPr>
+      <p:sp>
+        <p:nvSpPr>
+          <p:cNvPr id="5" name="ZoneTexte 4"/>
+          <p:cNvSpPr txBox="1"/>
+          <p:nvPr/>
+        </p:nvSpPr>
+        <p:spPr>
+          <a:xfrm>
+            <a:off x="401443" y="689145"/>
+            <a:ext cx="11790557" cy="1938992"/>
+          </a:xfrm>
+          <a:prstGeom prst="rect">
+            <a:avLst/>
+          </a:prstGeom>
+          <a:noFill/>
+        </p:spPr>
+        <p:txBody>
+          <a:bodyPr wrap="square" rtlCol="0">
+            <a:spAutoFit/>
+          </a:bodyPr>
+          <a:lstStyle/>
+          <a:p>
+            <a:r>
+              <a:rPr lang="fr-FR" sz="6000" dirty="0" smtClean="0">
+                <a:latin typeface="Calibri" panose="020F0502020204030204" pitchFamily="34" charset="0"/>
+                <a:cs typeface="Courier New" panose="02070309020205020404" pitchFamily="49" charset="0"/>
+              </a:rPr>
+              <a:t>Comment la </a:t>
+            </a:r>
+            <a:r>
+              <a:rPr lang="fr-FR" sz="6000" dirty="0" err="1" smtClean="0">
+                <a:latin typeface="Calibri" panose="020F0502020204030204" pitchFamily="34" charset="0"/>
+                <a:cs typeface="Courier New" panose="02070309020205020404" pitchFamily="49" charset="0"/>
+              </a:rPr>
+              <a:t>métaclasse</a:t>
+            </a:r>
+            <a:r>
+              <a:rPr lang="fr-FR" sz="6000" dirty="0" smtClean="0">
+                <a:latin typeface="Calibri" panose="020F0502020204030204" pitchFamily="34" charset="0"/>
+                <a:cs typeface="Courier New" panose="02070309020205020404" pitchFamily="49" charset="0"/>
+              </a:rPr>
+              <a:t> crée l’objet classe ?</a:t>
+            </a:r>
+            <a:endParaRPr lang="fr-FR" sz="5400" dirty="0" smtClean="0">
+              <a:latin typeface="Calibri" panose="020F0502020204030204" pitchFamily="34" charset="0"/>
+              <a:cs typeface="Courier New" panose="02070309020205020404" pitchFamily="49" charset="0"/>
+            </a:endParaRPr>
+          </a:p>
+        </p:txBody>
+      </p:sp>
+    </p:spTree>
+    <p:extLst>
+      <p:ext uri="{BB962C8B-B14F-4D97-AF65-F5344CB8AC3E}">
+        <p14:creationId xmlns:p14="http://schemas.microsoft.com/office/powerpoint/2010/main" val="955377406"/>
+      </p:ext>
+    </p:extLst>
+  </p:cSld>
+  <p:clrMapOvr>
+    <a:masterClrMapping/>
+  </p:clrMapOvr>
+  <p:timing>
+    <p:tnLst>
+      <p:par>
+        <p:cTn id="1" dur="indefinite" restart="never" nodeType="tmRoot"/>
+      </p:par>
+    </p:tnLst>
+  </p:timing>
+</p:sld>
+</file>
+
+<file path=ppt/slides/slide19.xml><?xml version="1.0" encoding="utf-8"?>
+<p:sld xmlns:a="http://schemas.openxmlformats.org/drawingml/2006/main" xmlns:r="http://schemas.openxmlformats.org/officeDocument/2006/relationships" xmlns:p="http://schemas.openxmlformats.org/presentationml/2006/main">
+  <p:cSld>
+    <p:spTree>
+      <p:nvGrpSpPr>
+        <p:cNvPr id="1" name=""/>
+        <p:cNvGrpSpPr/>
+        <p:nvPr/>
+      </p:nvGrpSpPr>
+      <p:grpSpPr>
+        <a:xfrm>
+          <a:off x="0" y="0"/>
+          <a:ext cx="0" cy="0"/>
+          <a:chOff x="0" y="0"/>
+          <a:chExt cx="0" cy="0"/>
+        </a:xfrm>
+      </p:grpSpPr>
+      <p:sp>
+        <p:nvSpPr>
+          <p:cNvPr id="2" name="ZoneTexte 1"/>
+          <p:cNvSpPr txBox="1"/>
+          <p:nvPr/>
+        </p:nvSpPr>
+        <p:spPr>
+          <a:xfrm>
+            <a:off x="299258" y="2102162"/>
+            <a:ext cx="5916230" cy="2677656"/>
+          </a:xfrm>
+          <a:prstGeom prst="rect">
+            <a:avLst/>
+          </a:prstGeom>
+          <a:noFill/>
+        </p:spPr>
+        <p:txBody>
+          <a:bodyPr wrap="square" rtlCol="0">
+            <a:spAutoFit/>
+          </a:bodyPr>
+          <a:lstStyle/>
+          <a:p>
+            <a:r>
+              <a:rPr lang="en-US" sz="2800" dirty="0">
+                <a:latin typeface="Courier New" panose="02070309020205020404" pitchFamily="49" charset="0"/>
+                <a:cs typeface="Courier New" panose="02070309020205020404" pitchFamily="49" charset="0"/>
+              </a:rPr>
+              <a:t>class C(object</a:t>
+            </a:r>
+            <a:r>
+              <a:rPr lang="en-US" sz="2800" dirty="0" smtClean="0">
+                <a:latin typeface="Courier New" panose="02070309020205020404" pitchFamily="49" charset="0"/>
+                <a:cs typeface="Courier New" panose="02070309020205020404" pitchFamily="49" charset="0"/>
+              </a:rPr>
+              <a:t>):</a:t>
+            </a:r>
+          </a:p>
+          <a:p>
+            <a:r>
+              <a:rPr lang="en-US" sz="2800" dirty="0">
+                <a:latin typeface="Courier New" panose="02070309020205020404" pitchFamily="49" charset="0"/>
+                <a:cs typeface="Courier New" panose="02070309020205020404" pitchFamily="49" charset="0"/>
+              </a:rPr>
+              <a:t>	</a:t>
+            </a:r>
+            <a:r>
+              <a:rPr lang="en-US" sz="2800" dirty="0" err="1" smtClean="0">
+                <a:latin typeface="Courier New" panose="02070309020205020404" pitchFamily="49" charset="0"/>
+                <a:cs typeface="Courier New" panose="02070309020205020404" pitchFamily="49" charset="0"/>
+              </a:rPr>
+              <a:t>lst</a:t>
+            </a:r>
+            <a:r>
+              <a:rPr lang="en-US" sz="2800" dirty="0" smtClean="0">
+                <a:latin typeface="Courier New" panose="02070309020205020404" pitchFamily="49" charset="0"/>
+                <a:cs typeface="Courier New" panose="02070309020205020404" pitchFamily="49" charset="0"/>
+              </a:rPr>
+              <a:t> = []</a:t>
+            </a:r>
+            <a:endParaRPr lang="en-US" sz="2800" dirty="0">
+              <a:latin typeface="Courier New" panose="02070309020205020404" pitchFamily="49" charset="0"/>
+              <a:cs typeface="Courier New" panose="02070309020205020404" pitchFamily="49" charset="0"/>
+            </a:endParaRPr>
+          </a:p>
+          <a:p>
+            <a:r>
+              <a:rPr lang="en-US" sz="2800" dirty="0">
+                <a:latin typeface="Courier New" panose="02070309020205020404" pitchFamily="49" charset="0"/>
+                <a:cs typeface="Courier New" panose="02070309020205020404" pitchFamily="49" charset="0"/>
+              </a:rPr>
+              <a:t>    </a:t>
+            </a:r>
+            <a:r>
+              <a:rPr lang="en-US" sz="2800" dirty="0" err="1">
+                <a:latin typeface="Courier New" panose="02070309020205020404" pitchFamily="49" charset="0"/>
+                <a:cs typeface="Courier New" panose="02070309020205020404" pitchFamily="49" charset="0"/>
+              </a:rPr>
+              <a:t>def</a:t>
+            </a:r>
+            <a:r>
+              <a:rPr lang="en-US" sz="2800" dirty="0">
+                <a:latin typeface="Courier New" panose="02070309020205020404" pitchFamily="49" charset="0"/>
+                <a:cs typeface="Courier New" panose="02070309020205020404" pitchFamily="49" charset="0"/>
+              </a:rPr>
+              <a:t> __</a:t>
+            </a:r>
+            <a:r>
+              <a:rPr lang="en-US" sz="2800" dirty="0" err="1">
+                <a:latin typeface="Courier New" panose="02070309020205020404" pitchFamily="49" charset="0"/>
+                <a:cs typeface="Courier New" panose="02070309020205020404" pitchFamily="49" charset="0"/>
+              </a:rPr>
+              <a:t>init</a:t>
+            </a:r>
+            <a:r>
+              <a:rPr lang="en-US" sz="2800" dirty="0">
+                <a:latin typeface="Courier New" panose="02070309020205020404" pitchFamily="49" charset="0"/>
+                <a:cs typeface="Courier New" panose="02070309020205020404" pitchFamily="49" charset="0"/>
+              </a:rPr>
+              <a:t>__(self):</a:t>
+            </a:r>
+          </a:p>
+          <a:p>
+            <a:r>
+              <a:rPr lang="en-US" sz="2800" dirty="0">
+                <a:latin typeface="Courier New" panose="02070309020205020404" pitchFamily="49" charset="0"/>
+                <a:cs typeface="Courier New" panose="02070309020205020404" pitchFamily="49" charset="0"/>
+              </a:rPr>
+              <a:t>        </a:t>
+            </a:r>
+            <a:r>
+              <a:rPr lang="en-US" sz="2800" dirty="0" err="1">
+                <a:latin typeface="Courier New" panose="02070309020205020404" pitchFamily="49" charset="0"/>
+                <a:cs typeface="Courier New" panose="02070309020205020404" pitchFamily="49" charset="0"/>
+              </a:rPr>
+              <a:t>self.x</a:t>
+            </a:r>
+            <a:r>
+              <a:rPr lang="en-US" sz="2800" dirty="0">
+                <a:latin typeface="Courier New" panose="02070309020205020404" pitchFamily="49" charset="0"/>
+                <a:cs typeface="Courier New" panose="02070309020205020404" pitchFamily="49" charset="0"/>
+              </a:rPr>
+              <a:t> = 10</a:t>
+            </a:r>
+          </a:p>
+          <a:p>
+            <a:r>
+              <a:rPr lang="en-US" sz="2800" dirty="0">
+                <a:latin typeface="Courier New" panose="02070309020205020404" pitchFamily="49" charset="0"/>
+                <a:cs typeface="Courier New" panose="02070309020205020404" pitchFamily="49" charset="0"/>
+              </a:rPr>
+              <a:t>    </a:t>
+            </a:r>
+            <a:r>
+              <a:rPr lang="en-US" sz="2800" dirty="0" err="1">
+                <a:latin typeface="Courier New" panose="02070309020205020404" pitchFamily="49" charset="0"/>
+                <a:cs typeface="Courier New" panose="02070309020205020404" pitchFamily="49" charset="0"/>
+              </a:rPr>
+              <a:t>def</a:t>
+            </a:r>
+            <a:r>
+              <a:rPr lang="en-US" sz="2800" dirty="0">
+                <a:latin typeface="Courier New" panose="02070309020205020404" pitchFamily="49" charset="0"/>
+                <a:cs typeface="Courier New" panose="02070309020205020404" pitchFamily="49" charset="0"/>
+              </a:rPr>
+              <a:t> </a:t>
+            </a:r>
+            <a:r>
+              <a:rPr lang="en-US" sz="2800" dirty="0" err="1" smtClean="0">
+                <a:latin typeface="Courier New" panose="02070309020205020404" pitchFamily="49" charset="0"/>
+                <a:cs typeface="Courier New" panose="02070309020205020404" pitchFamily="49" charset="0"/>
+              </a:rPr>
+              <a:t>reset_x</a:t>
+            </a:r>
+            <a:r>
+              <a:rPr lang="en-US" sz="2800" dirty="0" smtClean="0">
+                <a:latin typeface="Courier New" panose="02070309020205020404" pitchFamily="49" charset="0"/>
+                <a:cs typeface="Courier New" panose="02070309020205020404" pitchFamily="49" charset="0"/>
+              </a:rPr>
+              <a:t>(self</a:t>
+            </a:r>
+            <a:r>
+              <a:rPr lang="en-US" sz="2800" dirty="0">
+                <a:latin typeface="Courier New" panose="02070309020205020404" pitchFamily="49" charset="0"/>
+                <a:cs typeface="Courier New" panose="02070309020205020404" pitchFamily="49" charset="0"/>
+              </a:rPr>
+              <a:t>):</a:t>
+            </a:r>
+          </a:p>
+          <a:p>
+            <a:r>
+              <a:rPr lang="en-US" sz="2800" dirty="0">
+                <a:latin typeface="Courier New" panose="02070309020205020404" pitchFamily="49" charset="0"/>
+                <a:cs typeface="Courier New" panose="02070309020205020404" pitchFamily="49" charset="0"/>
+              </a:rPr>
+              <a:t>        </a:t>
+            </a:r>
+            <a:r>
+              <a:rPr lang="en-US" sz="2800" dirty="0" err="1">
+                <a:latin typeface="Courier New" panose="02070309020205020404" pitchFamily="49" charset="0"/>
+                <a:cs typeface="Courier New" panose="02070309020205020404" pitchFamily="49" charset="0"/>
+              </a:rPr>
+              <a:t>self.x</a:t>
+            </a:r>
+            <a:r>
+              <a:rPr lang="en-US" sz="2800" dirty="0">
+                <a:latin typeface="Courier New" panose="02070309020205020404" pitchFamily="49" charset="0"/>
+                <a:cs typeface="Courier New" panose="02070309020205020404" pitchFamily="49" charset="0"/>
+              </a:rPr>
+              <a:t> = </a:t>
+            </a:r>
+            <a:r>
+              <a:rPr lang="en-US" sz="2800" dirty="0" smtClean="0">
+                <a:latin typeface="Courier New" panose="02070309020205020404" pitchFamily="49" charset="0"/>
+                <a:cs typeface="Courier New" panose="02070309020205020404" pitchFamily="49" charset="0"/>
+              </a:rPr>
+              <a:t>0</a:t>
+            </a:r>
+            <a:endParaRPr lang="fr-FR" sz="2800" dirty="0">
+              <a:latin typeface="Courier New" panose="02070309020205020404" pitchFamily="49" charset="0"/>
+              <a:cs typeface="Courier New" panose="02070309020205020404" pitchFamily="49" charset="0"/>
+            </a:endParaRPr>
+          </a:p>
+        </p:txBody>
+      </p:sp>
+      <p:sp>
+        <p:nvSpPr>
+          <p:cNvPr id="6" name="ZoneTexte 5"/>
+          <p:cNvSpPr txBox="1"/>
+          <p:nvPr/>
+        </p:nvSpPr>
+        <p:spPr>
+          <a:xfrm>
+            <a:off x="5704962" y="2090172"/>
+            <a:ext cx="6487038" cy="4401205"/>
+          </a:xfrm>
+          <a:prstGeom prst="rect">
+            <a:avLst/>
+          </a:prstGeom>
+          <a:noFill/>
+        </p:spPr>
+        <p:txBody>
+          <a:bodyPr wrap="square" rtlCol="0">
+            <a:spAutoFit/>
+          </a:bodyPr>
+          <a:lstStyle/>
+          <a:p>
+            <a:r>
+              <a:rPr lang="en-US" sz="2800" dirty="0" err="1">
+                <a:latin typeface="Courier New" panose="02070309020205020404" pitchFamily="49" charset="0"/>
+                <a:cs typeface="Courier New" panose="02070309020205020404" pitchFamily="49" charset="0"/>
+              </a:rPr>
+              <a:t>def</a:t>
+            </a:r>
+            <a:r>
+              <a:rPr lang="en-US" sz="2800" dirty="0">
+                <a:latin typeface="Courier New" panose="02070309020205020404" pitchFamily="49" charset="0"/>
+                <a:cs typeface="Courier New" panose="02070309020205020404" pitchFamily="49" charset="0"/>
+              </a:rPr>
+              <a:t> __</a:t>
+            </a:r>
+            <a:r>
+              <a:rPr lang="en-US" sz="2800" dirty="0" err="1">
+                <a:latin typeface="Courier New" panose="02070309020205020404" pitchFamily="49" charset="0"/>
+                <a:cs typeface="Courier New" panose="02070309020205020404" pitchFamily="49" charset="0"/>
+              </a:rPr>
+              <a:t>init</a:t>
+            </a:r>
+            <a:r>
+              <a:rPr lang="en-US" sz="2800" dirty="0">
+                <a:latin typeface="Courier New" panose="02070309020205020404" pitchFamily="49" charset="0"/>
+                <a:cs typeface="Courier New" panose="02070309020205020404" pitchFamily="49" charset="0"/>
+              </a:rPr>
+              <a:t>__(self):</a:t>
+            </a:r>
+          </a:p>
+          <a:p>
+            <a:r>
+              <a:rPr lang="en-US" sz="2800" dirty="0">
+                <a:latin typeface="Courier New" panose="02070309020205020404" pitchFamily="49" charset="0"/>
+                <a:cs typeface="Courier New" panose="02070309020205020404" pitchFamily="49" charset="0"/>
+              </a:rPr>
+              <a:t>    </a:t>
+            </a:r>
+            <a:r>
+              <a:rPr lang="en-US" sz="2800" dirty="0" err="1">
+                <a:latin typeface="Courier New" panose="02070309020205020404" pitchFamily="49" charset="0"/>
+                <a:cs typeface="Courier New" panose="02070309020205020404" pitchFamily="49" charset="0"/>
+              </a:rPr>
+              <a:t>self.x</a:t>
+            </a:r>
+            <a:r>
+              <a:rPr lang="en-US" sz="2800" dirty="0">
+                <a:latin typeface="Courier New" panose="02070309020205020404" pitchFamily="49" charset="0"/>
+                <a:cs typeface="Courier New" panose="02070309020205020404" pitchFamily="49" charset="0"/>
+              </a:rPr>
+              <a:t> = 10</a:t>
+            </a:r>
+          </a:p>
+          <a:p>
+            <a:r>
+              <a:rPr lang="en-US" sz="2800" dirty="0" err="1">
+                <a:latin typeface="Courier New" panose="02070309020205020404" pitchFamily="49" charset="0"/>
+                <a:cs typeface="Courier New" panose="02070309020205020404" pitchFamily="49" charset="0"/>
+              </a:rPr>
+              <a:t>def</a:t>
+            </a:r>
+            <a:r>
+              <a:rPr lang="en-US" sz="2800" dirty="0">
+                <a:latin typeface="Courier New" panose="02070309020205020404" pitchFamily="49" charset="0"/>
+                <a:cs typeface="Courier New" panose="02070309020205020404" pitchFamily="49" charset="0"/>
+              </a:rPr>
+              <a:t> </a:t>
+            </a:r>
+            <a:r>
+              <a:rPr lang="en-US" sz="2800" dirty="0" err="1">
+                <a:latin typeface="Courier New" panose="02070309020205020404" pitchFamily="49" charset="0"/>
+                <a:cs typeface="Courier New" panose="02070309020205020404" pitchFamily="49" charset="0"/>
+              </a:rPr>
+              <a:t>reset_x</a:t>
+            </a:r>
+            <a:r>
+              <a:rPr lang="en-US" sz="2800" dirty="0">
+                <a:latin typeface="Courier New" panose="02070309020205020404" pitchFamily="49" charset="0"/>
+                <a:cs typeface="Courier New" panose="02070309020205020404" pitchFamily="49" charset="0"/>
+              </a:rPr>
+              <a:t>(self):</a:t>
+            </a:r>
+          </a:p>
+          <a:p>
+            <a:r>
+              <a:rPr lang="en-US" sz="2800" dirty="0">
+                <a:latin typeface="Courier New" panose="02070309020205020404" pitchFamily="49" charset="0"/>
+                <a:cs typeface="Courier New" panose="02070309020205020404" pitchFamily="49" charset="0"/>
+              </a:rPr>
+              <a:t>    </a:t>
+            </a:r>
+            <a:r>
+              <a:rPr lang="en-US" sz="2800" dirty="0" err="1">
+                <a:latin typeface="Courier New" panose="02070309020205020404" pitchFamily="49" charset="0"/>
+                <a:cs typeface="Courier New" panose="02070309020205020404" pitchFamily="49" charset="0"/>
+              </a:rPr>
+              <a:t>self.x</a:t>
+            </a:r>
+            <a:r>
+              <a:rPr lang="en-US" sz="2800" dirty="0">
+                <a:latin typeface="Courier New" panose="02070309020205020404" pitchFamily="49" charset="0"/>
+                <a:cs typeface="Courier New" panose="02070309020205020404" pitchFamily="49" charset="0"/>
+              </a:rPr>
+              <a:t> = 0</a:t>
+            </a:r>
+          </a:p>
+          <a:p>
+            <a:endParaRPr lang="en-US" sz="2800" dirty="0">
+              <a:latin typeface="Courier New" panose="02070309020205020404" pitchFamily="49" charset="0"/>
+              <a:cs typeface="Courier New" panose="02070309020205020404" pitchFamily="49" charset="0"/>
+            </a:endParaRPr>
+          </a:p>
+          <a:p>
+            <a:r>
+              <a:rPr lang="en-US" sz="2800" dirty="0" err="1">
+                <a:latin typeface="Courier New" panose="02070309020205020404" pitchFamily="49" charset="0"/>
+                <a:cs typeface="Courier New" panose="02070309020205020404" pitchFamily="49" charset="0"/>
+              </a:rPr>
+              <a:t>esp</a:t>
+            </a:r>
+            <a:r>
+              <a:rPr lang="en-US" sz="2800" dirty="0">
+                <a:latin typeface="Courier New" panose="02070309020205020404" pitchFamily="49" charset="0"/>
+                <a:cs typeface="Courier New" panose="02070309020205020404" pitchFamily="49" charset="0"/>
+              </a:rPr>
+              <a:t> = {'__</a:t>
+            </a:r>
+            <a:r>
+              <a:rPr lang="en-US" sz="2800" dirty="0" err="1">
+                <a:latin typeface="Courier New" panose="02070309020205020404" pitchFamily="49" charset="0"/>
+                <a:cs typeface="Courier New" panose="02070309020205020404" pitchFamily="49" charset="0"/>
+              </a:rPr>
+              <a:t>init</a:t>
+            </a:r>
+            <a:r>
+              <a:rPr lang="en-US" sz="2800" dirty="0">
+                <a:latin typeface="Courier New" panose="02070309020205020404" pitchFamily="49" charset="0"/>
+                <a:cs typeface="Courier New" panose="02070309020205020404" pitchFamily="49" charset="0"/>
+              </a:rPr>
+              <a:t>__' : __</a:t>
+            </a:r>
+            <a:r>
+              <a:rPr lang="en-US" sz="2800" dirty="0" err="1">
+                <a:latin typeface="Courier New" panose="02070309020205020404" pitchFamily="49" charset="0"/>
+                <a:cs typeface="Courier New" panose="02070309020205020404" pitchFamily="49" charset="0"/>
+              </a:rPr>
+              <a:t>init</a:t>
+            </a:r>
+            <a:r>
+              <a:rPr lang="en-US" sz="2800" dirty="0">
+                <a:latin typeface="Courier New" panose="02070309020205020404" pitchFamily="49" charset="0"/>
+                <a:cs typeface="Courier New" panose="02070309020205020404" pitchFamily="49" charset="0"/>
+              </a:rPr>
+              <a:t>__,</a:t>
+            </a:r>
+          </a:p>
+          <a:p>
+            <a:r>
+              <a:rPr lang="en-US" sz="2800" dirty="0">
+                <a:latin typeface="Courier New" panose="02070309020205020404" pitchFamily="49" charset="0"/>
+                <a:cs typeface="Courier New" panose="02070309020205020404" pitchFamily="49" charset="0"/>
+              </a:rPr>
+              <a:t>       '</a:t>
+            </a:r>
+            <a:r>
+              <a:rPr lang="en-US" sz="2800" dirty="0" err="1">
+                <a:latin typeface="Courier New" panose="02070309020205020404" pitchFamily="49" charset="0"/>
+                <a:cs typeface="Courier New" panose="02070309020205020404" pitchFamily="49" charset="0"/>
+              </a:rPr>
+              <a:t>reset_x</a:t>
+            </a:r>
+            <a:r>
+              <a:rPr lang="en-US" sz="2800" dirty="0">
+                <a:latin typeface="Courier New" panose="02070309020205020404" pitchFamily="49" charset="0"/>
+                <a:cs typeface="Courier New" panose="02070309020205020404" pitchFamily="49" charset="0"/>
+              </a:rPr>
+              <a:t>' : </a:t>
+            </a:r>
+            <a:r>
+              <a:rPr lang="en-US" sz="2800" dirty="0" err="1">
+                <a:latin typeface="Courier New" panose="02070309020205020404" pitchFamily="49" charset="0"/>
+                <a:cs typeface="Courier New" panose="02070309020205020404" pitchFamily="49" charset="0"/>
+              </a:rPr>
+              <a:t>reset_x</a:t>
+            </a:r>
+            <a:r>
+              <a:rPr lang="en-US" sz="2800" dirty="0">
+                <a:latin typeface="Courier New" panose="02070309020205020404" pitchFamily="49" charset="0"/>
+                <a:cs typeface="Courier New" panose="02070309020205020404" pitchFamily="49" charset="0"/>
+              </a:rPr>
+              <a:t>,</a:t>
+            </a:r>
+          </a:p>
+          <a:p>
+            <a:r>
+              <a:rPr lang="en-US" sz="2800" dirty="0">
+                <a:latin typeface="Courier New" panose="02070309020205020404" pitchFamily="49" charset="0"/>
+                <a:cs typeface="Courier New" panose="02070309020205020404" pitchFamily="49" charset="0"/>
+              </a:rPr>
+              <a:t>       </a:t>
+            </a:r>
+            <a:r>
+              <a:rPr lang="en-US" sz="2800" dirty="0" smtClean="0">
+                <a:latin typeface="Courier New" panose="02070309020205020404" pitchFamily="49" charset="0"/>
+                <a:cs typeface="Courier New" panose="02070309020205020404" pitchFamily="49" charset="0"/>
+              </a:rPr>
+              <a:t>'</a:t>
+            </a:r>
+            <a:r>
+              <a:rPr lang="en-US" sz="2800" dirty="0" err="1" smtClean="0">
+                <a:latin typeface="Courier New" panose="02070309020205020404" pitchFamily="49" charset="0"/>
+                <a:cs typeface="Courier New" panose="02070309020205020404" pitchFamily="49" charset="0"/>
+              </a:rPr>
+              <a:t>lst</a:t>
+            </a:r>
+            <a:r>
+              <a:rPr lang="en-US" sz="2800" dirty="0" smtClean="0">
+                <a:latin typeface="Courier New" panose="02070309020205020404" pitchFamily="49" charset="0"/>
+                <a:cs typeface="Courier New" panose="02070309020205020404" pitchFamily="49" charset="0"/>
+              </a:rPr>
+              <a:t>' </a:t>
+            </a:r>
+            <a:r>
+              <a:rPr lang="en-US" sz="2800" dirty="0">
+                <a:latin typeface="Courier New" panose="02070309020205020404" pitchFamily="49" charset="0"/>
+                <a:cs typeface="Courier New" panose="02070309020205020404" pitchFamily="49" charset="0"/>
+              </a:rPr>
+              <a:t>: []}</a:t>
+            </a:r>
+          </a:p>
+          <a:p>
+            <a:endParaRPr lang="en-US" sz="2800" dirty="0">
+              <a:latin typeface="Courier New" panose="02070309020205020404" pitchFamily="49" charset="0"/>
+              <a:cs typeface="Courier New" panose="02070309020205020404" pitchFamily="49" charset="0"/>
+            </a:endParaRPr>
+          </a:p>
+          <a:p>
+            <a:r>
+              <a:rPr lang="en-US" sz="2800" dirty="0">
+                <a:latin typeface="Courier New" panose="02070309020205020404" pitchFamily="49" charset="0"/>
+                <a:cs typeface="Courier New" panose="02070309020205020404" pitchFamily="49" charset="0"/>
+              </a:rPr>
+              <a:t>C = </a:t>
+            </a:r>
+            <a:r>
+              <a:rPr lang="en-US" sz="2800" dirty="0">
+                <a:solidFill>
+                  <a:srgbClr val="FF0000"/>
+                </a:solidFill>
+                <a:latin typeface="Courier New" panose="02070309020205020404" pitchFamily="49" charset="0"/>
+                <a:cs typeface="Courier New" panose="02070309020205020404" pitchFamily="49" charset="0"/>
+              </a:rPr>
+              <a:t>type('C', (object,), </a:t>
+            </a:r>
+            <a:r>
+              <a:rPr lang="en-US" sz="2800" dirty="0" err="1">
+                <a:solidFill>
+                  <a:srgbClr val="FF0000"/>
+                </a:solidFill>
+                <a:latin typeface="Courier New" panose="02070309020205020404" pitchFamily="49" charset="0"/>
+                <a:cs typeface="Courier New" panose="02070309020205020404" pitchFamily="49" charset="0"/>
+              </a:rPr>
+              <a:t>esp</a:t>
+            </a:r>
+            <a:r>
+              <a:rPr lang="en-US" sz="2800" dirty="0">
+                <a:solidFill>
+                  <a:srgbClr val="FF0000"/>
+                </a:solidFill>
+                <a:latin typeface="Courier New" panose="02070309020205020404" pitchFamily="49" charset="0"/>
+                <a:cs typeface="Courier New" panose="02070309020205020404" pitchFamily="49" charset="0"/>
+              </a:rPr>
+              <a:t>) </a:t>
+            </a:r>
+          </a:p>
+        </p:txBody>
+      </p:sp>
+      <p:cxnSp>
+        <p:nvCxnSpPr>
+          <p:cNvPr id="8" name="Connecteur droit 7"/>
+          <p:cNvCxnSpPr/>
+          <p:nvPr/>
+        </p:nvCxnSpPr>
+        <p:spPr bwMode="auto">
+          <a:xfrm>
+            <a:off x="5370022" y="0"/>
+            <a:ext cx="33251" cy="6858000"/>
+          </a:xfrm>
+          <a:prstGeom prst="line">
+            <a:avLst/>
+          </a:prstGeom>
+          <a:noFill/>
+          <a:ln w="38100" cap="flat" cmpd="sng" algn="ctr">
+            <a:solidFill>
+              <a:schemeClr val="tx1"/>
+            </a:solidFill>
+            <a:prstDash val="solid"/>
+            <a:round/>
+            <a:headEnd type="none" w="med" len="med"/>
+            <a:tailEnd type="none" w="lg" len="lg"/>
+          </a:ln>
+          <a:effectLst/>
+        </p:spPr>
+      </p:cxnSp>
+      <p:sp>
+        <p:nvSpPr>
+          <p:cNvPr id="9" name="ZoneTexte 8"/>
+          <p:cNvSpPr txBox="1"/>
+          <p:nvPr/>
+        </p:nvSpPr>
+        <p:spPr>
+          <a:xfrm>
+            <a:off x="299258" y="36660"/>
+            <a:ext cx="5070764" cy="707886"/>
+          </a:xfrm>
+          <a:prstGeom prst="rect">
+            <a:avLst/>
+          </a:prstGeom>
+          <a:noFill/>
+        </p:spPr>
+        <p:txBody>
+          <a:bodyPr wrap="square" rtlCol="0">
+            <a:spAutoFit/>
+          </a:bodyPr>
+          <a:lstStyle/>
+          <a:p>
+            <a:r>
+              <a:rPr lang="fr-FR" sz="4000" dirty="0" smtClean="0">
+                <a:latin typeface="Calibri" panose="020F0502020204030204" pitchFamily="34" charset="0"/>
+              </a:rPr>
+              <a:t>Code du programmeur</a:t>
+            </a:r>
+            <a:endParaRPr lang="fr-FR" sz="4000" dirty="0">
+              <a:latin typeface="Calibri" panose="020F0502020204030204" pitchFamily="34" charset="0"/>
+            </a:endParaRPr>
+          </a:p>
+        </p:txBody>
+      </p:sp>
+      <p:sp>
+        <p:nvSpPr>
+          <p:cNvPr id="10" name="ZoneTexte 9"/>
+          <p:cNvSpPr txBox="1"/>
+          <p:nvPr/>
+        </p:nvSpPr>
+        <p:spPr>
+          <a:xfrm>
+            <a:off x="5704962" y="36660"/>
+            <a:ext cx="5633598" cy="707886"/>
+          </a:xfrm>
+          <a:prstGeom prst="rect">
+            <a:avLst/>
+          </a:prstGeom>
+          <a:noFill/>
+        </p:spPr>
+        <p:txBody>
+          <a:bodyPr wrap="square" rtlCol="0">
+            <a:spAutoFit/>
+          </a:bodyPr>
+          <a:lstStyle/>
+          <a:p>
+            <a:r>
+              <a:rPr lang="fr-FR" sz="4000" dirty="0" smtClean="0">
+                <a:latin typeface="Calibri" panose="020F0502020204030204" pitchFamily="34" charset="0"/>
+              </a:rPr>
+              <a:t>Ce que fait l’interpréteur</a:t>
+            </a:r>
+            <a:endParaRPr lang="fr-FR" sz="4000" dirty="0">
+              <a:latin typeface="Calibri" panose="020F0502020204030204" pitchFamily="34" charset="0"/>
+            </a:endParaRPr>
+          </a:p>
+        </p:txBody>
+      </p:sp>
+    </p:spTree>
+    <p:extLst>
+      <p:ext uri="{BB962C8B-B14F-4D97-AF65-F5344CB8AC3E}">
+        <p14:creationId xmlns:p14="http://schemas.microsoft.com/office/powerpoint/2010/main" val="512245224"/>
+      </p:ext>
+    </p:extLst>
+  </p:cSld>
+  <p:clrMapOvr>
+    <a:masterClrMapping/>
+  </p:clrMapOvr>
+  <p:timing>
+    <p:tnLst>
+      <p:par>
+        <p:cTn id="1" dur="indefinite" restart="never" nodeType="tmRoot">
+          <p:childTnLst>
+            <p:seq concurrent="1" nextAc="seek">
+              <p:cTn id="2" dur="indefinite" nodeType="mainSeq">
+                <p:childTnLst>
+                  <p:par>
+                    <p:cTn id="3" fill="hold">
+                      <p:stCondLst>
+                        <p:cond delay="indefinite"/>
+                      </p:stCondLst>
+                      <p:childTnLst>
+                        <p:par>
+                          <p:cTn id="4" fill="hold">
+                            <p:stCondLst>
+                              <p:cond delay="0"/>
+                            </p:stCondLst>
+                            <p:childTnLst>
+                              <p:par>
+                                <p:cTn id="5" presetID="1" presetClass="entr" presetSubtype="0" fill="hold" grpId="0" nodeType="clickEffect">
+                                  <p:stCondLst>
+                                    <p:cond delay="0"/>
+                                  </p:stCondLst>
+                                  <p:childTnLst>
+                                    <p:set>
+                                      <p:cBhvr>
+                                        <p:cTn id="6" dur="1" fill="hold">
+                                          <p:stCondLst>
+                                            <p:cond delay="0"/>
+                                          </p:stCondLst>
+                                        </p:cTn>
+                                        <p:tgtEl>
+                                          <p:spTgt spid="2"/>
+                                        </p:tgtEl>
+                                        <p:attrNameLst>
+                                          <p:attrName>style.visibility</p:attrName>
+                                        </p:attrNameLst>
+                                      </p:cBhvr>
+                                      <p:to>
+                                        <p:strVal val="visible"/>
+                                      </p:to>
+                                    </p:set>
+                                  </p:childTnLst>
+                                </p:cTn>
+                              </p:par>
+                            </p:childTnLst>
+                          </p:cTn>
+                        </p:par>
+                      </p:childTnLst>
+                    </p:cTn>
+                  </p:par>
+                  <p:par>
+                    <p:cTn id="7" fill="hold">
+                      <p:stCondLst>
+                        <p:cond delay="indefinite"/>
+                      </p:stCondLst>
+                      <p:childTnLst>
+                        <p:par>
+                          <p:cTn id="8" fill="hold">
+                            <p:stCondLst>
+                              <p:cond delay="0"/>
+                            </p:stCondLst>
+                            <p:childTnLst>
+                              <p:par>
+                                <p:cTn id="9" presetID="1" presetClass="entr" presetSubtype="0" fill="hold" nodeType="clickEffect">
+                                  <p:stCondLst>
+                                    <p:cond delay="0"/>
+                                  </p:stCondLst>
+                                  <p:childTnLst>
+                                    <p:set>
+                                      <p:cBhvr>
+                                        <p:cTn id="10" dur="1" fill="hold">
+                                          <p:stCondLst>
+                                            <p:cond delay="0"/>
+                                          </p:stCondLst>
+                                        </p:cTn>
+                                        <p:tgtEl>
+                                          <p:spTgt spid="6">
+                                            <p:txEl>
+                                              <p:pRg st="0" end="0"/>
+                                            </p:txEl>
+                                          </p:spTgt>
+                                        </p:tgtEl>
+                                        <p:attrNameLst>
+                                          <p:attrName>style.visibility</p:attrName>
+                                        </p:attrNameLst>
+                                      </p:cBhvr>
+                                      <p:to>
+                                        <p:strVal val="visible"/>
+                                      </p:to>
+                                    </p:set>
+                                  </p:childTnLst>
+                                </p:cTn>
+                              </p:par>
+                              <p:par>
+                                <p:cTn id="11" presetID="1" presetClass="entr" presetSubtype="0" fill="hold" nodeType="withEffect">
+                                  <p:stCondLst>
+                                    <p:cond delay="0"/>
+                                  </p:stCondLst>
+                                  <p:childTnLst>
+                                    <p:set>
+                                      <p:cBhvr>
+                                        <p:cTn id="12" dur="1" fill="hold">
+                                          <p:stCondLst>
+                                            <p:cond delay="0"/>
+                                          </p:stCondLst>
+                                        </p:cTn>
+                                        <p:tgtEl>
+                                          <p:spTgt spid="6">
+                                            <p:txEl>
+                                              <p:pRg st="1" end="1"/>
+                                            </p:txEl>
+                                          </p:spTgt>
+                                        </p:tgtEl>
+                                        <p:attrNameLst>
+                                          <p:attrName>style.visibility</p:attrName>
+                                        </p:attrNameLst>
+                                      </p:cBhvr>
+                                      <p:to>
+                                        <p:strVal val="visible"/>
+                                      </p:to>
+                                    </p:set>
+                                  </p:childTnLst>
+                                </p:cTn>
+                              </p:par>
+                              <p:par>
+                                <p:cTn id="13" presetID="1" presetClass="entr" presetSubtype="0" fill="hold" nodeType="withEffect">
+                                  <p:stCondLst>
+                                    <p:cond delay="0"/>
+                                  </p:stCondLst>
+                                  <p:childTnLst>
+                                    <p:set>
+                                      <p:cBhvr>
+                                        <p:cTn id="14" dur="1" fill="hold">
+                                          <p:stCondLst>
+                                            <p:cond delay="0"/>
+                                          </p:stCondLst>
+                                        </p:cTn>
+                                        <p:tgtEl>
+                                          <p:spTgt spid="6">
+                                            <p:txEl>
+                                              <p:pRg st="2" end="2"/>
+                                            </p:txEl>
+                                          </p:spTgt>
+                                        </p:tgtEl>
+                                        <p:attrNameLst>
+                                          <p:attrName>style.visibility</p:attrName>
+                                        </p:attrNameLst>
+                                      </p:cBhvr>
+                                      <p:to>
+                                        <p:strVal val="visible"/>
+                                      </p:to>
+                                    </p:set>
+                                  </p:childTnLst>
+                                </p:cTn>
+                              </p:par>
+                              <p:par>
+                                <p:cTn id="15" presetID="1" presetClass="entr" presetSubtype="0" fill="hold" nodeType="withEffect">
+                                  <p:stCondLst>
+                                    <p:cond delay="0"/>
+                                  </p:stCondLst>
+                                  <p:childTnLst>
+                                    <p:set>
+                                      <p:cBhvr>
+                                        <p:cTn id="16" dur="1" fill="hold">
+                                          <p:stCondLst>
+                                            <p:cond delay="0"/>
+                                          </p:stCondLst>
+                                        </p:cTn>
+                                        <p:tgtEl>
+                                          <p:spTgt spid="6">
+                                            <p:txEl>
+                                              <p:pRg st="3" end="3"/>
+                                            </p:txEl>
+                                          </p:spTgt>
+                                        </p:tgtEl>
+                                        <p:attrNameLst>
+                                          <p:attrName>style.visibility</p:attrName>
+                                        </p:attrNameLst>
+                                      </p:cBhvr>
+                                      <p:to>
+                                        <p:strVal val="visible"/>
+                                      </p:to>
+                                    </p:set>
+                                  </p:childTnLst>
+                                </p:cTn>
+                              </p:par>
+                            </p:childTnLst>
+                          </p:cTn>
+                        </p:par>
+                      </p:childTnLst>
+                    </p:cTn>
+                  </p:par>
+                  <p:par>
+                    <p:cTn id="17" fill="hold">
+                      <p:stCondLst>
+                        <p:cond delay="indefinite"/>
+                      </p:stCondLst>
+                      <p:childTnLst>
+                        <p:par>
+                          <p:cTn id="18" fill="hold">
+                            <p:stCondLst>
+                              <p:cond delay="0"/>
+                            </p:stCondLst>
+                            <p:childTnLst>
+                              <p:par>
+                                <p:cTn id="19" presetID="1" presetClass="entr" presetSubtype="0" fill="hold" nodeType="clickEffect">
+                                  <p:stCondLst>
+                                    <p:cond delay="0"/>
+                                  </p:stCondLst>
+                                  <p:childTnLst>
+                                    <p:set>
+                                      <p:cBhvr>
+                                        <p:cTn id="20" dur="1" fill="hold">
+                                          <p:stCondLst>
+                                            <p:cond delay="0"/>
+                                          </p:stCondLst>
+                                        </p:cTn>
+                                        <p:tgtEl>
+                                          <p:spTgt spid="6">
+                                            <p:txEl>
+                                              <p:pRg st="5" end="5"/>
+                                            </p:txEl>
+                                          </p:spTgt>
+                                        </p:tgtEl>
+                                        <p:attrNameLst>
+                                          <p:attrName>style.visibility</p:attrName>
+                                        </p:attrNameLst>
+                                      </p:cBhvr>
+                                      <p:to>
+                                        <p:strVal val="visible"/>
+                                      </p:to>
+                                    </p:set>
+                                  </p:childTnLst>
+                                </p:cTn>
+                              </p:par>
+                              <p:par>
+                                <p:cTn id="21" presetID="1" presetClass="entr" presetSubtype="0" fill="hold" nodeType="withEffect">
+                                  <p:stCondLst>
+                                    <p:cond delay="0"/>
+                                  </p:stCondLst>
+                                  <p:childTnLst>
+                                    <p:set>
+                                      <p:cBhvr>
+                                        <p:cTn id="22" dur="1" fill="hold">
+                                          <p:stCondLst>
+                                            <p:cond delay="0"/>
+                                          </p:stCondLst>
+                                        </p:cTn>
+                                        <p:tgtEl>
+                                          <p:spTgt spid="6">
+                                            <p:txEl>
+                                              <p:pRg st="6" end="6"/>
+                                            </p:txEl>
+                                          </p:spTgt>
+                                        </p:tgtEl>
+                                        <p:attrNameLst>
+                                          <p:attrName>style.visibility</p:attrName>
+                                        </p:attrNameLst>
+                                      </p:cBhvr>
+                                      <p:to>
+                                        <p:strVal val="visible"/>
+                                      </p:to>
+                                    </p:set>
+                                  </p:childTnLst>
+                                </p:cTn>
+                              </p:par>
+                              <p:par>
+                                <p:cTn id="23" presetID="1" presetClass="entr" presetSubtype="0" fill="hold" nodeType="withEffect">
+                                  <p:stCondLst>
+                                    <p:cond delay="0"/>
+                                  </p:stCondLst>
+                                  <p:childTnLst>
+                                    <p:set>
+                                      <p:cBhvr>
+                                        <p:cTn id="24" dur="1" fill="hold">
+                                          <p:stCondLst>
+                                            <p:cond delay="0"/>
+                                          </p:stCondLst>
+                                        </p:cTn>
+                                        <p:tgtEl>
+                                          <p:spTgt spid="6">
+                                            <p:txEl>
+                                              <p:pRg st="7" end="7"/>
+                                            </p:txEl>
+                                          </p:spTgt>
+                                        </p:tgtEl>
+                                        <p:attrNameLst>
+                                          <p:attrName>style.visibility</p:attrName>
+                                        </p:attrNameLst>
+                                      </p:cBhvr>
+                                      <p:to>
+                                        <p:strVal val="visible"/>
+                                      </p:to>
+                                    </p:set>
+                                  </p:childTnLst>
+                                </p:cTn>
+                              </p:par>
+                            </p:childTnLst>
+                          </p:cTn>
+                        </p:par>
+                      </p:childTnLst>
+                    </p:cTn>
+                  </p:par>
+                  <p:par>
+                    <p:cTn id="25" fill="hold">
+                      <p:stCondLst>
+                        <p:cond delay="indefinite"/>
+                      </p:stCondLst>
+                      <p:childTnLst>
+                        <p:par>
+                          <p:cTn id="26" fill="hold">
+                            <p:stCondLst>
+                              <p:cond delay="0"/>
+                            </p:stCondLst>
+                            <p:childTnLst>
+                              <p:par>
+                                <p:cTn id="27" presetID="1" presetClass="entr" presetSubtype="0" fill="hold" nodeType="clickEffect">
+                                  <p:stCondLst>
+                                    <p:cond delay="0"/>
+                                  </p:stCondLst>
+                                  <p:childTnLst>
+                                    <p:set>
+                                      <p:cBhvr>
+                                        <p:cTn id="28" dur="1" fill="hold">
+                                          <p:stCondLst>
+                                            <p:cond delay="0"/>
+                                          </p:stCondLst>
+                                        </p:cTn>
+                                        <p:tgtEl>
+                                          <p:spTgt spid="6">
+                                            <p:txEl>
+                                              <p:pRg st="9" end="9"/>
+                                            </p:txEl>
+                                          </p:spTgt>
+                                        </p:tgtEl>
+                                        <p:attrNameLst>
+                                          <p:attrName>style.visibility</p:attrName>
+                                        </p:attrNameLst>
+                                      </p:cBhvr>
+                                      <p:to>
+                                        <p:strVal val="visible"/>
+                                      </p:to>
+                                    </p:set>
+                                  </p:childTnLst>
+                                </p:cTn>
+                              </p:par>
+                            </p:childTnLst>
+                          </p:cTn>
+                        </p:par>
+                      </p:childTnLst>
+                    </p:cTn>
+                  </p:par>
+                </p:childTnLst>
+              </p:cTn>
+              <p:prevCondLst>
+                <p:cond evt="onPrev" delay="0">
+                  <p:tgtEl>
+                    <p:sldTgt/>
+                  </p:tgtEl>
+                </p:cond>
+              </p:prevCondLst>
+              <p:nextCondLst>
+                <p:cond evt="onNext" delay="0">
+                  <p:tgtEl>
+                    <p:sldTgt/>
+                  </p:tgtEl>
+                </p:cond>
+              </p:nextCondLst>
+            </p:seq>
+          </p:childTnLst>
+        </p:cTn>
+      </p:par>
+    </p:tnLst>
+    <p:bldLst>
+      <p:bldP spid="2" grpId="0"/>
+    </p:bldLst>
+  </p:timing>
+</p:sld>
+</file>
+
 <file path=ppt/slides/slide2.xml><?xml version="1.0" encoding="utf-8"?>
 <p:sld xmlns:a="http://schemas.openxmlformats.org/drawingml/2006/main" xmlns:r="http://schemas.openxmlformats.org/officeDocument/2006/relationships" xmlns:p="http://schemas.openxmlformats.org/presentationml/2006/main">
   <p:cSld>
@@ -7975,6 +10397,81 @@
     <p:extLst>
       <p:ext uri="{BB962C8B-B14F-4D97-AF65-F5344CB8AC3E}">
         <p14:creationId xmlns:p14="http://schemas.microsoft.com/office/powerpoint/2010/main" val="2983994237"/>
+      </p:ext>
+    </p:extLst>
+  </p:cSld>
+  <p:clrMapOvr>
+    <a:masterClrMapping/>
+  </p:clrMapOvr>
+  <p:timing>
+    <p:tnLst>
+      <p:par>
+        <p:cTn id="1" dur="indefinite" restart="never" nodeType="tmRoot"/>
+      </p:par>
+    </p:tnLst>
+  </p:timing>
+</p:sld>
+</file>
+
+<file path=ppt/slides/slide20.xml><?xml version="1.0" encoding="utf-8"?>
+<p:sld xmlns:a="http://schemas.openxmlformats.org/drawingml/2006/main" xmlns:r="http://schemas.openxmlformats.org/officeDocument/2006/relationships" xmlns:p="http://schemas.openxmlformats.org/presentationml/2006/main">
+  <p:cSld>
+    <p:spTree>
+      <p:nvGrpSpPr>
+        <p:cNvPr id="1" name=""/>
+        <p:cNvGrpSpPr/>
+        <p:nvPr/>
+      </p:nvGrpSpPr>
+      <p:grpSpPr>
+        <a:xfrm>
+          <a:off x="0" y="0"/>
+          <a:ext cx="0" cy="0"/>
+          <a:chOff x="0" y="0"/>
+          <a:chExt cx="0" cy="0"/>
+        </a:xfrm>
+      </p:grpSpPr>
+      <p:sp>
+        <p:nvSpPr>
+          <p:cNvPr id="2" name="Titre 1"/>
+          <p:cNvSpPr>
+            <a:spLocks noGrp="1"/>
+          </p:cNvSpPr>
+          <p:nvPr>
+            <p:ph type="title"/>
+          </p:nvPr>
+        </p:nvSpPr>
+        <p:spPr/>
+        <p:txBody>
+          <a:bodyPr/>
+          <a:lstStyle/>
+          <a:p>
+            <a:endParaRPr lang="fr-FR"/>
+          </a:p>
+        </p:txBody>
+      </p:sp>
+      <p:sp>
+        <p:nvSpPr>
+          <p:cNvPr id="3" name="Espace réservé du contenu 2"/>
+          <p:cNvSpPr>
+            <a:spLocks noGrp="1"/>
+          </p:cNvSpPr>
+          <p:nvPr>
+            <p:ph idx="1"/>
+          </p:nvPr>
+        </p:nvSpPr>
+        <p:spPr/>
+        <p:txBody>
+          <a:bodyPr/>
+          <a:lstStyle/>
+          <a:p>
+            <a:endParaRPr lang="fr-FR"/>
+          </a:p>
+        </p:txBody>
+      </p:sp>
+    </p:spTree>
+    <p:extLst>
+      <p:ext uri="{BB962C8B-B14F-4D97-AF65-F5344CB8AC3E}">
+        <p14:creationId xmlns:p14="http://schemas.microsoft.com/office/powerpoint/2010/main" val="2456821689"/>
       </p:ext>
     </p:extLst>
   </p:cSld>
@@ -8144,6 +10641,9 @@
             </a:r>
             <a:r>
               <a:rPr lang="fr-FR" sz="2800" dirty="0" err="1">
+                <a:solidFill>
+                  <a:srgbClr val="FF0000"/>
+                </a:solidFill>
                 <a:latin typeface="Courier New" panose="02070309020205020404" pitchFamily="49" charset="0"/>
                 <a:cs typeface="Courier New" panose="02070309020205020404" pitchFamily="49" charset="0"/>
               </a:rPr>
@@ -8219,6 +10719,9 @@
             </a:r>
             <a:r>
               <a:rPr lang="fr-FR" sz="2800" dirty="0" err="1">
+                <a:solidFill>
+                  <a:srgbClr val="FF0000"/>
+                </a:solidFill>
                 <a:latin typeface="Courier New" panose="02070309020205020404" pitchFamily="49" charset="0"/>
                 <a:cs typeface="Courier New" panose="02070309020205020404" pitchFamily="49" charset="0"/>
               </a:rPr>
@@ -8260,6 +10763,9 @@
             </a:r>
             <a:r>
               <a:rPr lang="fr-FR" sz="2800" dirty="0" err="1">
+                <a:solidFill>
+                  <a:srgbClr val="FF0000"/>
+                </a:solidFill>
                 <a:latin typeface="Courier New" panose="02070309020205020404" pitchFamily="49" charset="0"/>
                 <a:cs typeface="Courier New" panose="02070309020205020404" pitchFamily="49" charset="0"/>
               </a:rPr>
@@ -8308,16 +10814,28 @@
           <a:p>
             <a:r>
               <a:rPr lang="fr-FR" sz="4000" dirty="0" err="1" smtClean="0">
+                <a:solidFill>
+                  <a:srgbClr val="FF0000"/>
+                </a:solidFill>
                 <a:latin typeface="Courier New" panose="02070309020205020404" pitchFamily="49" charset="0"/>
                 <a:cs typeface="Courier New" panose="02070309020205020404" pitchFamily="49" charset="0"/>
               </a:rPr>
               <a:t>object</a:t>
+            </a:r>
+            <a:r>
+              <a:rPr lang="fr-FR" sz="4000" dirty="0" smtClean="0">
+                <a:solidFill>
+                  <a:srgbClr val="FF0000"/>
+                </a:solidFill>
+                <a:latin typeface="Calibri" panose="020F0502020204030204" pitchFamily="34" charset="0"/>
+              </a:rPr>
+              <a:t> </a:t>
             </a:r>
             <a:r>
               <a:rPr lang="fr-FR" sz="4000" dirty="0" smtClean="0">
                 <a:latin typeface="Calibri" panose="020F0502020204030204" pitchFamily="34" charset="0"/>
               </a:rPr>
-              <a:t> est la super classe de toutes les classes</a:t>
+              <a:t>est la super classe de toutes les classes</a:t>
             </a:r>
             <a:endParaRPr lang="fr-FR" sz="4000" dirty="0">
               <a:latin typeface="Calibri" panose="020F0502020204030204" pitchFamily="34" charset="0"/>
@@ -9100,6 +11618,9 @@
             </a:r>
             <a:r>
               <a:rPr lang="fr-FR" sz="2800" dirty="0" err="1">
+                <a:solidFill>
+                  <a:srgbClr val="FF0000"/>
+                </a:solidFill>
                 <a:latin typeface="Courier New" panose="02070309020205020404" pitchFamily="49" charset="0"/>
                 <a:cs typeface="Courier New" panose="02070309020205020404" pitchFamily="49" charset="0"/>
               </a:rPr>
@@ -9146,6 +11667,9 @@
             </a:r>
             <a:r>
               <a:rPr lang="fr-FR" sz="2800" dirty="0" err="1">
+                <a:solidFill>
+                  <a:srgbClr val="FF0000"/>
+                </a:solidFill>
                 <a:latin typeface="Courier New" panose="02070309020205020404" pitchFamily="49" charset="0"/>
                 <a:cs typeface="Courier New" panose="02070309020205020404" pitchFamily="49" charset="0"/>
               </a:rPr>
@@ -9192,6 +11716,9 @@
             </a:r>
             <a:r>
               <a:rPr lang="fr-FR" sz="2800" dirty="0" err="1">
+                <a:solidFill>
+                  <a:srgbClr val="FF0000"/>
+                </a:solidFill>
                 <a:latin typeface="Courier New" panose="02070309020205020404" pitchFamily="49" charset="0"/>
                 <a:cs typeface="Courier New" panose="02070309020205020404" pitchFamily="49" charset="0"/>
               </a:rPr>
@@ -9231,16 +11758,28 @@
           <a:p>
             <a:r>
               <a:rPr lang="fr-FR" sz="4000" dirty="0" err="1" smtClean="0">
+                <a:solidFill>
+                  <a:srgbClr val="FF0000"/>
+                </a:solidFill>
                 <a:latin typeface="Courier New" panose="02070309020205020404" pitchFamily="49" charset="0"/>
                 <a:cs typeface="Courier New" panose="02070309020205020404" pitchFamily="49" charset="0"/>
               </a:rPr>
               <a:t>object</a:t>
+            </a:r>
+            <a:r>
+              <a:rPr lang="fr-FR" sz="4000" dirty="0" smtClean="0">
+                <a:solidFill>
+                  <a:srgbClr val="FF0000"/>
+                </a:solidFill>
+                <a:latin typeface="Calibri" panose="020F0502020204030204" pitchFamily="34" charset="0"/>
+              </a:rPr>
+              <a:t> </a:t>
             </a:r>
             <a:r>
               <a:rPr lang="fr-FR" sz="4000" dirty="0" smtClean="0">
                 <a:latin typeface="Calibri" panose="020F0502020204030204" pitchFamily="34" charset="0"/>
               </a:rPr>
-              <a:t> est la super classe de toutes les classes</a:t>
+              <a:t>est la super classe de toutes les classes</a:t>
             </a:r>
             <a:endParaRPr lang="fr-FR" sz="4000" dirty="0">
               <a:latin typeface="Calibri" panose="020F0502020204030204" pitchFamily="34" charset="0"/>
@@ -9650,67 +12189,6 @@
                       </p:childTnLst>
                     </p:cTn>
                   </p:par>
-                  <p:par>
-                    <p:cTn id="21" fill="hold">
-                      <p:stCondLst>
-                        <p:cond delay="indefinite"/>
-                      </p:stCondLst>
-                      <p:childTnLst>
-                        <p:par>
-                          <p:cTn id="22" fill="hold">
-                            <p:stCondLst>
-                              <p:cond delay="0"/>
-                            </p:stCondLst>
-                            <p:childTnLst>
-                              <p:par>
-                                <p:cTn id="23" presetID="10" presetClass="entr" presetSubtype="0" fill="hold" nodeType="clickEffect">
-                                  <p:stCondLst>
-                                    <p:cond delay="0"/>
-                                  </p:stCondLst>
-                                  <p:childTnLst>
-                                    <p:set>
-                                      <p:cBhvr>
-                                        <p:cTn id="24" dur="1" fill="hold">
-                                          <p:stCondLst>
-                                            <p:cond delay="0"/>
-                                          </p:stCondLst>
-                                        </p:cTn>
-                                        <p:tgtEl>
-                                          <p:spTgt spid="5">
-                                            <p:txEl>
-                                              <p:pRg st="0" end="0"/>
-                                            </p:txEl>
-                                          </p:spTgt>
-                                        </p:tgtEl>
-                                        <p:attrNameLst>
-                                          <p:attrName>style.visibility</p:attrName>
-                                        </p:attrNameLst>
-                                      </p:cBhvr>
-                                      <p:to>
-                                        <p:strVal val="visible"/>
-                                      </p:to>
-                                    </p:set>
-                                    <p:animEffect transition="in" filter="fade">
-                                      <p:cBhvr>
-                                        <p:cTn id="25" dur="500"/>
-                                        <p:tgtEl>
-                                          <p:spTgt spid="5">
-                                            <p:txEl>
-                                              <p:pRg st="0" end="0"/>
-                                            </p:txEl>
-                                          </p:spTgt>
-                                        </p:tgtEl>
-                                      </p:cBhvr>
-                                    </p:animEffect>
-                                  </p:childTnLst>
-                                </p:cTn>
-                              </p:par>
-                            </p:childTnLst>
-                          </p:cTn>
-                        </p:par>
-                      </p:childTnLst>
-                    </p:cTn>
-                  </p:par>
                 </p:childTnLst>
               </p:cTn>
               <p:prevCondLst>
@@ -9960,6 +12438,9 @@
             </a:r>
             <a:r>
               <a:rPr lang="fr-FR" sz="2800" dirty="0" err="1">
+                <a:solidFill>
+                  <a:srgbClr val="FF0000"/>
+                </a:solidFill>
                 <a:latin typeface="Courier New" panose="02070309020205020404" pitchFamily="49" charset="0"/>
                 <a:cs typeface="Courier New" panose="02070309020205020404" pitchFamily="49" charset="0"/>
               </a:rPr>
@@ -12534,22 +15015,26 @@
           <a:lstStyle/>
           <a:p>
             <a:r>
-              <a:rPr lang="fr-FR" sz="4000" dirty="0">
+              <a:rPr lang="fr-FR" sz="4000" dirty="0" smtClean="0">
                 <a:latin typeface="Calibri" panose="020F0502020204030204" pitchFamily="34" charset="0"/>
                 <a:cs typeface="Courier New" panose="02070309020205020404" pitchFamily="49" charset="0"/>
               </a:rPr>
-              <a:t>Le type d’une classe est l’objet </a:t>
-            </a:r>
-            <a:r>
-              <a:rPr lang="fr-FR" sz="4000" dirty="0">
-                <a:solidFill>
-                  <a:srgbClr val="00B050"/>
-                </a:solidFill>
-                <a:latin typeface="Courier New" panose="02070309020205020404" pitchFamily="49" charset="0"/>
-                <a:cs typeface="Courier New" panose="02070309020205020404" pitchFamily="49" charset="0"/>
-              </a:rPr>
-              <a:t>type</a:t>
-            </a:r>
+              <a:t>Le type d’une classe est le type de sa </a:t>
+            </a:r>
+            <a:r>
+              <a:rPr lang="fr-FR" sz="4000" dirty="0" err="1" smtClean="0">
+                <a:latin typeface="Calibri" panose="020F0502020204030204" pitchFamily="34" charset="0"/>
+                <a:cs typeface="Courier New" panose="02070309020205020404" pitchFamily="49" charset="0"/>
+              </a:rPr>
+              <a:t>super-classe</a:t>
+            </a:r>
+            <a:endParaRPr lang="fr-FR" sz="4000" dirty="0">
+              <a:solidFill>
+                <a:srgbClr val="00B050"/>
+              </a:solidFill>
+              <a:latin typeface="Courier New" panose="02070309020205020404" pitchFamily="49" charset="0"/>
+              <a:cs typeface="Courier New" panose="02070309020205020404" pitchFamily="49" charset="0"/>
+            </a:endParaRPr>
           </a:p>
         </p:txBody>
       </p:sp>
@@ -12945,7 +15430,7 @@
         <p:spPr>
           <a:xfrm>
             <a:off x="7552266" y="291386"/>
-            <a:ext cx="4803285" cy="3539430"/>
+            <a:ext cx="4803285" cy="3970318"/>
           </a:xfrm>
           <a:prstGeom prst="rect">
             <a:avLst/>
@@ -12963,12 +15448,29 @@
                 <a:latin typeface="Courier New" panose="02070309020205020404" pitchFamily="49" charset="0"/>
                 <a:cs typeface="Courier New" panose="02070309020205020404" pitchFamily="49" charset="0"/>
               </a:rPr>
-              <a:t>&gt;&gt;&gt; class C(object):</a:t>
-            </a:r>
-          </a:p>
-          <a:p>
+              <a:t>&gt;&gt;&gt; class C(</a:t>
+            </a:r>
             <a:r>
               <a:rPr lang="en-US" sz="2800" dirty="0">
+                <a:solidFill>
+                  <a:srgbClr val="FF0000"/>
+                </a:solidFill>
+                <a:latin typeface="Courier New" panose="02070309020205020404" pitchFamily="49" charset="0"/>
+                <a:cs typeface="Courier New" panose="02070309020205020404" pitchFamily="49" charset="0"/>
+              </a:rPr>
+              <a:t>object</a:t>
+            </a:r>
+            <a:r>
+              <a:rPr lang="en-US" sz="2800" dirty="0">
+                <a:latin typeface="Courier New" panose="02070309020205020404" pitchFamily="49" charset="0"/>
+                <a:cs typeface="Courier New" panose="02070309020205020404" pitchFamily="49" charset="0"/>
+              </a:rPr>
+              <a:t>):</a:t>
+            </a:r>
+          </a:p>
+          <a:p>
+            <a:r>
+              <a:rPr lang="en-US" sz="2800" dirty="0">
                 <a:latin typeface="Courier New" panose="02070309020205020404" pitchFamily="49" charset="0"/>
                 <a:cs typeface="Courier New" panose="02070309020205020404" pitchFamily="49" charset="0"/>
               </a:rPr>
@@ -12995,7 +15497,70 @@
                 <a:latin typeface="Courier New" panose="02070309020205020404" pitchFamily="49" charset="0"/>
                 <a:cs typeface="Courier New" panose="02070309020205020404" pitchFamily="49" charset="0"/>
               </a:rPr>
-              <a:t>class D(C):</a:t>
+              <a:t>class D(C</a:t>
+            </a:r>
+            <a:r>
+              <a:rPr lang="en-US" sz="2800" dirty="0" smtClean="0">
+                <a:latin typeface="Courier New" panose="02070309020205020404" pitchFamily="49" charset="0"/>
+                <a:cs typeface="Courier New" panose="02070309020205020404" pitchFamily="49" charset="0"/>
+              </a:rPr>
+              <a:t>): pass</a:t>
+            </a:r>
+            <a:endParaRPr lang="en-US" sz="2800" dirty="0">
+              <a:latin typeface="Courier New" panose="02070309020205020404" pitchFamily="49" charset="0"/>
+              <a:cs typeface="Courier New" panose="02070309020205020404" pitchFamily="49" charset="0"/>
+            </a:endParaRPr>
+          </a:p>
+          <a:p>
+            <a:r>
+              <a:rPr lang="fr-FR" sz="2800" dirty="0">
+                <a:latin typeface="Courier New" panose="02070309020205020404" pitchFamily="49" charset="0"/>
+                <a:cs typeface="Courier New" panose="02070309020205020404" pitchFamily="49" charset="0"/>
+              </a:rPr>
+              <a:t>&gt;&gt;&gt; type(</a:t>
+            </a:r>
+            <a:r>
+              <a:rPr lang="fr-FR" sz="2800" dirty="0" err="1">
+                <a:solidFill>
+                  <a:srgbClr val="FF0000"/>
+                </a:solidFill>
+                <a:latin typeface="Courier New" panose="02070309020205020404" pitchFamily="49" charset="0"/>
+                <a:cs typeface="Courier New" panose="02070309020205020404" pitchFamily="49" charset="0"/>
+              </a:rPr>
+              <a:t>object</a:t>
+            </a:r>
+            <a:r>
+              <a:rPr lang="fr-FR" sz="2800" dirty="0">
+                <a:latin typeface="Courier New" panose="02070309020205020404" pitchFamily="49" charset="0"/>
+                <a:cs typeface="Courier New" panose="02070309020205020404" pitchFamily="49" charset="0"/>
+              </a:rPr>
+              <a:t>)</a:t>
+            </a:r>
+          </a:p>
+          <a:p>
+            <a:r>
+              <a:rPr lang="fr-FR" sz="2800" dirty="0">
+                <a:latin typeface="Courier New" panose="02070309020205020404" pitchFamily="49" charset="0"/>
+                <a:cs typeface="Courier New" panose="02070309020205020404" pitchFamily="49" charset="0"/>
+              </a:rPr>
+              <a:t>&lt;type '</a:t>
+            </a:r>
+            <a:r>
+              <a:rPr lang="fr-FR" sz="2800" dirty="0">
+                <a:solidFill>
+                  <a:srgbClr val="00B050"/>
+                </a:solidFill>
+                <a:latin typeface="Courier New" panose="02070309020205020404" pitchFamily="49" charset="0"/>
+                <a:cs typeface="Courier New" panose="02070309020205020404" pitchFamily="49" charset="0"/>
+              </a:rPr>
+              <a:t>type</a:t>
+            </a:r>
+            <a:r>
+              <a:rPr lang="fr-FR" sz="2800" dirty="0">
+                <a:latin typeface="Courier New" panose="02070309020205020404" pitchFamily="49" charset="0"/>
+                <a:cs typeface="Courier New" panose="02070309020205020404" pitchFamily="49" charset="0"/>
+              </a:rPr>
+              <a:t>'&gt;</a:t>
             </a:r>
           </a:p>
           <a:p>
@@ -13004,24 +15569,19 @@
                 <a:latin typeface="Courier New" panose="02070309020205020404" pitchFamily="49" charset="0"/>
                 <a:cs typeface="Courier New" panose="02070309020205020404" pitchFamily="49" charset="0"/>
               </a:rPr>
-              <a:t>	pass</a:t>
-            </a:r>
-          </a:p>
-          <a:p>
+              <a:t>&gt;&gt;&gt; </a:t>
+            </a:r>
             <a:r>
               <a:rPr lang="en-US" sz="2800" dirty="0" smtClean="0">
                 <a:latin typeface="Courier New" panose="02070309020205020404" pitchFamily="49" charset="0"/>
                 <a:cs typeface="Courier New" panose="02070309020205020404" pitchFamily="49" charset="0"/>
               </a:rPr>
-              <a:t>&gt;&gt;&gt; </a:t>
-            </a:r>
-            <a:r>
-              <a:rPr lang="en-US" sz="2800" dirty="0">
-                <a:latin typeface="Courier New" panose="02070309020205020404" pitchFamily="49" charset="0"/>
-                <a:cs typeface="Courier New" panose="02070309020205020404" pitchFamily="49" charset="0"/>
-              </a:rPr>
-              <a:t>type(D)</a:t>
-            </a:r>
+              <a:t>type(C)</a:t>
+            </a:r>
+            <a:endParaRPr lang="en-US" sz="2800" dirty="0">
+              <a:latin typeface="Courier New" panose="02070309020205020404" pitchFamily="49" charset="0"/>
+              <a:cs typeface="Courier New" panose="02070309020205020404" pitchFamily="49" charset="0"/>
+            </a:endParaRPr>
           </a:p>
           <a:p>
             <a:r>
@@ -13042,53 +15602,39 @@
               <a:t>type</a:t>
             </a:r>
             <a:r>
+              <a:rPr lang="en-US" sz="2800" dirty="0">
+                <a:latin typeface="Courier New" panose="02070309020205020404" pitchFamily="49" charset="0"/>
+                <a:cs typeface="Courier New" panose="02070309020205020404" pitchFamily="49" charset="0"/>
+              </a:rPr>
+              <a:t>'&gt;</a:t>
+            </a:r>
+          </a:p>
+          <a:p>
+            <a:r>
               <a:rPr lang="en-US" sz="2800" dirty="0" smtClean="0">
                 <a:latin typeface="Courier New" panose="02070309020205020404" pitchFamily="49" charset="0"/>
                 <a:cs typeface="Courier New" panose="02070309020205020404" pitchFamily="49" charset="0"/>
               </a:rPr>
-              <a:t>'&gt;</a:t>
-            </a:r>
-          </a:p>
-          <a:p>
-            <a:r>
-              <a:rPr lang="fr-FR" sz="2800" dirty="0" smtClean="0">
-                <a:latin typeface="Courier New" panose="02070309020205020404" pitchFamily="49" charset="0"/>
-                <a:cs typeface="Courier New" panose="02070309020205020404" pitchFamily="49" charset="0"/>
-              </a:rPr>
               <a:t>&gt;&gt;&gt; </a:t>
             </a:r>
             <a:r>
-              <a:rPr lang="fr-FR" sz="2800" dirty="0">
-                <a:latin typeface="Courier New" panose="02070309020205020404" pitchFamily="49" charset="0"/>
-                <a:cs typeface="Courier New" panose="02070309020205020404" pitchFamily="49" charset="0"/>
-              </a:rPr>
-              <a:t>type(</a:t>
-            </a:r>
-            <a:r>
-              <a:rPr lang="fr-FR" sz="2800" dirty="0" err="1">
-                <a:latin typeface="Courier New" panose="02070309020205020404" pitchFamily="49" charset="0"/>
-                <a:cs typeface="Courier New" panose="02070309020205020404" pitchFamily="49" charset="0"/>
-              </a:rPr>
-              <a:t>object</a:t>
-            </a:r>
-            <a:r>
-              <a:rPr lang="fr-FR" sz="2800" dirty="0">
-                <a:latin typeface="Courier New" panose="02070309020205020404" pitchFamily="49" charset="0"/>
-                <a:cs typeface="Courier New" panose="02070309020205020404" pitchFamily="49" charset="0"/>
-              </a:rPr>
-              <a:t>)</a:t>
-            </a:r>
-          </a:p>
-          <a:p>
-            <a:r>
-              <a:rPr lang="fr-FR" sz="2800" dirty="0">
+              <a:rPr lang="en-US" sz="2800" dirty="0">
+                <a:latin typeface="Courier New" panose="02070309020205020404" pitchFamily="49" charset="0"/>
+                <a:cs typeface="Courier New" panose="02070309020205020404" pitchFamily="49" charset="0"/>
+              </a:rPr>
+              <a:t>type(D)</a:t>
+            </a:r>
+          </a:p>
+          <a:p>
+            <a:r>
+              <a:rPr lang="en-US" sz="2800" dirty="0">
                 <a:latin typeface="Courier New" panose="02070309020205020404" pitchFamily="49" charset="0"/>
                 <a:cs typeface="Courier New" panose="02070309020205020404" pitchFamily="49" charset="0"/>
               </a:rPr>
               <a:t>&lt;type '</a:t>
             </a:r>
             <a:r>
-              <a:rPr lang="fr-FR" sz="2800" dirty="0">
+              <a:rPr lang="en-US" sz="2800" dirty="0">
                 <a:solidFill>
                   <a:srgbClr val="00B050"/>
                 </a:solidFill>
@@ -13098,13 +15644,13 @@
               <a:t>type</a:t>
             </a:r>
             <a:r>
-              <a:rPr lang="fr-FR" sz="2800" dirty="0">
+              <a:rPr lang="en-US" sz="2800" dirty="0" smtClean="0">
                 <a:latin typeface="Courier New" panose="02070309020205020404" pitchFamily="49" charset="0"/>
                 <a:cs typeface="Courier New" panose="02070309020205020404" pitchFamily="49" charset="0"/>
               </a:rPr>
               <a:t>'&gt;</a:t>
             </a:r>
-            <a:endParaRPr lang="fr-FR" sz="2800" dirty="0" smtClean="0">
+            <a:endParaRPr lang="en-US" sz="2800" dirty="0" smtClean="0">
               <a:latin typeface="Courier New" panose="02070309020205020404" pitchFamily="49" charset="0"/>
               <a:cs typeface="Courier New" panose="02070309020205020404" pitchFamily="49" charset="0"/>
             </a:endParaRPr>
@@ -13155,7 +15701,7 @@
                                           </p:stCondLst>
                                         </p:cTn>
                                         <p:tgtEl>
-                                          <p:spTgt spid="17"/>
+                                          <p:spTgt spid="7"/>
                                         </p:tgtEl>
                                         <p:attrNameLst>
                                           <p:attrName>style.visibility</p:attrName>
@@ -13202,55 +15748,6 @@
                                         <p:tgtEl>
                                           <p:spTgt spid="18">
                                             <p:txEl>
-                                              <p:pRg st="6" end="6"/>
-                                            </p:txEl>
-                                          </p:spTgt>
-                                        </p:tgtEl>
-                                        <p:attrNameLst>
-                                          <p:attrName>style.visibility</p:attrName>
-                                        </p:attrNameLst>
-                                      </p:cBhvr>
-                                      <p:to>
-                                        <p:strVal val="visible"/>
-                                      </p:to>
-                                    </p:set>
-                                  </p:childTnLst>
-                                </p:cTn>
-                              </p:par>
-                            </p:childTnLst>
-                          </p:cTn>
-                        </p:par>
-                      </p:childTnLst>
-                    </p:cTn>
-                  </p:par>
-                  <p:par>
-                    <p:cTn id="11" fill="hold">
-                      <p:stCondLst>
-                        <p:cond delay="indefinite"/>
-                      </p:stCondLst>
-                      <p:childTnLst>
-                        <p:par>
-                          <p:cTn id="12" fill="hold">
-                            <p:stCondLst>
-                              <p:cond delay="0"/>
-                            </p:stCondLst>
-                            <p:childTnLst>
-                              <p:par>
-                                <p:cTn id="13" presetID="1" presetClass="entr" presetSubtype="0" fill="hold" nodeType="clickEffect">
-                                  <p:stCondLst>
-                                    <p:cond delay="0"/>
-                                  </p:stCondLst>
-                                  <p:childTnLst>
-                                    <p:set>
-                                      <p:cBhvr>
-                                        <p:cTn id="14" dur="1" fill="hold">
-                                          <p:stCondLst>
-                                            <p:cond delay="0"/>
-                                          </p:stCondLst>
-                                        </p:cTn>
-                                        <p:tgtEl>
-                                          <p:spTgt spid="18">
-                                            <p:txEl>
                                               <p:pRg st="0" end="0"/>
                                             </p:txEl>
                                           </p:spTgt>
@@ -13266,33 +15763,15 @@
                                   </p:childTnLst>
                                 </p:cTn>
                               </p:par>
-                            </p:childTnLst>
-                          </p:cTn>
-                        </p:par>
-                      </p:childTnLst>
-                    </p:cTn>
-                  </p:par>
-                  <p:par>
-                    <p:cTn id="15" fill="hold">
-                      <p:stCondLst>
-                        <p:cond delay="indefinite"/>
-                      </p:stCondLst>
-                      <p:childTnLst>
-                        <p:par>
-                          <p:cTn id="16" fill="hold">
-                            <p:stCondLst>
-                              <p:cond delay="0"/>
-                            </p:stCondLst>
-                            <p:childTnLst>
                               <p:par>
-                                <p:cTn id="17" presetID="1" presetClass="entr" presetSubtype="0" fill="hold" nodeType="clickEffect">
+                                <p:cTn id="11" presetID="1" presetClass="entr" presetSubtype="0" fill="hold" nodeType="withEffect">
                                   <p:stCondLst>
                                     <p:cond delay="0"/>
                                   </p:stCondLst>
                                   <p:childTnLst>
                                     <p:set>
                                       <p:cBhvr>
-                                        <p:cTn id="18" dur="1" fill="hold">
+                                        <p:cTn id="12" dur="1" fill="hold">
                                           <p:stCondLst>
                                             <p:cond delay="0"/>
                                           </p:stCondLst>
@@ -13322,19 +15801,99 @@
                     </p:cTn>
                   </p:par>
                   <p:par>
-                    <p:cTn id="19" fill="hold">
+                    <p:cTn id="13" fill="hold">
                       <p:stCondLst>
                         <p:cond delay="indefinite"/>
                       </p:stCondLst>
                       <p:childTnLst>
                         <p:par>
-                          <p:cTn id="20" fill="hold">
+                          <p:cTn id="14" fill="hold">
                             <p:stCondLst>
                               <p:cond delay="0"/>
                             </p:stCondLst>
                             <p:childTnLst>
                               <p:par>
-                                <p:cTn id="21" presetID="1" presetClass="entr" presetSubtype="0" fill="hold" nodeType="clickEffect">
+                                <p:cTn id="15" presetID="1" presetClass="entr" presetSubtype="0" fill="hold" nodeType="clickEffect">
+                                  <p:stCondLst>
+                                    <p:cond delay="0"/>
+                                  </p:stCondLst>
+                                  <p:childTnLst>
+                                    <p:set>
+                                      <p:cBhvr>
+                                        <p:cTn id="16" dur="1" fill="hold">
+                                          <p:stCondLst>
+                                            <p:cond delay="0"/>
+                                          </p:stCondLst>
+                                        </p:cTn>
+                                        <p:tgtEl>
+                                          <p:spTgt spid="18">
+                                            <p:txEl>
+                                              <p:pRg st="2" end="2"/>
+                                            </p:txEl>
+                                          </p:spTgt>
+                                        </p:tgtEl>
+                                        <p:attrNameLst>
+                                          <p:attrName>style.visibility</p:attrName>
+                                        </p:attrNameLst>
+                                      </p:cBhvr>
+                                      <p:to>
+                                        <p:strVal val="visible"/>
+                                      </p:to>
+                                    </p:set>
+                                  </p:childTnLst>
+                                </p:cTn>
+                              </p:par>
+                            </p:childTnLst>
+                          </p:cTn>
+                        </p:par>
+                      </p:childTnLst>
+                    </p:cTn>
+                  </p:par>
+                  <p:par>
+                    <p:cTn id="17" fill="hold">
+                      <p:stCondLst>
+                        <p:cond delay="indefinite"/>
+                      </p:stCondLst>
+                      <p:childTnLst>
+                        <p:par>
+                          <p:cTn id="18" fill="hold">
+                            <p:stCondLst>
+                              <p:cond delay="0"/>
+                            </p:stCondLst>
+                            <p:childTnLst>
+                              <p:par>
+                                <p:cTn id="19" presetID="1" presetClass="entr" presetSubtype="0" fill="hold" nodeType="clickEffect">
+                                  <p:stCondLst>
+                                    <p:cond delay="0"/>
+                                  </p:stCondLst>
+                                  <p:childTnLst>
+                                    <p:set>
+                                      <p:cBhvr>
+                                        <p:cTn id="20" dur="1" fill="hold">
+                                          <p:stCondLst>
+                                            <p:cond delay="0"/>
+                                          </p:stCondLst>
+                                        </p:cTn>
+                                        <p:tgtEl>
+                                          <p:spTgt spid="18">
+                                            <p:txEl>
+                                              <p:pRg st="3" end="3"/>
+                                            </p:txEl>
+                                          </p:spTgt>
+                                        </p:tgtEl>
+                                        <p:attrNameLst>
+                                          <p:attrName>style.visibility</p:attrName>
+                                        </p:attrNameLst>
+                                      </p:cBhvr>
+                                      <p:to>
+                                        <p:strVal val="visible"/>
+                                      </p:to>
+                                    </p:set>
+                                  </p:childTnLst>
+                                </p:cTn>
+                              </p:par>
+                              <p:par>
+                                <p:cTn id="21" presetID="1" presetClass="entr" presetSubtype="0" fill="hold" nodeType="withEffect">
                                   <p:stCondLst>
                                     <p:cond delay="0"/>
                                   </p:stCondLst>
@@ -13349,7 +15908,7 @@
                                         <p:tgtEl>
                                           <p:spTgt spid="18">
                                             <p:txEl>
-                                              <p:pRg st="2" end="2"/>
+                                              <p:pRg st="4" end="4"/>
                                             </p:txEl>
                                           </p:spTgt>
                                         </p:tgtEl>
@@ -13398,7 +15957,38 @@
                                         <p:tgtEl>
                                           <p:spTgt spid="18">
                                             <p:txEl>
-                                              <p:pRg st="3" end="3"/>
+                                              <p:pRg st="5" end="5"/>
+                                            </p:txEl>
+                                          </p:spTgt>
+                                        </p:tgtEl>
+                                        <p:attrNameLst>
+                                          <p:attrName>style.visibility</p:attrName>
+                                        </p:attrNameLst>
+                                      </p:cBhvr>
+                                      <p:to>
+                                        <p:strVal val="visible"/>
+                                      </p:to>
+                                    </p:set>
+                                  </p:childTnLst>
+                                </p:cTn>
+                              </p:par>
+                              <p:par>
+                                <p:cTn id="27" presetID="1" presetClass="entr" presetSubtype="0" fill="hold" nodeType="withEffect">
+                                  <p:stCondLst>
+                                    <p:cond delay="0"/>
+                                  </p:stCondLst>
+                                  <p:childTnLst>
+                                    <p:set>
+                                      <p:cBhvr>
+                                        <p:cTn id="28" dur="1" fill="hold">
+                                          <p:stCondLst>
+                                            <p:cond delay="0"/>
+                                          </p:stCondLst>
+                                        </p:cTn>
+                                        <p:tgtEl>
+                                          <p:spTgt spid="18">
+                                            <p:txEl>
+                                              <p:pRg st="6" end="6"/>
                                             </p:txEl>
                                           </p:spTgt>
                                         </p:tgtEl>
@@ -13420,26 +16010,26 @@
                     </p:cTn>
                   </p:par>
                   <p:par>
-                    <p:cTn id="27" fill="hold">
+                    <p:cTn id="29" fill="hold">
                       <p:stCondLst>
                         <p:cond delay="indefinite"/>
                       </p:stCondLst>
                       <p:childTnLst>
                         <p:par>
-                          <p:cTn id="28" fill="hold">
+                          <p:cTn id="30" fill="hold">
                             <p:stCondLst>
                               <p:cond delay="0"/>
                             </p:stCondLst>
                             <p:childTnLst>
                               <p:par>
-                                <p:cTn id="29" presetID="1" presetClass="entr" presetSubtype="0" fill="hold" nodeType="clickEffect">
+                                <p:cTn id="31" presetID="1" presetClass="entr" presetSubtype="0" fill="hold" nodeType="clickEffect">
                                   <p:stCondLst>
                                     <p:cond delay="0"/>
                                   </p:stCondLst>
                                   <p:childTnLst>
                                     <p:set>
                                       <p:cBhvr>
-                                        <p:cTn id="30" dur="1" fill="hold">
+                                        <p:cTn id="32" dur="1" fill="hold">
                                           <p:stCondLst>
                                             <p:cond delay="0"/>
                                           </p:stCondLst>
@@ -13447,56 +16037,7 @@
                                         <p:tgtEl>
                                           <p:spTgt spid="18">
                                             <p:txEl>
-                                              <p:pRg st="4" end="4"/>
-                                            </p:txEl>
-                                          </p:spTgt>
-                                        </p:tgtEl>
-                                        <p:attrNameLst>
-                                          <p:attrName>style.visibility</p:attrName>
-                                        </p:attrNameLst>
-                                      </p:cBhvr>
-                                      <p:to>
-                                        <p:strVal val="visible"/>
-                                      </p:to>
-                                    </p:set>
-                                  </p:childTnLst>
-                                </p:cTn>
-                              </p:par>
-                            </p:childTnLst>
-                          </p:cTn>
-                        </p:par>
-                      </p:childTnLst>
-                    </p:cTn>
-                  </p:par>
-                  <p:par>
-                    <p:cTn id="31" fill="hold">
-                      <p:stCondLst>
-                        <p:cond delay="indefinite"/>
-                      </p:stCondLst>
-                      <p:childTnLst>
-                        <p:par>
-                          <p:cTn id="32" fill="hold">
-                            <p:stCondLst>
-                              <p:cond delay="0"/>
-                            </p:stCondLst>
-                            <p:childTnLst>
-                              <p:par>
-                                <p:cTn id="33" presetID="1" presetClass="entr" presetSubtype="0" fill="hold" nodeType="clickEffect">
-                                  <p:stCondLst>
-                                    <p:cond delay="0"/>
-                                  </p:stCondLst>
-                                  <p:childTnLst>
-                                    <p:set>
-                                      <p:cBhvr>
-                                        <p:cTn id="34" dur="1" fill="hold">
-                                          <p:stCondLst>
-                                            <p:cond delay="0"/>
-                                          </p:stCondLst>
-                                        </p:cTn>
-                                        <p:tgtEl>
-                                          <p:spTgt spid="18">
-                                            <p:txEl>
-                                              <p:pRg st="5" end="5"/>
+                                              <p:pRg st="7" end="7"/>
                                             </p:txEl>
                                           </p:spTgt>
                                         </p:tgtEl>
@@ -13512,14 +16053,14 @@
                                 </p:cTn>
                               </p:par>
                               <p:par>
-                                <p:cTn id="35" presetID="1" presetClass="entr" presetSubtype="0" fill="hold" nodeType="withEffect">
+                                <p:cTn id="33" presetID="1" presetClass="entr" presetSubtype="0" fill="hold" nodeType="withEffect">
                                   <p:stCondLst>
                                     <p:cond delay="0"/>
                                   </p:stCondLst>
                                   <p:childTnLst>
                                     <p:set>
                                       <p:cBhvr>
-                                        <p:cTn id="36" dur="1" fill="hold">
+                                        <p:cTn id="34" dur="1" fill="hold">
                                           <p:stCondLst>
                                             <p:cond delay="0"/>
                                           </p:stCondLst>
@@ -13527,7 +16068,7 @@
                                         <p:tgtEl>
                                           <p:spTgt spid="18">
                                             <p:txEl>
-                                              <p:pRg st="7" end="7"/>
+                                              <p:pRg st="8" end="8"/>
                                             </p:txEl>
                                           </p:spTgt>
                                         </p:tgtEl>
@@ -13570,7 +16111,7 @@
       </p:par>
     </p:tnLst>
     <p:bldLst>
-      <p:bldP spid="17" grpId="0"/>
+      <p:bldP spid="7" grpId="0"/>
     </p:bldLst>
   </p:timing>
 </p:sld>
